--- a/JITENDRA_INFORMS_POSTER.pptx
+++ b/JITENDRA_INFORMS_POSTER.pptx
@@ -962,10 +962,10 @@
         <a:lstStyle/>
         <a:p>
           <a:r>
-            <a:rPr lang="en-US" b="1" i="0"/>
-            <a:t>In 2019 (Before COVID):</a:t>
+            <a:rPr lang="en-US" b="1" i="0" dirty="0"/>
+            <a:t>In 2021 (Before COVID):</a:t>
           </a:r>
-          <a:endParaRPr lang="en-US"/>
+          <a:endParaRPr lang="en-US" dirty="0"/>
         </a:p>
       </dgm:t>
     </dgm:pt>
@@ -1044,14 +1044,14 @@
         <a:lstStyle/>
         <a:p>
           <a:r>
-            <a:rPr lang="en-US" b="1" i="0"/>
+            <a:rPr lang="en-US" b="1" i="0" dirty="0"/>
             <a:t>+</a:t>
           </a:r>
           <a:r>
-            <a:rPr lang="en-US" b="0" i="0"/>
-            <a:t> MSA, not city/ not MSA</a:t>
+            <a:rPr lang="en-US" b="0" i="0" dirty="0"/>
+            <a:t> Household income range: 150,000 – 199,999</a:t>
           </a:r>
-          <a:endParaRPr lang="en-US"/>
+          <a:endParaRPr lang="en-US" dirty="0"/>
         </a:p>
       </dgm:t>
     </dgm:pt>
@@ -1077,52 +1077,11 @@
         </a:p>
       </dgm:t>
     </dgm:pt>
-    <dgm:pt modelId="{93F3057B-6E97-4D4A-A5F3-91A3E74FE496}">
-      <dgm:prSet/>
-      <dgm:spPr>
-        <a:solidFill>
-          <a:srgbClr val="92D050"/>
-        </a:solidFill>
-      </dgm:spPr>
-      <dgm:t>
-        <a:bodyPr/>
-        <a:lstStyle/>
-        <a:p>
-          <a:r>
-            <a:rPr lang="en-US" b="0" i="0"/>
-            <a:t>+ phone in office</a:t>
-          </a:r>
-          <a:endParaRPr lang="en-US"/>
-        </a:p>
-      </dgm:t>
-    </dgm:pt>
-    <dgm:pt modelId="{2BCBA9EA-24B8-D848-ADD0-744E9C58C05B}" type="parTrans" cxnId="{4DFC6FDE-AB66-EE4B-80C4-9F1636D17F86}">
-      <dgm:prSet/>
-      <dgm:spPr/>
-      <dgm:t>
-        <a:bodyPr/>
-        <a:lstStyle/>
-        <a:p>
-          <a:endParaRPr lang="en-US"/>
-        </a:p>
-      </dgm:t>
-    </dgm:pt>
-    <dgm:pt modelId="{82FBB55A-5742-8649-96A0-25D492A268C2}" type="sibTrans" cxnId="{4DFC6FDE-AB66-EE4B-80C4-9F1636D17F86}">
-      <dgm:prSet/>
-      <dgm:spPr/>
-      <dgm:t>
-        <a:bodyPr/>
-        <a:lstStyle/>
-        <a:p>
-          <a:endParaRPr lang="en-US"/>
-        </a:p>
-      </dgm:t>
-    </dgm:pt>
     <dgm:pt modelId="{C2BA9ECA-5BF8-F345-9B71-1CF0059B805A}">
       <dgm:prSet/>
       <dgm:spPr>
         <a:solidFill>
-          <a:srgbClr val="DA460D"/>
+          <a:srgbClr val="D1A67B"/>
         </a:solidFill>
       </dgm:spPr>
       <dgm:t>
@@ -1135,7 +1094,7 @@
           </a:r>
           <a:r>
             <a:rPr lang="en-US" b="0" i="0" dirty="0"/>
-            <a:t> Income in $40,000 to $49,999</a:t>
+            <a:t> Household income range: 25,000 – 29,999</a:t>
           </a:r>
           <a:endParaRPr lang="en-US" dirty="0"/>
         </a:p>
@@ -1167,7 +1126,7 @@
       <dgm:prSet/>
       <dgm:spPr>
         <a:solidFill>
-          <a:srgbClr val="DA460D"/>
+          <a:srgbClr val="D1A67B"/>
         </a:solidFill>
       </dgm:spPr>
       <dgm:t>
@@ -1175,14 +1134,14 @@
         <a:lstStyle/>
         <a:p>
           <a:r>
-            <a:rPr lang="en-US" b="1" i="0"/>
+            <a:rPr lang="en-US" b="1" i="0" dirty="0"/>
             <a:t>-</a:t>
           </a:r>
           <a:r>
-            <a:rPr lang="en-US" b="0" i="0"/>
-            <a:t> Non-permanent house unit</a:t>
+            <a:rPr lang="en-US" b="0" i="0" dirty="0"/>
+            <a:t> Western US</a:t>
           </a:r>
-          <a:endParaRPr lang="en-US"/>
+          <a:endParaRPr lang="en-US" dirty="0"/>
         </a:p>
       </dgm:t>
     </dgm:pt>
@@ -1261,12 +1220,12 @@
         <a:lstStyle/>
         <a:p>
           <a:r>
-            <a:rPr lang="en-US" b="1" i="0" dirty="0"/>
-            <a:t>+</a:t>
+            <a:rPr lang="en-US" b="0" dirty="0"/>
+            <a:t>- </a:t>
           </a:r>
           <a:r>
             <a:rPr lang="en-US" b="0" i="0" dirty="0"/>
-            <a:t> Income in $20,000 to $24,999</a:t>
+            <a:t>Household income range: 100,000 – 149,999</a:t>
           </a:r>
           <a:endParaRPr lang="en-US" dirty="0"/>
         </a:p>
@@ -1294,56 +1253,11 @@
         </a:p>
       </dgm:t>
     </dgm:pt>
-    <dgm:pt modelId="{3A6AEF35-7BB1-0442-8811-8A526D686376}">
-      <dgm:prSet/>
-      <dgm:spPr>
-        <a:solidFill>
-          <a:srgbClr val="92D050"/>
-        </a:solidFill>
-      </dgm:spPr>
-      <dgm:t>
-        <a:bodyPr/>
-        <a:lstStyle/>
-        <a:p>
-          <a:r>
-            <a:rPr lang="en-US" b="1" dirty="0"/>
-            <a:t>+</a:t>
-          </a:r>
-          <a:r>
-            <a:rPr lang="en-US" b="0" i="0" dirty="0"/>
-            <a:t> Non-permanent house unit</a:t>
-          </a:r>
-          <a:endParaRPr lang="en-US" dirty="0"/>
-        </a:p>
-      </dgm:t>
-    </dgm:pt>
-    <dgm:pt modelId="{F1C5ED00-D15A-D84A-AE66-E97D7E23A61A}" type="parTrans" cxnId="{C9CAA0A9-11C1-E74E-AFF2-F243AF54EB41}">
-      <dgm:prSet/>
-      <dgm:spPr/>
-      <dgm:t>
-        <a:bodyPr/>
-        <a:lstStyle/>
-        <a:p>
-          <a:endParaRPr lang="en-US"/>
-        </a:p>
-      </dgm:t>
-    </dgm:pt>
-    <dgm:pt modelId="{0AB95214-5EBC-AB41-9D4C-AE38CEE2E549}" type="sibTrans" cxnId="{C9CAA0A9-11C1-E74E-AFF2-F243AF54EB41}">
-      <dgm:prSet/>
-      <dgm:spPr/>
-      <dgm:t>
-        <a:bodyPr/>
-        <a:lstStyle/>
-        <a:p>
-          <a:endParaRPr lang="en-US"/>
-        </a:p>
-      </dgm:t>
-    </dgm:pt>
     <dgm:pt modelId="{104DDD14-77A8-5E4A-8C18-11E0DB1E612D}">
       <dgm:prSet/>
       <dgm:spPr>
         <a:solidFill>
-          <a:srgbClr val="DA460D"/>
+          <a:srgbClr val="D1A67B"/>
         </a:solidFill>
       </dgm:spPr>
       <dgm:t>
@@ -1352,7 +1266,11 @@
         <a:p>
           <a:r>
             <a:rPr lang="en-US" b="0" dirty="0"/>
-            <a:t>- Income in $75,000 to $99,999</a:t>
+            <a:t>- </a:t>
+          </a:r>
+          <a:r>
+            <a:rPr lang="en-US" b="0" i="0" dirty="0"/>
+            <a:t>Household income range: 20,000 – 24,999</a:t>
           </a:r>
           <a:endParaRPr lang="en-US" dirty="0"/>
         </a:p>
@@ -1393,7 +1311,7 @@
         <a:p>
           <a:r>
             <a:rPr lang="en-US" b="1" i="0" dirty="0"/>
-            <a:t>In 2021 (After COVID):</a:t>
+            <a:t>In 2019 (After COVID):</a:t>
           </a:r>
           <a:endParaRPr lang="en-US" dirty="0"/>
         </a:p>
@@ -1479,7 +1397,7 @@
           </a:r>
           <a:r>
             <a:rPr lang="en-US" b="0" i="0" dirty="0"/>
-            <a:t> Mobile house unit/ hotel</a:t>
+            <a:t> Housing units in structure - Two</a:t>
           </a:r>
           <a:endParaRPr lang="en-US" dirty="0"/>
         </a:p>
@@ -1511,7 +1429,7 @@
       <dgm:prSet/>
       <dgm:spPr>
         <a:solidFill>
-          <a:srgbClr val="DA460D"/>
+          <a:srgbClr val="D1A67B"/>
         </a:solidFill>
       </dgm:spPr>
       <dgm:t>
@@ -1519,14 +1437,14 @@
         <a:lstStyle/>
         <a:p>
           <a:r>
-            <a:rPr lang="en-US" b="1" i="0"/>
+            <a:rPr lang="en-US" b="1" i="0" dirty="0"/>
             <a:t>-</a:t>
           </a:r>
           <a:r>
-            <a:rPr lang="en-US" b="0" i="0"/>
-            <a:t> phone in office</a:t>
+            <a:rPr lang="en-US" b="0" i="0" dirty="0"/>
+            <a:t> Housing units in structure – Five to Ten</a:t>
           </a:r>
-          <a:endParaRPr lang="en-US"/>
+          <a:endParaRPr lang="en-US" dirty="0"/>
         </a:p>
       </dgm:t>
     </dgm:pt>
@@ -1542,129 +1460,6 @@
       </dgm:t>
     </dgm:pt>
     <dgm:pt modelId="{329DE5BF-02BF-A94D-BB1C-71760BDB402B}" type="sibTrans" cxnId="{8BB08E4D-8E61-1849-BCA9-B0F32F4E0AFF}">
-      <dgm:prSet/>
-      <dgm:spPr/>
-      <dgm:t>
-        <a:bodyPr/>
-        <a:lstStyle/>
-        <a:p>
-          <a:endParaRPr lang="en-US"/>
-        </a:p>
-      </dgm:t>
-    </dgm:pt>
-    <dgm:pt modelId="{0610E930-D0C4-8E4E-AEE3-F6016964FC2B}">
-      <dgm:prSet/>
-      <dgm:spPr>
-        <a:solidFill>
-          <a:srgbClr val="DA460D"/>
-        </a:solidFill>
-      </dgm:spPr>
-      <dgm:t>
-        <a:bodyPr/>
-        <a:lstStyle/>
-        <a:p>
-          <a:r>
-            <a:rPr lang="en-US" b="0" dirty="0"/>
-            <a:t>- Not MSA</a:t>
-          </a:r>
-          <a:endParaRPr lang="en-US" dirty="0"/>
-        </a:p>
-      </dgm:t>
-    </dgm:pt>
-    <dgm:pt modelId="{1C53681B-FD4E-7F4A-832A-871B3A321338}" type="parTrans" cxnId="{49544B36-BAFF-A449-AF38-1C9D38BBBB0C}">
-      <dgm:prSet/>
-      <dgm:spPr/>
-      <dgm:t>
-        <a:bodyPr/>
-        <a:lstStyle/>
-        <a:p>
-          <a:endParaRPr lang="en-US"/>
-        </a:p>
-      </dgm:t>
-    </dgm:pt>
-    <dgm:pt modelId="{4EB45EA7-0F79-864F-AA69-D1028F0A61F7}" type="sibTrans" cxnId="{49544B36-BAFF-A449-AF38-1C9D38BBBB0C}">
-      <dgm:prSet/>
-      <dgm:spPr/>
-      <dgm:t>
-        <a:bodyPr/>
-        <a:lstStyle/>
-        <a:p>
-          <a:endParaRPr lang="en-US"/>
-        </a:p>
-      </dgm:t>
-    </dgm:pt>
-    <dgm:pt modelId="{4EDB67E9-628A-1C41-9AC0-CFCCD4AEAA3E}">
-      <dgm:prSet/>
-      <dgm:spPr>
-        <a:solidFill>
-          <a:srgbClr val="DA460D"/>
-        </a:solidFill>
-      </dgm:spPr>
-      <dgm:t>
-        <a:bodyPr/>
-        <a:lstStyle/>
-        <a:p>
-          <a:r>
-            <a:rPr lang="en-US" b="0"/>
-            <a:t>- Student quarters</a:t>
-          </a:r>
-          <a:endParaRPr lang="en-US"/>
-        </a:p>
-      </dgm:t>
-    </dgm:pt>
-    <dgm:pt modelId="{612BF6ED-1F90-4340-A789-AC577F00AF3C}" type="parTrans" cxnId="{29C93E6F-1D89-5145-B096-4B175A85E21E}">
-      <dgm:prSet/>
-      <dgm:spPr/>
-      <dgm:t>
-        <a:bodyPr/>
-        <a:lstStyle/>
-        <a:p>
-          <a:endParaRPr lang="en-US"/>
-        </a:p>
-      </dgm:t>
-    </dgm:pt>
-    <dgm:pt modelId="{0E5FE454-11F2-B84C-B872-998D1F3224DC}" type="sibTrans" cxnId="{29C93E6F-1D89-5145-B096-4B175A85E21E}">
-      <dgm:prSet/>
-      <dgm:spPr/>
-      <dgm:t>
-        <a:bodyPr/>
-        <a:lstStyle/>
-        <a:p>
-          <a:endParaRPr lang="en-US"/>
-        </a:p>
-      </dgm:t>
-    </dgm:pt>
-    <dgm:pt modelId="{E04DCFCB-A631-2249-9448-C45D1A8A3F79}">
-      <dgm:prSet/>
-      <dgm:spPr>
-        <a:solidFill>
-          <a:schemeClr val="tx1"/>
-        </a:solidFill>
-      </dgm:spPr>
-      <dgm:t>
-        <a:bodyPr/>
-        <a:lstStyle/>
-        <a:p>
-          <a:r>
-            <a:rPr lang="en-US" b="1" i="0" dirty="0"/>
-            <a:t>For Asians:</a:t>
-          </a:r>
-          <a:endParaRPr lang="en-US" dirty="0"/>
-        </a:p>
-      </dgm:t>
-    </dgm:pt>
-    <dgm:pt modelId="{C7D84A6E-6729-B64E-9198-9B7A69BA24F0}" type="parTrans" cxnId="{C720C83C-AB3C-1548-9A21-820525D129FA}">
-      <dgm:prSet/>
-      <dgm:spPr/>
-      <dgm:t>
-        <a:bodyPr/>
-        <a:lstStyle/>
-        <a:p>
-          <a:endParaRPr lang="en-US"/>
-        </a:p>
-      </dgm:t>
-    </dgm:pt>
-    <dgm:pt modelId="{7AF0D70A-3891-FF4F-A052-058B0731AFD8}" type="sibTrans" cxnId="{C720C83C-AB3C-1548-9A21-820525D129FA}">
       <dgm:prSet/>
       <dgm:spPr/>
       <dgm:t>
@@ -1692,7 +1487,7 @@
           </a:r>
           <a:r>
             <a:rPr lang="en-US" b="0" i="0" dirty="0"/>
-            <a:t> Mobile house unit</a:t>
+            <a:t> Household income range: 7,500 – 9,999</a:t>
           </a:r>
           <a:endParaRPr lang="en-US" dirty="0"/>
         </a:p>
@@ -1724,7 +1519,7 @@
       <dgm:prSet/>
       <dgm:spPr>
         <a:solidFill>
-          <a:srgbClr val="DA460D"/>
+          <a:srgbClr val="D1A67B"/>
         </a:solidFill>
       </dgm:spPr>
       <dgm:t>
@@ -1733,7 +1528,11 @@
         <a:p>
           <a:r>
             <a:rPr lang="en-US" b="0" dirty="0"/>
-            <a:t>- Less that 100000 people in the area.</a:t>
+            <a:t>- </a:t>
+          </a:r>
+          <a:r>
+            <a:rPr lang="en-US" b="0" i="0" dirty="0"/>
+            <a:t>Housing units in structure - Two</a:t>
           </a:r>
           <a:endParaRPr lang="en-US" dirty="0"/>
         </a:p>
@@ -1765,7 +1564,7 @@
       <dgm:prSet/>
       <dgm:spPr>
         <a:solidFill>
-          <a:srgbClr val="DA460D"/>
+          <a:srgbClr val="D1A67B"/>
         </a:solidFill>
       </dgm:spPr>
       <dgm:t>
@@ -1774,7 +1573,7 @@
         <a:p>
           <a:r>
             <a:rPr lang="en-US" b="0" dirty="0"/>
-            <a:t>- Living in rooming house</a:t>
+            <a:t>- Not a Metropolitan area.</a:t>
           </a:r>
           <a:endParaRPr lang="en-US" dirty="0"/>
         </a:p>
@@ -1802,6 +1601,170 @@
         </a:p>
       </dgm:t>
     </dgm:pt>
+    <dgm:pt modelId="{AF3FE676-D642-8C44-A588-80E8B4366683}">
+      <dgm:prSet/>
+      <dgm:spPr>
+        <a:solidFill>
+          <a:srgbClr val="D1A67B"/>
+        </a:solidFill>
+      </dgm:spPr>
+      <dgm:t>
+        <a:bodyPr/>
+        <a:lstStyle/>
+        <a:p>
+          <a:r>
+            <a:rPr lang="en-US" b="0" dirty="0"/>
+            <a:t>- Place size : between 2.5 million to 5 million</a:t>
+          </a:r>
+          <a:endParaRPr lang="en-US" dirty="0"/>
+        </a:p>
+      </dgm:t>
+    </dgm:pt>
+    <dgm:pt modelId="{D5401061-666F-704D-B6CC-729E61B16917}" type="parTrans" cxnId="{1371D742-1C8E-934F-B842-BCA9A49B3D83}">
+      <dgm:prSet/>
+      <dgm:spPr/>
+      <dgm:t>
+        <a:bodyPr/>
+        <a:lstStyle/>
+        <a:p>
+          <a:endParaRPr lang="en-US"/>
+        </a:p>
+      </dgm:t>
+    </dgm:pt>
+    <dgm:pt modelId="{862EE0A8-D4A2-5945-ABB9-5312EA66DA28}" type="sibTrans" cxnId="{1371D742-1C8E-934F-B842-BCA9A49B3D83}">
+      <dgm:prSet/>
+      <dgm:spPr/>
+      <dgm:t>
+        <a:bodyPr/>
+        <a:lstStyle/>
+        <a:p>
+          <a:endParaRPr lang="en-US"/>
+        </a:p>
+      </dgm:t>
+    </dgm:pt>
+    <dgm:pt modelId="{E04DCFCB-A631-2249-9448-C45D1A8A3F79}">
+      <dgm:prSet/>
+      <dgm:spPr>
+        <a:solidFill>
+          <a:schemeClr val="tx1"/>
+        </a:solidFill>
+      </dgm:spPr>
+      <dgm:t>
+        <a:bodyPr/>
+        <a:lstStyle/>
+        <a:p>
+          <a:r>
+            <a:rPr lang="en-US" b="1" i="0" dirty="0"/>
+            <a:t>For Asians:</a:t>
+          </a:r>
+          <a:endParaRPr lang="en-US" dirty="0"/>
+        </a:p>
+      </dgm:t>
+    </dgm:pt>
+    <dgm:pt modelId="{7AF0D70A-3891-FF4F-A052-058B0731AFD8}" type="sibTrans" cxnId="{C720C83C-AB3C-1548-9A21-820525D129FA}">
+      <dgm:prSet/>
+      <dgm:spPr/>
+      <dgm:t>
+        <a:bodyPr/>
+        <a:lstStyle/>
+        <a:p>
+          <a:endParaRPr lang="en-US"/>
+        </a:p>
+      </dgm:t>
+    </dgm:pt>
+    <dgm:pt modelId="{C7D84A6E-6729-B64E-9198-9B7A69BA24F0}" type="parTrans" cxnId="{C720C83C-AB3C-1548-9A21-820525D129FA}">
+      <dgm:prSet/>
+      <dgm:spPr/>
+      <dgm:t>
+        <a:bodyPr/>
+        <a:lstStyle/>
+        <a:p>
+          <a:endParaRPr lang="en-US"/>
+        </a:p>
+      </dgm:t>
+    </dgm:pt>
+    <dgm:pt modelId="{4EDB67E9-628A-1C41-9AC0-CFCCD4AEAA3E}">
+      <dgm:prSet/>
+      <dgm:spPr>
+        <a:solidFill>
+          <a:srgbClr val="D1A67B"/>
+        </a:solidFill>
+      </dgm:spPr>
+      <dgm:t>
+        <a:bodyPr/>
+        <a:lstStyle/>
+        <a:p>
+          <a:r>
+            <a:rPr lang="en-US" b="0" dirty="0"/>
+            <a:t>- Southern US</a:t>
+          </a:r>
+          <a:endParaRPr lang="en-US" dirty="0"/>
+        </a:p>
+      </dgm:t>
+    </dgm:pt>
+    <dgm:pt modelId="{0E5FE454-11F2-B84C-B872-998D1F3224DC}" type="sibTrans" cxnId="{29C93E6F-1D89-5145-B096-4B175A85E21E}">
+      <dgm:prSet/>
+      <dgm:spPr/>
+      <dgm:t>
+        <a:bodyPr/>
+        <a:lstStyle/>
+        <a:p>
+          <a:endParaRPr lang="en-US"/>
+        </a:p>
+      </dgm:t>
+    </dgm:pt>
+    <dgm:pt modelId="{612BF6ED-1F90-4340-A789-AC577F00AF3C}" type="parTrans" cxnId="{29C93E6F-1D89-5145-B096-4B175A85E21E}">
+      <dgm:prSet/>
+      <dgm:spPr/>
+      <dgm:t>
+        <a:bodyPr/>
+        <a:lstStyle/>
+        <a:p>
+          <a:endParaRPr lang="en-US"/>
+        </a:p>
+      </dgm:t>
+    </dgm:pt>
+    <dgm:pt modelId="{0610E930-D0C4-8E4E-AEE3-F6016964FC2B}">
+      <dgm:prSet/>
+      <dgm:spPr>
+        <a:solidFill>
+          <a:srgbClr val="D1A67B"/>
+        </a:solidFill>
+      </dgm:spPr>
+      <dgm:t>
+        <a:bodyPr/>
+        <a:lstStyle/>
+        <a:p>
+          <a:r>
+            <a:rPr lang="en-US" b="0" dirty="0"/>
+            <a:t>- Place size – 250,000 – 499,999</a:t>
+          </a:r>
+          <a:endParaRPr lang="en-US" dirty="0"/>
+        </a:p>
+      </dgm:t>
+    </dgm:pt>
+    <dgm:pt modelId="{4EB45EA7-0F79-864F-AA69-D1028F0A61F7}" type="sibTrans" cxnId="{49544B36-BAFF-A449-AF38-1C9D38BBBB0C}">
+      <dgm:prSet/>
+      <dgm:spPr/>
+      <dgm:t>
+        <a:bodyPr/>
+        <a:lstStyle/>
+        <a:p>
+          <a:endParaRPr lang="en-US"/>
+        </a:p>
+      </dgm:t>
+    </dgm:pt>
+    <dgm:pt modelId="{1C53681B-FD4E-7F4A-832A-871B3A321338}" type="parTrans" cxnId="{49544B36-BAFF-A449-AF38-1C9D38BBBB0C}">
+      <dgm:prSet/>
+      <dgm:spPr/>
+      <dgm:t>
+        <a:bodyPr/>
+        <a:lstStyle/>
+        <a:p>
+          <a:endParaRPr lang="en-US"/>
+        </a:p>
+      </dgm:t>
+    </dgm:pt>
     <dgm:pt modelId="{5747C6EF-EACF-2B45-B088-EDEFB26D308E}" type="pres">
       <dgm:prSet presAssocID="{6B809493-61A3-494E-9E0F-4CCB019BCC11}" presName="linear" presStyleCnt="0">
         <dgm:presLayoutVars>
@@ -1812,7 +1775,7 @@
       <dgm:spPr/>
     </dgm:pt>
     <dgm:pt modelId="{383A12B6-F082-DA42-8A04-2809EC465CF3}" type="pres">
-      <dgm:prSet presAssocID="{E2F78716-754D-BA48-A1C8-F11291F965AF}" presName="parentText" presStyleLbl="node1" presStyleIdx="0" presStyleCnt="20">
+      <dgm:prSet presAssocID="{E2F78716-754D-BA48-A1C8-F11291F965AF}" presName="parentText" presStyleLbl="node1" presStyleIdx="0" presStyleCnt="19">
         <dgm:presLayoutVars>
           <dgm:chMax val="0"/>
           <dgm:bulletEnabled val="1"/>
@@ -1825,7 +1788,7 @@
       <dgm:spPr/>
     </dgm:pt>
     <dgm:pt modelId="{41C0AAA6-5045-A443-8E80-663E54C29A13}" type="pres">
-      <dgm:prSet presAssocID="{E9BB6759-910F-694F-B80A-FCC18D447C32}" presName="parentText" presStyleLbl="node1" presStyleIdx="1" presStyleCnt="20">
+      <dgm:prSet presAssocID="{E9BB6759-910F-694F-B80A-FCC18D447C32}" presName="parentText" presStyleLbl="node1" presStyleIdx="1" presStyleCnt="19">
         <dgm:presLayoutVars>
           <dgm:chMax val="0"/>
           <dgm:bulletEnabled val="1"/>
@@ -1838,7 +1801,7 @@
       <dgm:spPr/>
     </dgm:pt>
     <dgm:pt modelId="{A6CEB316-3230-2243-8E15-3566DF5DB482}" type="pres">
-      <dgm:prSet presAssocID="{772D7005-374E-AA4B-AD57-4A24AC72D2BA}" presName="parentText" presStyleLbl="node1" presStyleIdx="2" presStyleCnt="20">
+      <dgm:prSet presAssocID="{772D7005-374E-AA4B-AD57-4A24AC72D2BA}" presName="parentText" presStyleLbl="node1" presStyleIdx="2" presStyleCnt="19">
         <dgm:presLayoutVars>
           <dgm:chMax val="0"/>
           <dgm:bulletEnabled val="1"/>
@@ -1850,21 +1813,8 @@
       <dgm:prSet presAssocID="{0B05D69A-0017-9F4B-A0AD-CE3AE20CC7F0}" presName="spacer" presStyleCnt="0"/>
       <dgm:spPr/>
     </dgm:pt>
-    <dgm:pt modelId="{3132E0F6-861D-CB48-8270-B47A10111A9B}" type="pres">
-      <dgm:prSet presAssocID="{93F3057B-6E97-4D4A-A5F3-91A3E74FE496}" presName="parentText" presStyleLbl="node1" presStyleIdx="3" presStyleCnt="20">
-        <dgm:presLayoutVars>
-          <dgm:chMax val="0"/>
-          <dgm:bulletEnabled val="1"/>
-        </dgm:presLayoutVars>
-      </dgm:prSet>
-      <dgm:spPr/>
-    </dgm:pt>
-    <dgm:pt modelId="{0781B178-D008-0F4B-99F8-F217C711FAF4}" type="pres">
-      <dgm:prSet presAssocID="{82FBB55A-5742-8649-96A0-25D492A268C2}" presName="spacer" presStyleCnt="0"/>
-      <dgm:spPr/>
-    </dgm:pt>
     <dgm:pt modelId="{1C95A038-CEF0-5F40-AD23-E619A1B9C553}" type="pres">
-      <dgm:prSet presAssocID="{C2BA9ECA-5BF8-F345-9B71-1CF0059B805A}" presName="parentText" presStyleLbl="node1" presStyleIdx="4" presStyleCnt="20">
+      <dgm:prSet presAssocID="{C2BA9ECA-5BF8-F345-9B71-1CF0059B805A}" presName="parentText" presStyleLbl="node1" presStyleIdx="3" presStyleCnt="19">
         <dgm:presLayoutVars>
           <dgm:chMax val="0"/>
           <dgm:bulletEnabled val="1"/>
@@ -1877,7 +1827,7 @@
       <dgm:spPr/>
     </dgm:pt>
     <dgm:pt modelId="{318E7DE8-BB1C-2744-A9D6-7B14DAE7744C}" type="pres">
-      <dgm:prSet presAssocID="{6634C9F0-657C-8645-8363-DAC3032F34C7}" presName="parentText" presStyleLbl="node1" presStyleIdx="5" presStyleCnt="20">
+      <dgm:prSet presAssocID="{6634C9F0-657C-8645-8363-DAC3032F34C7}" presName="parentText" presStyleLbl="node1" presStyleIdx="4" presStyleCnt="19">
         <dgm:presLayoutVars>
           <dgm:chMax val="0"/>
           <dgm:bulletEnabled val="1"/>
@@ -1890,7 +1840,7 @@
       <dgm:spPr/>
     </dgm:pt>
     <dgm:pt modelId="{EAC26071-8120-9744-BCBB-89B3AD97F46B}" type="pres">
-      <dgm:prSet presAssocID="{3B58AF27-98EC-8C45-95AD-C3CD3AF55CAD}" presName="parentText" presStyleLbl="node1" presStyleIdx="6" presStyleCnt="20">
+      <dgm:prSet presAssocID="{3B58AF27-98EC-8C45-95AD-C3CD3AF55CAD}" presName="parentText" presStyleLbl="node1" presStyleIdx="5" presStyleCnt="19">
         <dgm:presLayoutVars>
           <dgm:chMax val="0"/>
           <dgm:bulletEnabled val="1"/>
@@ -1903,7 +1853,7 @@
       <dgm:spPr/>
     </dgm:pt>
     <dgm:pt modelId="{63A7861A-D130-5D44-96B3-74B93965F55C}" type="pres">
-      <dgm:prSet presAssocID="{793699D7-F410-AA4E-BC35-833384939E8D}" presName="parentText" presStyleLbl="node1" presStyleIdx="7" presStyleCnt="20">
+      <dgm:prSet presAssocID="{793699D7-F410-AA4E-BC35-833384939E8D}" presName="parentText" presStyleLbl="node1" presStyleIdx="6" presStyleCnt="19" custLinFactNeighborX="635">
         <dgm:presLayoutVars>
           <dgm:chMax val="0"/>
           <dgm:bulletEnabled val="1"/>
@@ -1915,21 +1865,8 @@
       <dgm:prSet presAssocID="{257F8C54-539D-3B46-87EF-BAA384FEA34D}" presName="spacer" presStyleCnt="0"/>
       <dgm:spPr/>
     </dgm:pt>
-    <dgm:pt modelId="{F59EB29C-AF4E-5E4B-BE1D-F1139811FE94}" type="pres">
-      <dgm:prSet presAssocID="{3A6AEF35-7BB1-0442-8811-8A526D686376}" presName="parentText" presStyleLbl="node1" presStyleIdx="8" presStyleCnt="20">
-        <dgm:presLayoutVars>
-          <dgm:chMax val="0"/>
-          <dgm:bulletEnabled val="1"/>
-        </dgm:presLayoutVars>
-      </dgm:prSet>
-      <dgm:spPr/>
-    </dgm:pt>
-    <dgm:pt modelId="{724A28CD-6C7F-7D49-9CC3-F27806A6A25E}" type="pres">
-      <dgm:prSet presAssocID="{0AB95214-5EBC-AB41-9D4C-AE38CEE2E549}" presName="spacer" presStyleCnt="0"/>
-      <dgm:spPr/>
-    </dgm:pt>
     <dgm:pt modelId="{80D56342-5990-3641-A46B-D2F0EA0D8B6F}" type="pres">
-      <dgm:prSet presAssocID="{104DDD14-77A8-5E4A-8C18-11E0DB1E612D}" presName="parentText" presStyleLbl="node1" presStyleIdx="9" presStyleCnt="20">
+      <dgm:prSet presAssocID="{104DDD14-77A8-5E4A-8C18-11E0DB1E612D}" presName="parentText" presStyleLbl="node1" presStyleIdx="7" presStyleCnt="19">
         <dgm:presLayoutVars>
           <dgm:chMax val="0"/>
           <dgm:bulletEnabled val="1"/>
@@ -1941,8 +1878,21 @@
       <dgm:prSet presAssocID="{7D111301-15AC-E740-B2B2-3EED16EA8543}" presName="spacer" presStyleCnt="0"/>
       <dgm:spPr/>
     </dgm:pt>
+    <dgm:pt modelId="{6F7EC028-C3DA-374F-A578-C47C8DA08970}" type="pres">
+      <dgm:prSet presAssocID="{AF3FE676-D642-8C44-A588-80E8B4366683}" presName="parentText" presStyleLbl="node1" presStyleIdx="8" presStyleCnt="19">
+        <dgm:presLayoutVars>
+          <dgm:chMax val="0"/>
+          <dgm:bulletEnabled val="1"/>
+        </dgm:presLayoutVars>
+      </dgm:prSet>
+      <dgm:spPr/>
+    </dgm:pt>
+    <dgm:pt modelId="{10FB6998-F523-5146-86B1-B54128FC02ED}" type="pres">
+      <dgm:prSet presAssocID="{862EE0A8-D4A2-5945-ABB9-5312EA66DA28}" presName="spacer" presStyleCnt="0"/>
+      <dgm:spPr/>
+    </dgm:pt>
     <dgm:pt modelId="{01002448-6F06-0C41-B328-FEC43FF389C7}" type="pres">
-      <dgm:prSet presAssocID="{CE65D369-B612-E949-BAF7-F572F79284BC}" presName="parentText" presStyleLbl="node1" presStyleIdx="10" presStyleCnt="20">
+      <dgm:prSet presAssocID="{CE65D369-B612-E949-BAF7-F572F79284BC}" presName="parentText" presStyleLbl="node1" presStyleIdx="9" presStyleCnt="19">
         <dgm:presLayoutVars>
           <dgm:chMax val="0"/>
           <dgm:bulletEnabled val="1"/>
@@ -1955,7 +1905,7 @@
       <dgm:spPr/>
     </dgm:pt>
     <dgm:pt modelId="{8017740E-C7CD-174B-9489-D856C2BBEC74}" type="pres">
-      <dgm:prSet presAssocID="{684D9E1D-E9C6-B748-AA4F-FE7936F4CC78}" presName="parentText" presStyleLbl="node1" presStyleIdx="11" presStyleCnt="20">
+      <dgm:prSet presAssocID="{684D9E1D-E9C6-B748-AA4F-FE7936F4CC78}" presName="parentText" presStyleLbl="node1" presStyleIdx="10" presStyleCnt="19">
         <dgm:presLayoutVars>
           <dgm:chMax val="0"/>
           <dgm:bulletEnabled val="1"/>
@@ -1968,7 +1918,7 @@
       <dgm:spPr/>
     </dgm:pt>
     <dgm:pt modelId="{B86A5A59-756D-C34F-B296-4430CD72FE96}" type="pres">
-      <dgm:prSet presAssocID="{E93710D8-7629-3643-8818-A82A50FF7D45}" presName="parentText" presStyleLbl="node1" presStyleIdx="12" presStyleCnt="20">
+      <dgm:prSet presAssocID="{E93710D8-7629-3643-8818-A82A50FF7D45}" presName="parentText" presStyleLbl="node1" presStyleIdx="11" presStyleCnt="19">
         <dgm:presLayoutVars>
           <dgm:chMax val="0"/>
           <dgm:bulletEnabled val="1"/>
@@ -1981,7 +1931,7 @@
       <dgm:spPr/>
     </dgm:pt>
     <dgm:pt modelId="{3059E1CF-95E5-0946-81FE-29653DDB57D2}" type="pres">
-      <dgm:prSet presAssocID="{1AF0AC81-EEDA-BC4B-935F-1425925A5985}" presName="parentText" presStyleLbl="node1" presStyleIdx="13" presStyleCnt="20">
+      <dgm:prSet presAssocID="{1AF0AC81-EEDA-BC4B-935F-1425925A5985}" presName="parentText" presStyleLbl="node1" presStyleIdx="12" presStyleCnt="19">
         <dgm:presLayoutVars>
           <dgm:chMax val="0"/>
           <dgm:bulletEnabled val="1"/>
@@ -1994,7 +1944,7 @@
       <dgm:spPr/>
     </dgm:pt>
     <dgm:pt modelId="{4BBD6B69-D026-5549-AB3F-CC598099A59C}" type="pres">
-      <dgm:prSet presAssocID="{0610E930-D0C4-8E4E-AEE3-F6016964FC2B}" presName="parentText" presStyleLbl="node1" presStyleIdx="14" presStyleCnt="20">
+      <dgm:prSet presAssocID="{0610E930-D0C4-8E4E-AEE3-F6016964FC2B}" presName="parentText" presStyleLbl="node1" presStyleIdx="13" presStyleCnt="19">
         <dgm:presLayoutVars>
           <dgm:chMax val="0"/>
           <dgm:bulletEnabled val="1"/>
@@ -2007,7 +1957,7 @@
       <dgm:spPr/>
     </dgm:pt>
     <dgm:pt modelId="{5FCA0BB1-E4BB-2448-9D99-2FA28BAB891D}" type="pres">
-      <dgm:prSet presAssocID="{4EDB67E9-628A-1C41-9AC0-CFCCD4AEAA3E}" presName="parentText" presStyleLbl="node1" presStyleIdx="15" presStyleCnt="20">
+      <dgm:prSet presAssocID="{4EDB67E9-628A-1C41-9AC0-CFCCD4AEAA3E}" presName="parentText" presStyleLbl="node1" presStyleIdx="14" presStyleCnt="19">
         <dgm:presLayoutVars>
           <dgm:chMax val="0"/>
           <dgm:bulletEnabled val="1"/>
@@ -2020,7 +1970,7 @@
       <dgm:spPr/>
     </dgm:pt>
     <dgm:pt modelId="{30EAE578-6C70-7C4E-87DB-7AD9E21FC84F}" type="pres">
-      <dgm:prSet presAssocID="{E04DCFCB-A631-2249-9448-C45D1A8A3F79}" presName="parentText" presStyleLbl="node1" presStyleIdx="16" presStyleCnt="20">
+      <dgm:prSet presAssocID="{E04DCFCB-A631-2249-9448-C45D1A8A3F79}" presName="parentText" presStyleLbl="node1" presStyleIdx="15" presStyleCnt="19">
         <dgm:presLayoutVars>
           <dgm:chMax val="0"/>
           <dgm:bulletEnabled val="1"/>
@@ -2033,7 +1983,7 @@
       <dgm:spPr/>
     </dgm:pt>
     <dgm:pt modelId="{71A2FA6E-54B4-BE46-B698-0C21DCB72B62}" type="pres">
-      <dgm:prSet presAssocID="{5E3F9AE5-1467-A348-A6ED-8478E8D616A9}" presName="parentText" presStyleLbl="node1" presStyleIdx="17" presStyleCnt="20">
+      <dgm:prSet presAssocID="{5E3F9AE5-1467-A348-A6ED-8478E8D616A9}" presName="parentText" presStyleLbl="node1" presStyleIdx="16" presStyleCnt="19">
         <dgm:presLayoutVars>
           <dgm:chMax val="0"/>
           <dgm:bulletEnabled val="1"/>
@@ -2046,7 +1996,7 @@
       <dgm:spPr/>
     </dgm:pt>
     <dgm:pt modelId="{BCC7EDBD-C7FA-154B-AED6-3F2E692B4DD9}" type="pres">
-      <dgm:prSet presAssocID="{DB6F8CD2-F4A5-5948-BBAE-08F42480CC27}" presName="parentText" presStyleLbl="node1" presStyleIdx="18" presStyleCnt="20">
+      <dgm:prSet presAssocID="{DB6F8CD2-F4A5-5948-BBAE-08F42480CC27}" presName="parentText" presStyleLbl="node1" presStyleIdx="17" presStyleCnt="19">
         <dgm:presLayoutVars>
           <dgm:chMax val="0"/>
           <dgm:bulletEnabled val="1"/>
@@ -2059,7 +2009,7 @@
       <dgm:spPr/>
     </dgm:pt>
     <dgm:pt modelId="{68715E1C-1A15-0542-96AA-85976B4E405B}" type="pres">
-      <dgm:prSet presAssocID="{17BEE546-DC3E-094D-99F3-B39186EF3ED9}" presName="parentText" presStyleLbl="node1" presStyleIdx="19" presStyleCnt="20">
+      <dgm:prSet presAssocID="{17BEE546-DC3E-094D-99F3-B39186EF3ED9}" presName="parentText" presStyleLbl="node1" presStyleIdx="18" presStyleCnt="19">
         <dgm:presLayoutVars>
           <dgm:chMax val="0"/>
           <dgm:bulletEnabled val="1"/>
@@ -2070,85 +2020,81 @@
   </dgm:ptLst>
   <dgm:cxnLst>
     <dgm:cxn modelId="{2880C70C-085D-2D44-9F60-713238870CB7}" type="presOf" srcId="{6B809493-61A3-494E-9E0F-4CCB019BCC11}" destId="{5747C6EF-EACF-2B45-B088-EDEFB26D308E}" srcOrd="0" destOrd="0" presId="urn:microsoft.com/office/officeart/2005/8/layout/vList2"/>
-    <dgm:cxn modelId="{29AA290E-50C8-0F4A-914C-CA3247BD4C76}" type="presOf" srcId="{93F3057B-6E97-4D4A-A5F3-91A3E74FE496}" destId="{3132E0F6-861D-CB48-8270-B47A10111A9B}" srcOrd="0" destOrd="0" presId="urn:microsoft.com/office/officeart/2005/8/layout/vList2"/>
     <dgm:cxn modelId="{C95FC817-2B30-A04B-8C96-3AA3C8AC929D}" type="presOf" srcId="{0610E930-D0C4-8E4E-AEE3-F6016964FC2B}" destId="{4BBD6B69-D026-5549-AB3F-CC598099A59C}" srcOrd="0" destOrd="0" presId="urn:microsoft.com/office/officeart/2005/8/layout/vList2"/>
     <dgm:cxn modelId="{59A6DE1C-8F19-8D4E-9C5D-C6B37B646121}" type="presOf" srcId="{1AF0AC81-EEDA-BC4B-935F-1425925A5985}" destId="{3059E1CF-95E5-0946-81FE-29653DDB57D2}" srcOrd="0" destOrd="0" presId="urn:microsoft.com/office/officeart/2005/8/layout/vList2"/>
-    <dgm:cxn modelId="{6AAE161D-4397-034B-AE3D-FB467271D296}" srcId="{6B809493-61A3-494E-9E0F-4CCB019BCC11}" destId="{17BEE546-DC3E-094D-99F3-B39186EF3ED9}" srcOrd="19" destOrd="0" parTransId="{A560FD82-FC23-6F46-868E-125C096387A7}" sibTransId="{912A083F-8A8F-8F41-94EF-F057E8612E71}"/>
-    <dgm:cxn modelId="{F960D422-CCC9-D245-BDA8-9C448C0313BF}" srcId="{6B809493-61A3-494E-9E0F-4CCB019BCC11}" destId="{6634C9F0-657C-8645-8363-DAC3032F34C7}" srcOrd="5" destOrd="0" parTransId="{4D72504F-C8F6-F74A-8888-5B4FEA7BB687}" sibTransId="{F3BFEBDF-AA54-574D-8ED9-F86D266B38C9}"/>
+    <dgm:cxn modelId="{6AAE161D-4397-034B-AE3D-FB467271D296}" srcId="{6B809493-61A3-494E-9E0F-4CCB019BCC11}" destId="{17BEE546-DC3E-094D-99F3-B39186EF3ED9}" srcOrd="18" destOrd="0" parTransId="{A560FD82-FC23-6F46-868E-125C096387A7}" sibTransId="{912A083F-8A8F-8F41-94EF-F057E8612E71}"/>
+    <dgm:cxn modelId="{F960D422-CCC9-D245-BDA8-9C448C0313BF}" srcId="{6B809493-61A3-494E-9E0F-4CCB019BCC11}" destId="{6634C9F0-657C-8645-8363-DAC3032F34C7}" srcOrd="4" destOrd="0" parTransId="{4D72504F-C8F6-F74A-8888-5B4FEA7BB687}" sibTransId="{F3BFEBDF-AA54-574D-8ED9-F86D266B38C9}"/>
     <dgm:cxn modelId="{20899923-2B01-E745-A7E4-1039A69C7544}" type="presOf" srcId="{E04DCFCB-A631-2249-9448-C45D1A8A3F79}" destId="{30EAE578-6C70-7C4E-87DB-7AD9E21FC84F}" srcOrd="0" destOrd="0" presId="urn:microsoft.com/office/officeart/2005/8/layout/vList2"/>
-    <dgm:cxn modelId="{49719C26-9F28-3D43-968D-A740D0A3BC09}" srcId="{6B809493-61A3-494E-9E0F-4CCB019BCC11}" destId="{5E3F9AE5-1467-A348-A6ED-8478E8D616A9}" srcOrd="17" destOrd="0" parTransId="{EDF4E434-0A8B-614B-A8E2-D7825A3EA5B8}" sibTransId="{C91A3D27-4EA5-4C48-8FE8-81FCE994AC26}"/>
+    <dgm:cxn modelId="{49719C26-9F28-3D43-968D-A740D0A3BC09}" srcId="{6B809493-61A3-494E-9E0F-4CCB019BCC11}" destId="{5E3F9AE5-1467-A348-A6ED-8478E8D616A9}" srcOrd="16" destOrd="0" parTransId="{EDF4E434-0A8B-614B-A8E2-D7825A3EA5B8}" sibTransId="{C91A3D27-4EA5-4C48-8FE8-81FCE994AC26}"/>
     <dgm:cxn modelId="{D7ACF632-773B-B64C-B7F2-9D2BBC77289D}" srcId="{6B809493-61A3-494E-9E0F-4CCB019BCC11}" destId="{E9BB6759-910F-694F-B80A-FCC18D447C32}" srcOrd="1" destOrd="0" parTransId="{E3D314B4-CD95-8548-BE21-B0A46CC406E5}" sibTransId="{EBDB4041-A2BD-4E41-A721-E85A533EE9F4}"/>
-    <dgm:cxn modelId="{49544B36-BAFF-A449-AF38-1C9D38BBBB0C}" srcId="{6B809493-61A3-494E-9E0F-4CCB019BCC11}" destId="{0610E930-D0C4-8E4E-AEE3-F6016964FC2B}" srcOrd="14" destOrd="0" parTransId="{1C53681B-FD4E-7F4A-832A-871B3A321338}" sibTransId="{4EB45EA7-0F79-864F-AA69-D1028F0A61F7}"/>
+    <dgm:cxn modelId="{49544B36-BAFF-A449-AF38-1C9D38BBBB0C}" srcId="{6B809493-61A3-494E-9E0F-4CCB019BCC11}" destId="{0610E930-D0C4-8E4E-AEE3-F6016964FC2B}" srcOrd="13" destOrd="0" parTransId="{1C53681B-FD4E-7F4A-832A-871B3A321338}" sibTransId="{4EB45EA7-0F79-864F-AA69-D1028F0A61F7}"/>
     <dgm:cxn modelId="{34F8803A-7DDA-694E-A8CC-C156AEA2CECA}" type="presOf" srcId="{772D7005-374E-AA4B-AD57-4A24AC72D2BA}" destId="{A6CEB316-3230-2243-8E15-3566DF5DB482}" srcOrd="0" destOrd="0" presId="urn:microsoft.com/office/officeart/2005/8/layout/vList2"/>
-    <dgm:cxn modelId="{C720C83C-AB3C-1548-9A21-820525D129FA}" srcId="{6B809493-61A3-494E-9E0F-4CCB019BCC11}" destId="{E04DCFCB-A631-2249-9448-C45D1A8A3F79}" srcOrd="16" destOrd="0" parTransId="{C7D84A6E-6729-B64E-9198-9B7A69BA24F0}" sibTransId="{7AF0D70A-3891-FF4F-A052-058B0731AFD8}"/>
+    <dgm:cxn modelId="{C720C83C-AB3C-1548-9A21-820525D129FA}" srcId="{6B809493-61A3-494E-9E0F-4CCB019BCC11}" destId="{E04DCFCB-A631-2249-9448-C45D1A8A3F79}" srcOrd="15" destOrd="0" parTransId="{C7D84A6E-6729-B64E-9198-9B7A69BA24F0}" sibTransId="{7AF0D70A-3891-FF4F-A052-058B0731AFD8}"/>
     <dgm:cxn modelId="{DA7B4C40-4768-4443-AB4D-F26C971E0CF6}" type="presOf" srcId="{4EDB67E9-628A-1C41-9AC0-CFCCD4AEAA3E}" destId="{5FCA0BB1-E4BB-2448-9D99-2FA28BAB891D}" srcOrd="0" destOrd="0" presId="urn:microsoft.com/office/officeart/2005/8/layout/vList2"/>
-    <dgm:cxn modelId="{EC477A43-F227-DF4D-88B4-086CE0A04098}" srcId="{6B809493-61A3-494E-9E0F-4CCB019BCC11}" destId="{104DDD14-77A8-5E4A-8C18-11E0DB1E612D}" srcOrd="9" destOrd="0" parTransId="{FB0D3A1E-118B-BE43-84CE-BC8E608E8CF1}" sibTransId="{7D111301-15AC-E740-B2B2-3EED16EA8543}"/>
-    <dgm:cxn modelId="{8BB08E4D-8E61-1849-BCA9-B0F32F4E0AFF}" srcId="{6B809493-61A3-494E-9E0F-4CCB019BCC11}" destId="{1AF0AC81-EEDA-BC4B-935F-1425925A5985}" srcOrd="13" destOrd="0" parTransId="{42BBD21D-FA93-4441-A193-ACFAEF0D172E}" sibTransId="{329DE5BF-02BF-A94D-BB1C-71760BDB402B}"/>
+    <dgm:cxn modelId="{1371D742-1C8E-934F-B842-BCA9A49B3D83}" srcId="{6B809493-61A3-494E-9E0F-4CCB019BCC11}" destId="{AF3FE676-D642-8C44-A588-80E8B4366683}" srcOrd="8" destOrd="0" parTransId="{D5401061-666F-704D-B6CC-729E61B16917}" sibTransId="{862EE0A8-D4A2-5945-ABB9-5312EA66DA28}"/>
+    <dgm:cxn modelId="{EC477A43-F227-DF4D-88B4-086CE0A04098}" srcId="{6B809493-61A3-494E-9E0F-4CCB019BCC11}" destId="{104DDD14-77A8-5E4A-8C18-11E0DB1E612D}" srcOrd="7" destOrd="0" parTransId="{FB0D3A1E-118B-BE43-84CE-BC8E608E8CF1}" sibTransId="{7D111301-15AC-E740-B2B2-3EED16EA8543}"/>
+    <dgm:cxn modelId="{8BB08E4D-8E61-1849-BCA9-B0F32F4E0AFF}" srcId="{6B809493-61A3-494E-9E0F-4CCB019BCC11}" destId="{1AF0AC81-EEDA-BC4B-935F-1425925A5985}" srcOrd="12" destOrd="0" parTransId="{42BBD21D-FA93-4441-A193-ACFAEF0D172E}" sibTransId="{329DE5BF-02BF-A94D-BB1C-71760BDB402B}"/>
     <dgm:cxn modelId="{F07C5756-A76B-DD40-AFA4-62C1063438BD}" type="presOf" srcId="{CE65D369-B612-E949-BAF7-F572F79284BC}" destId="{01002448-6F06-0C41-B328-FEC43FF389C7}" srcOrd="0" destOrd="0" presId="urn:microsoft.com/office/officeart/2005/8/layout/vList2"/>
     <dgm:cxn modelId="{BFD8F057-6BAF-354D-8A9D-7EC49B93051D}" type="presOf" srcId="{793699D7-F410-AA4E-BC35-833384939E8D}" destId="{63A7861A-D130-5D44-96B3-74B93965F55C}" srcOrd="0" destOrd="0" presId="urn:microsoft.com/office/officeart/2005/8/layout/vList2"/>
-    <dgm:cxn modelId="{F6B6906C-E0C2-414F-AE1F-2D79782F0D0E}" srcId="{6B809493-61A3-494E-9E0F-4CCB019BCC11}" destId="{CE65D369-B612-E949-BAF7-F572F79284BC}" srcOrd="10" destOrd="0" parTransId="{DE0FE744-55EA-064C-9A06-F4C9BA49EF5B}" sibTransId="{74CF489D-3827-D244-915E-B628D1155BA9}"/>
-    <dgm:cxn modelId="{29C93E6F-1D89-5145-B096-4B175A85E21E}" srcId="{6B809493-61A3-494E-9E0F-4CCB019BCC11}" destId="{4EDB67E9-628A-1C41-9AC0-CFCCD4AEAA3E}" srcOrd="15" destOrd="0" parTransId="{612BF6ED-1F90-4340-A789-AC577F00AF3C}" sibTransId="{0E5FE454-11F2-B84C-B872-998D1F3224DC}"/>
+    <dgm:cxn modelId="{F6B6906C-E0C2-414F-AE1F-2D79782F0D0E}" srcId="{6B809493-61A3-494E-9E0F-4CCB019BCC11}" destId="{CE65D369-B612-E949-BAF7-F572F79284BC}" srcOrd="9" destOrd="0" parTransId="{DE0FE744-55EA-064C-9A06-F4C9BA49EF5B}" sibTransId="{74CF489D-3827-D244-915E-B628D1155BA9}"/>
+    <dgm:cxn modelId="{29C93E6F-1D89-5145-B096-4B175A85E21E}" srcId="{6B809493-61A3-494E-9E0F-4CCB019BCC11}" destId="{4EDB67E9-628A-1C41-9AC0-CFCCD4AEAA3E}" srcOrd="14" destOrd="0" parTransId="{612BF6ED-1F90-4340-A789-AC577F00AF3C}" sibTransId="{0E5FE454-11F2-B84C-B872-998D1F3224DC}"/>
     <dgm:cxn modelId="{FE9C567E-5A50-184F-BE45-0A890357B449}" type="presOf" srcId="{104DDD14-77A8-5E4A-8C18-11E0DB1E612D}" destId="{80D56342-5990-3641-A46B-D2F0EA0D8B6F}" srcOrd="0" destOrd="0" presId="urn:microsoft.com/office/officeart/2005/8/layout/vList2"/>
     <dgm:cxn modelId="{22662784-DE8A-7646-B2F7-45C94483764F}" type="presOf" srcId="{E9BB6759-910F-694F-B80A-FCC18D447C32}" destId="{41C0AAA6-5045-A443-8E80-663E54C29A13}" srcOrd="0" destOrd="0" presId="urn:microsoft.com/office/officeart/2005/8/layout/vList2"/>
     <dgm:cxn modelId="{861FD98E-69C8-1D46-AFD9-F705FB2CF16A}" srcId="{6B809493-61A3-494E-9E0F-4CCB019BCC11}" destId="{772D7005-374E-AA4B-AD57-4A24AC72D2BA}" srcOrd="2" destOrd="0" parTransId="{9634C23C-A2AC-7041-97F0-22F12CB7934E}" sibTransId="{0B05D69A-0017-9F4B-A0AD-CE3AE20CC7F0}"/>
-    <dgm:cxn modelId="{01849A9D-E670-F142-B6B0-9293C36EFE57}" type="presOf" srcId="{3A6AEF35-7BB1-0442-8811-8A526D686376}" destId="{F59EB29C-AF4E-5E4B-BE1D-F1139811FE94}" srcOrd="0" destOrd="0" presId="urn:microsoft.com/office/officeart/2005/8/layout/vList2"/>
     <dgm:cxn modelId="{BC15BB9D-595F-4E4E-927B-FF1C46E0993A}" type="presOf" srcId="{6634C9F0-657C-8645-8363-DAC3032F34C7}" destId="{318E7DE8-BB1C-2744-A9D6-7B14DAE7744C}" srcOrd="0" destOrd="0" presId="urn:microsoft.com/office/officeart/2005/8/layout/vList2"/>
-    <dgm:cxn modelId="{C9CAA0A9-11C1-E74E-AFF2-F243AF54EB41}" srcId="{6B809493-61A3-494E-9E0F-4CCB019BCC11}" destId="{3A6AEF35-7BB1-0442-8811-8A526D686376}" srcOrd="8" destOrd="0" parTransId="{F1C5ED00-D15A-D84A-AE66-E97D7E23A61A}" sibTransId="{0AB95214-5EBC-AB41-9D4C-AE38CEE2E549}"/>
-    <dgm:cxn modelId="{861E69B3-9137-A74A-BFF8-4F666E49A282}" srcId="{6B809493-61A3-494E-9E0F-4CCB019BCC11}" destId="{793699D7-F410-AA4E-BC35-833384939E8D}" srcOrd="7" destOrd="0" parTransId="{1F410CE4-1C25-C14E-80A5-46E0CC47870E}" sibTransId="{257F8C54-539D-3B46-87EF-BAA384FEA34D}"/>
+    <dgm:cxn modelId="{861E69B3-9137-A74A-BFF8-4F666E49A282}" srcId="{6B809493-61A3-494E-9E0F-4CCB019BCC11}" destId="{793699D7-F410-AA4E-BC35-833384939E8D}" srcOrd="6" destOrd="0" parTransId="{1F410CE4-1C25-C14E-80A5-46E0CC47870E}" sibTransId="{257F8C54-539D-3B46-87EF-BAA384FEA34D}"/>
     <dgm:cxn modelId="{843B73B3-90C8-2F4F-8DE9-EF85CCE62409}" type="presOf" srcId="{E93710D8-7629-3643-8818-A82A50FF7D45}" destId="{B86A5A59-756D-C34F-B296-4430CD72FE96}" srcOrd="0" destOrd="0" presId="urn:microsoft.com/office/officeart/2005/8/layout/vList2"/>
     <dgm:cxn modelId="{D49FAFBB-27A1-9E44-AF5A-A6739A9B3978}" type="presOf" srcId="{DB6F8CD2-F4A5-5948-BBAE-08F42480CC27}" destId="{BCC7EDBD-C7FA-154B-AED6-3F2E692B4DD9}" srcOrd="0" destOrd="0" presId="urn:microsoft.com/office/officeart/2005/8/layout/vList2"/>
     <dgm:cxn modelId="{03C49EBD-4B6E-044B-8FC1-DC80DF0343F9}" type="presOf" srcId="{C2BA9ECA-5BF8-F345-9B71-1CF0059B805A}" destId="{1C95A038-CEF0-5F40-AD23-E619A1B9C553}" srcOrd="0" destOrd="0" presId="urn:microsoft.com/office/officeart/2005/8/layout/vList2"/>
-    <dgm:cxn modelId="{BA87A6C7-AD49-BF4E-9623-05285988601D}" srcId="{6B809493-61A3-494E-9E0F-4CCB019BCC11}" destId="{DB6F8CD2-F4A5-5948-BBAE-08F42480CC27}" srcOrd="18" destOrd="0" parTransId="{4933E3A7-BB82-074D-9E12-6025B421E28C}" sibTransId="{735C1427-3AFF-0A47-B42E-08CEB19A4B26}"/>
-    <dgm:cxn modelId="{6CC656C8-FACF-4E45-A3C8-F3C1DE797DF2}" srcId="{6B809493-61A3-494E-9E0F-4CCB019BCC11}" destId="{E93710D8-7629-3643-8818-A82A50FF7D45}" srcOrd="12" destOrd="0" parTransId="{EB7199C5-DBE9-8448-B737-F429B40ED98F}" sibTransId="{31FE38FF-F26D-E149-A6EF-109B5991D4B3}"/>
+    <dgm:cxn modelId="{BA87A6C7-AD49-BF4E-9623-05285988601D}" srcId="{6B809493-61A3-494E-9E0F-4CCB019BCC11}" destId="{DB6F8CD2-F4A5-5948-BBAE-08F42480CC27}" srcOrd="17" destOrd="0" parTransId="{4933E3A7-BB82-074D-9E12-6025B421E28C}" sibTransId="{735C1427-3AFF-0A47-B42E-08CEB19A4B26}"/>
+    <dgm:cxn modelId="{6CC656C8-FACF-4E45-A3C8-F3C1DE797DF2}" srcId="{6B809493-61A3-494E-9E0F-4CCB019BCC11}" destId="{E93710D8-7629-3643-8818-A82A50FF7D45}" srcOrd="11" destOrd="0" parTransId="{EB7199C5-DBE9-8448-B737-F429B40ED98F}" sibTransId="{31FE38FF-F26D-E149-A6EF-109B5991D4B3}"/>
+    <dgm:cxn modelId="{CA0407CC-295C-5B4B-AE31-1B82D2C029CC}" type="presOf" srcId="{AF3FE676-D642-8C44-A588-80E8B4366683}" destId="{6F7EC028-C3DA-374F-A578-C47C8DA08970}" srcOrd="0" destOrd="0" presId="urn:microsoft.com/office/officeart/2005/8/layout/vList2"/>
     <dgm:cxn modelId="{139A01D1-72F7-8542-946F-9B3B7A1BD463}" type="presOf" srcId="{5E3F9AE5-1467-A348-A6ED-8478E8D616A9}" destId="{71A2FA6E-54B4-BE46-B698-0C21DCB72B62}" srcOrd="0" destOrd="0" presId="urn:microsoft.com/office/officeart/2005/8/layout/vList2"/>
     <dgm:cxn modelId="{D79992D1-2CD3-804A-9D99-426758FBC8E9}" type="presOf" srcId="{3B58AF27-98EC-8C45-95AD-C3CD3AF55CAD}" destId="{EAC26071-8120-9744-BCBB-89B3AD97F46B}" srcOrd="0" destOrd="0" presId="urn:microsoft.com/office/officeart/2005/8/layout/vList2"/>
     <dgm:cxn modelId="{E80176D2-3C2C-8C43-B6B7-6C73B2D868D0}" type="presOf" srcId="{E2F78716-754D-BA48-A1C8-F11291F965AF}" destId="{383A12B6-F082-DA42-8A04-2809EC465CF3}" srcOrd="0" destOrd="0" presId="urn:microsoft.com/office/officeart/2005/8/layout/vList2"/>
     <dgm:cxn modelId="{BDF5E3D2-3807-A24A-9359-E3B72D06A91C}" srcId="{6B809493-61A3-494E-9E0F-4CCB019BCC11}" destId="{E2F78716-754D-BA48-A1C8-F11291F965AF}" srcOrd="0" destOrd="0" parTransId="{3B0B7DBE-5293-1B4A-83F0-A5911DE9EFFC}" sibTransId="{D3F27FF4-063A-9749-B2E0-E0FFE9462845}"/>
-    <dgm:cxn modelId="{BA6830D6-2533-AE4D-A27F-45A4E2C6B7B3}" srcId="{6B809493-61A3-494E-9E0F-4CCB019BCC11}" destId="{3B58AF27-98EC-8C45-95AD-C3CD3AF55CAD}" srcOrd="6" destOrd="0" parTransId="{77D6922F-A812-1840-B72A-30041743E038}" sibTransId="{AAADC7C4-8B44-1845-A801-8530CE2CC620}"/>
+    <dgm:cxn modelId="{BA6830D6-2533-AE4D-A27F-45A4E2C6B7B3}" srcId="{6B809493-61A3-494E-9E0F-4CCB019BCC11}" destId="{3B58AF27-98EC-8C45-95AD-C3CD3AF55CAD}" srcOrd="5" destOrd="0" parTransId="{77D6922F-A812-1840-B72A-30041743E038}" sibTransId="{AAADC7C4-8B44-1845-A801-8530CE2CC620}"/>
     <dgm:cxn modelId="{53458FDB-EC2C-D344-B2AD-0F53E2F0D7A6}" type="presOf" srcId="{17BEE546-DC3E-094D-99F3-B39186EF3ED9}" destId="{68715E1C-1A15-0542-96AA-85976B4E405B}" srcOrd="0" destOrd="0" presId="urn:microsoft.com/office/officeart/2005/8/layout/vList2"/>
     <dgm:cxn modelId="{E2799ADD-5051-B14D-A794-27C6742A4B7C}" type="presOf" srcId="{684D9E1D-E9C6-B748-AA4F-FE7936F4CC78}" destId="{8017740E-C7CD-174B-9489-D856C2BBEC74}" srcOrd="0" destOrd="0" presId="urn:microsoft.com/office/officeart/2005/8/layout/vList2"/>
-    <dgm:cxn modelId="{3BA2D6DD-34C3-F94A-B3BE-5F96D2DF6D61}" srcId="{6B809493-61A3-494E-9E0F-4CCB019BCC11}" destId="{C2BA9ECA-5BF8-F345-9B71-1CF0059B805A}" srcOrd="4" destOrd="0" parTransId="{16962BD0-CD8E-8E41-900F-DC3A43E97F1E}" sibTransId="{00325A8B-DD5A-3F4A-A5B0-451E1DDE90F0}"/>
-    <dgm:cxn modelId="{4DFC6FDE-AB66-EE4B-80C4-9F1636D17F86}" srcId="{6B809493-61A3-494E-9E0F-4CCB019BCC11}" destId="{93F3057B-6E97-4D4A-A5F3-91A3E74FE496}" srcOrd="3" destOrd="0" parTransId="{2BCBA9EA-24B8-D848-ADD0-744E9C58C05B}" sibTransId="{82FBB55A-5742-8649-96A0-25D492A268C2}"/>
-    <dgm:cxn modelId="{56D2CEE0-0AB0-C443-BEBA-185FC2C39A01}" srcId="{6B809493-61A3-494E-9E0F-4CCB019BCC11}" destId="{684D9E1D-E9C6-B748-AA4F-FE7936F4CC78}" srcOrd="11" destOrd="0" parTransId="{B8DEBA63-218C-0B48-91F1-B24DD0232574}" sibTransId="{589EF973-9612-FA4E-9188-E4C0761CF302}"/>
+    <dgm:cxn modelId="{3BA2D6DD-34C3-F94A-B3BE-5F96D2DF6D61}" srcId="{6B809493-61A3-494E-9E0F-4CCB019BCC11}" destId="{C2BA9ECA-5BF8-F345-9B71-1CF0059B805A}" srcOrd="3" destOrd="0" parTransId="{16962BD0-CD8E-8E41-900F-DC3A43E97F1E}" sibTransId="{00325A8B-DD5A-3F4A-A5B0-451E1DDE90F0}"/>
+    <dgm:cxn modelId="{56D2CEE0-0AB0-C443-BEBA-185FC2C39A01}" srcId="{6B809493-61A3-494E-9E0F-4CCB019BCC11}" destId="{684D9E1D-E9C6-B748-AA4F-FE7936F4CC78}" srcOrd="10" destOrd="0" parTransId="{B8DEBA63-218C-0B48-91F1-B24DD0232574}" sibTransId="{589EF973-9612-FA4E-9188-E4C0761CF302}"/>
     <dgm:cxn modelId="{5FD392F5-CE58-A140-863A-11881FD9118D}" type="presParOf" srcId="{5747C6EF-EACF-2B45-B088-EDEFB26D308E}" destId="{383A12B6-F082-DA42-8A04-2809EC465CF3}" srcOrd="0" destOrd="0" presId="urn:microsoft.com/office/officeart/2005/8/layout/vList2"/>
     <dgm:cxn modelId="{6EC88937-74CB-934F-B589-FAEFB1A1A179}" type="presParOf" srcId="{5747C6EF-EACF-2B45-B088-EDEFB26D308E}" destId="{CCC8C1D6-3D73-9A4B-BB68-FACB868F8CC6}" srcOrd="1" destOrd="0" presId="urn:microsoft.com/office/officeart/2005/8/layout/vList2"/>
     <dgm:cxn modelId="{A6842D40-9986-9D44-94E6-A048A697ABC5}" type="presParOf" srcId="{5747C6EF-EACF-2B45-B088-EDEFB26D308E}" destId="{41C0AAA6-5045-A443-8E80-663E54C29A13}" srcOrd="2" destOrd="0" presId="urn:microsoft.com/office/officeart/2005/8/layout/vList2"/>
     <dgm:cxn modelId="{BC1AA737-9E9E-A549-BA49-813130D4D3BE}" type="presParOf" srcId="{5747C6EF-EACF-2B45-B088-EDEFB26D308E}" destId="{8646BBF6-777A-154A-B32B-909D97D64571}" srcOrd="3" destOrd="0" presId="urn:microsoft.com/office/officeart/2005/8/layout/vList2"/>
     <dgm:cxn modelId="{1CB2A984-547F-C049-86D7-13EC7E46BA62}" type="presParOf" srcId="{5747C6EF-EACF-2B45-B088-EDEFB26D308E}" destId="{A6CEB316-3230-2243-8E15-3566DF5DB482}" srcOrd="4" destOrd="0" presId="urn:microsoft.com/office/officeart/2005/8/layout/vList2"/>
     <dgm:cxn modelId="{6D3C62D6-8D86-284F-BEEC-1465A8D44888}" type="presParOf" srcId="{5747C6EF-EACF-2B45-B088-EDEFB26D308E}" destId="{8993A006-F68F-AE4E-8B04-5B8CC83243A4}" srcOrd="5" destOrd="0" presId="urn:microsoft.com/office/officeart/2005/8/layout/vList2"/>
-    <dgm:cxn modelId="{C7171E9A-544E-A842-A939-DB9F83CB8A1B}" type="presParOf" srcId="{5747C6EF-EACF-2B45-B088-EDEFB26D308E}" destId="{3132E0F6-861D-CB48-8270-B47A10111A9B}" srcOrd="6" destOrd="0" presId="urn:microsoft.com/office/officeart/2005/8/layout/vList2"/>
-    <dgm:cxn modelId="{E093EE30-2B21-524E-9CB4-2AEEE2845057}" type="presParOf" srcId="{5747C6EF-EACF-2B45-B088-EDEFB26D308E}" destId="{0781B178-D008-0F4B-99F8-F217C711FAF4}" srcOrd="7" destOrd="0" presId="urn:microsoft.com/office/officeart/2005/8/layout/vList2"/>
-    <dgm:cxn modelId="{E5E208E3-0002-8948-BC69-5886A3491A9D}" type="presParOf" srcId="{5747C6EF-EACF-2B45-B088-EDEFB26D308E}" destId="{1C95A038-CEF0-5F40-AD23-E619A1B9C553}" srcOrd="8" destOrd="0" presId="urn:microsoft.com/office/officeart/2005/8/layout/vList2"/>
-    <dgm:cxn modelId="{9EA5487F-89B9-F54B-BBB4-F8E5664852EA}" type="presParOf" srcId="{5747C6EF-EACF-2B45-B088-EDEFB26D308E}" destId="{F212F638-15BD-7B48-AFDF-BB3689C9AEC2}" srcOrd="9" destOrd="0" presId="urn:microsoft.com/office/officeart/2005/8/layout/vList2"/>
-    <dgm:cxn modelId="{82159B3F-6059-A741-B8E1-BD66FF758136}" type="presParOf" srcId="{5747C6EF-EACF-2B45-B088-EDEFB26D308E}" destId="{318E7DE8-BB1C-2744-A9D6-7B14DAE7744C}" srcOrd="10" destOrd="0" presId="urn:microsoft.com/office/officeart/2005/8/layout/vList2"/>
-    <dgm:cxn modelId="{5F104F1D-D2BE-9640-8BE6-ED3310A748F5}" type="presParOf" srcId="{5747C6EF-EACF-2B45-B088-EDEFB26D308E}" destId="{D274D022-838F-6349-BC10-D82F9C4BF043}" srcOrd="11" destOrd="0" presId="urn:microsoft.com/office/officeart/2005/8/layout/vList2"/>
-    <dgm:cxn modelId="{9BD03D42-C9E7-A340-909D-3220751ECF6B}" type="presParOf" srcId="{5747C6EF-EACF-2B45-B088-EDEFB26D308E}" destId="{EAC26071-8120-9744-BCBB-89B3AD97F46B}" srcOrd="12" destOrd="0" presId="urn:microsoft.com/office/officeart/2005/8/layout/vList2"/>
-    <dgm:cxn modelId="{04E0B499-E93F-154B-8953-BAFD0A252E9A}" type="presParOf" srcId="{5747C6EF-EACF-2B45-B088-EDEFB26D308E}" destId="{7588A2A5-563F-B145-B650-21A955A34918}" srcOrd="13" destOrd="0" presId="urn:microsoft.com/office/officeart/2005/8/layout/vList2"/>
-    <dgm:cxn modelId="{55D8D9E8-CED5-CA44-8213-4DA038592A90}" type="presParOf" srcId="{5747C6EF-EACF-2B45-B088-EDEFB26D308E}" destId="{63A7861A-D130-5D44-96B3-74B93965F55C}" srcOrd="14" destOrd="0" presId="urn:microsoft.com/office/officeart/2005/8/layout/vList2"/>
-    <dgm:cxn modelId="{E86FD0E1-7EF4-1847-988C-CCE1A534C32F}" type="presParOf" srcId="{5747C6EF-EACF-2B45-B088-EDEFB26D308E}" destId="{BADE2FD2-D495-6148-84F8-1F61909134E2}" srcOrd="15" destOrd="0" presId="urn:microsoft.com/office/officeart/2005/8/layout/vList2"/>
-    <dgm:cxn modelId="{7B359C2B-3DDA-144B-9F89-FE6A92441EC2}" type="presParOf" srcId="{5747C6EF-EACF-2B45-B088-EDEFB26D308E}" destId="{F59EB29C-AF4E-5E4B-BE1D-F1139811FE94}" srcOrd="16" destOrd="0" presId="urn:microsoft.com/office/officeart/2005/8/layout/vList2"/>
-    <dgm:cxn modelId="{43718181-F5FF-4F41-8D53-5709701A350A}" type="presParOf" srcId="{5747C6EF-EACF-2B45-B088-EDEFB26D308E}" destId="{724A28CD-6C7F-7D49-9CC3-F27806A6A25E}" srcOrd="17" destOrd="0" presId="urn:microsoft.com/office/officeart/2005/8/layout/vList2"/>
-    <dgm:cxn modelId="{11C4CFED-6976-324D-98B8-B2F9FE65F682}" type="presParOf" srcId="{5747C6EF-EACF-2B45-B088-EDEFB26D308E}" destId="{80D56342-5990-3641-A46B-D2F0EA0D8B6F}" srcOrd="18" destOrd="0" presId="urn:microsoft.com/office/officeart/2005/8/layout/vList2"/>
-    <dgm:cxn modelId="{C409AFCC-4A5C-DC4A-B035-60C5023CFF66}" type="presParOf" srcId="{5747C6EF-EACF-2B45-B088-EDEFB26D308E}" destId="{E8A2CA25-CD42-9245-9136-64346826E1FC}" srcOrd="19" destOrd="0" presId="urn:microsoft.com/office/officeart/2005/8/layout/vList2"/>
-    <dgm:cxn modelId="{843AF9E6-D5D1-BA42-B06E-967715ECD9E7}" type="presParOf" srcId="{5747C6EF-EACF-2B45-B088-EDEFB26D308E}" destId="{01002448-6F06-0C41-B328-FEC43FF389C7}" srcOrd="20" destOrd="0" presId="urn:microsoft.com/office/officeart/2005/8/layout/vList2"/>
-    <dgm:cxn modelId="{6B4FD99E-3F12-C94A-9795-96C0D100A2DA}" type="presParOf" srcId="{5747C6EF-EACF-2B45-B088-EDEFB26D308E}" destId="{D1D55366-D21D-0546-8781-763F936697F9}" srcOrd="21" destOrd="0" presId="urn:microsoft.com/office/officeart/2005/8/layout/vList2"/>
-    <dgm:cxn modelId="{922502A8-D725-EE46-87E8-9AB61AAE20E1}" type="presParOf" srcId="{5747C6EF-EACF-2B45-B088-EDEFB26D308E}" destId="{8017740E-C7CD-174B-9489-D856C2BBEC74}" srcOrd="22" destOrd="0" presId="urn:microsoft.com/office/officeart/2005/8/layout/vList2"/>
-    <dgm:cxn modelId="{B92E2E36-EC07-284F-B8E8-32B1E62FD1A9}" type="presParOf" srcId="{5747C6EF-EACF-2B45-B088-EDEFB26D308E}" destId="{0E2ED1FB-45F6-534D-80C7-D194D29B4289}" srcOrd="23" destOrd="0" presId="urn:microsoft.com/office/officeart/2005/8/layout/vList2"/>
-    <dgm:cxn modelId="{E09865F0-8C7A-E448-AAC7-592BDA4E2D84}" type="presParOf" srcId="{5747C6EF-EACF-2B45-B088-EDEFB26D308E}" destId="{B86A5A59-756D-C34F-B296-4430CD72FE96}" srcOrd="24" destOrd="0" presId="urn:microsoft.com/office/officeart/2005/8/layout/vList2"/>
-    <dgm:cxn modelId="{4B8D7B6D-686E-6843-ABAA-CBDE1FA7A00D}" type="presParOf" srcId="{5747C6EF-EACF-2B45-B088-EDEFB26D308E}" destId="{A77EB37D-736F-6E4B-BE48-21FD8D294892}" srcOrd="25" destOrd="0" presId="urn:microsoft.com/office/officeart/2005/8/layout/vList2"/>
-    <dgm:cxn modelId="{37BDB18D-8A85-E74C-9F0C-CE51C365697D}" type="presParOf" srcId="{5747C6EF-EACF-2B45-B088-EDEFB26D308E}" destId="{3059E1CF-95E5-0946-81FE-29653DDB57D2}" srcOrd="26" destOrd="0" presId="urn:microsoft.com/office/officeart/2005/8/layout/vList2"/>
-    <dgm:cxn modelId="{3EE95844-A4A8-7344-AAB1-BC0E64AFB48A}" type="presParOf" srcId="{5747C6EF-EACF-2B45-B088-EDEFB26D308E}" destId="{48C777F3-3793-EA47-80D7-97933A81E4EB}" srcOrd="27" destOrd="0" presId="urn:microsoft.com/office/officeart/2005/8/layout/vList2"/>
-    <dgm:cxn modelId="{39A6D8C5-4B8D-F348-B394-EC5AD0DFA0E0}" type="presParOf" srcId="{5747C6EF-EACF-2B45-B088-EDEFB26D308E}" destId="{4BBD6B69-D026-5549-AB3F-CC598099A59C}" srcOrd="28" destOrd="0" presId="urn:microsoft.com/office/officeart/2005/8/layout/vList2"/>
-    <dgm:cxn modelId="{DE325585-F8A9-F44F-B35A-FF9993B9B3F4}" type="presParOf" srcId="{5747C6EF-EACF-2B45-B088-EDEFB26D308E}" destId="{1FE86AF9-2A13-B143-9818-C4BBE40D9A2D}" srcOrd="29" destOrd="0" presId="urn:microsoft.com/office/officeart/2005/8/layout/vList2"/>
-    <dgm:cxn modelId="{9B84D5CD-0415-3F48-9847-1ED45FB2E7E5}" type="presParOf" srcId="{5747C6EF-EACF-2B45-B088-EDEFB26D308E}" destId="{5FCA0BB1-E4BB-2448-9D99-2FA28BAB891D}" srcOrd="30" destOrd="0" presId="urn:microsoft.com/office/officeart/2005/8/layout/vList2"/>
-    <dgm:cxn modelId="{B0FB62B8-3BD7-B34F-8C0C-CBF09EE82574}" type="presParOf" srcId="{5747C6EF-EACF-2B45-B088-EDEFB26D308E}" destId="{FC7DEAFB-239A-7D4E-A74D-303EDA243B49}" srcOrd="31" destOrd="0" presId="urn:microsoft.com/office/officeart/2005/8/layout/vList2"/>
-    <dgm:cxn modelId="{5AB2FC81-41E6-D646-A24C-8362B36C31E7}" type="presParOf" srcId="{5747C6EF-EACF-2B45-B088-EDEFB26D308E}" destId="{30EAE578-6C70-7C4E-87DB-7AD9E21FC84F}" srcOrd="32" destOrd="0" presId="urn:microsoft.com/office/officeart/2005/8/layout/vList2"/>
-    <dgm:cxn modelId="{576CBE35-2D09-E240-81B0-9114DDF9D552}" type="presParOf" srcId="{5747C6EF-EACF-2B45-B088-EDEFB26D308E}" destId="{8E970E1C-7D20-024C-BCF9-A4186DCAEB70}" srcOrd="33" destOrd="0" presId="urn:microsoft.com/office/officeart/2005/8/layout/vList2"/>
-    <dgm:cxn modelId="{F347581F-8A9C-4843-974D-3DF6D029395F}" type="presParOf" srcId="{5747C6EF-EACF-2B45-B088-EDEFB26D308E}" destId="{71A2FA6E-54B4-BE46-B698-0C21DCB72B62}" srcOrd="34" destOrd="0" presId="urn:microsoft.com/office/officeart/2005/8/layout/vList2"/>
-    <dgm:cxn modelId="{2BEC3DFE-D824-BE46-85D4-0C9E4C1A6C70}" type="presParOf" srcId="{5747C6EF-EACF-2B45-B088-EDEFB26D308E}" destId="{0777A7B7-2810-DC41-9F5E-59E34D97C79E}" srcOrd="35" destOrd="0" presId="urn:microsoft.com/office/officeart/2005/8/layout/vList2"/>
-    <dgm:cxn modelId="{9CC81EE7-6C44-8145-BBB1-C692AD6710A9}" type="presParOf" srcId="{5747C6EF-EACF-2B45-B088-EDEFB26D308E}" destId="{BCC7EDBD-C7FA-154B-AED6-3F2E692B4DD9}" srcOrd="36" destOrd="0" presId="urn:microsoft.com/office/officeart/2005/8/layout/vList2"/>
-    <dgm:cxn modelId="{6E94EE0A-A4B6-0647-8BDA-11822EFE347E}" type="presParOf" srcId="{5747C6EF-EACF-2B45-B088-EDEFB26D308E}" destId="{DAF8D716-98BC-454E-A416-AD3ED63FE7BA}" srcOrd="37" destOrd="0" presId="urn:microsoft.com/office/officeart/2005/8/layout/vList2"/>
-    <dgm:cxn modelId="{5C66C1F5-3398-DC48-96E3-B46906050763}" type="presParOf" srcId="{5747C6EF-EACF-2B45-B088-EDEFB26D308E}" destId="{68715E1C-1A15-0542-96AA-85976B4E405B}" srcOrd="38" destOrd="0" presId="urn:microsoft.com/office/officeart/2005/8/layout/vList2"/>
+    <dgm:cxn modelId="{E5E208E3-0002-8948-BC69-5886A3491A9D}" type="presParOf" srcId="{5747C6EF-EACF-2B45-B088-EDEFB26D308E}" destId="{1C95A038-CEF0-5F40-AD23-E619A1B9C553}" srcOrd="6" destOrd="0" presId="urn:microsoft.com/office/officeart/2005/8/layout/vList2"/>
+    <dgm:cxn modelId="{9EA5487F-89B9-F54B-BBB4-F8E5664852EA}" type="presParOf" srcId="{5747C6EF-EACF-2B45-B088-EDEFB26D308E}" destId="{F212F638-15BD-7B48-AFDF-BB3689C9AEC2}" srcOrd="7" destOrd="0" presId="urn:microsoft.com/office/officeart/2005/8/layout/vList2"/>
+    <dgm:cxn modelId="{82159B3F-6059-A741-B8E1-BD66FF758136}" type="presParOf" srcId="{5747C6EF-EACF-2B45-B088-EDEFB26D308E}" destId="{318E7DE8-BB1C-2744-A9D6-7B14DAE7744C}" srcOrd="8" destOrd="0" presId="urn:microsoft.com/office/officeart/2005/8/layout/vList2"/>
+    <dgm:cxn modelId="{5F104F1D-D2BE-9640-8BE6-ED3310A748F5}" type="presParOf" srcId="{5747C6EF-EACF-2B45-B088-EDEFB26D308E}" destId="{D274D022-838F-6349-BC10-D82F9C4BF043}" srcOrd="9" destOrd="0" presId="urn:microsoft.com/office/officeart/2005/8/layout/vList2"/>
+    <dgm:cxn modelId="{9BD03D42-C9E7-A340-909D-3220751ECF6B}" type="presParOf" srcId="{5747C6EF-EACF-2B45-B088-EDEFB26D308E}" destId="{EAC26071-8120-9744-BCBB-89B3AD97F46B}" srcOrd="10" destOrd="0" presId="urn:microsoft.com/office/officeart/2005/8/layout/vList2"/>
+    <dgm:cxn modelId="{04E0B499-E93F-154B-8953-BAFD0A252E9A}" type="presParOf" srcId="{5747C6EF-EACF-2B45-B088-EDEFB26D308E}" destId="{7588A2A5-563F-B145-B650-21A955A34918}" srcOrd="11" destOrd="0" presId="urn:microsoft.com/office/officeart/2005/8/layout/vList2"/>
+    <dgm:cxn modelId="{55D8D9E8-CED5-CA44-8213-4DA038592A90}" type="presParOf" srcId="{5747C6EF-EACF-2B45-B088-EDEFB26D308E}" destId="{63A7861A-D130-5D44-96B3-74B93965F55C}" srcOrd="12" destOrd="0" presId="urn:microsoft.com/office/officeart/2005/8/layout/vList2"/>
+    <dgm:cxn modelId="{E86FD0E1-7EF4-1847-988C-CCE1A534C32F}" type="presParOf" srcId="{5747C6EF-EACF-2B45-B088-EDEFB26D308E}" destId="{BADE2FD2-D495-6148-84F8-1F61909134E2}" srcOrd="13" destOrd="0" presId="urn:microsoft.com/office/officeart/2005/8/layout/vList2"/>
+    <dgm:cxn modelId="{11C4CFED-6976-324D-98B8-B2F9FE65F682}" type="presParOf" srcId="{5747C6EF-EACF-2B45-B088-EDEFB26D308E}" destId="{80D56342-5990-3641-A46B-D2F0EA0D8B6F}" srcOrd="14" destOrd="0" presId="urn:microsoft.com/office/officeart/2005/8/layout/vList2"/>
+    <dgm:cxn modelId="{C409AFCC-4A5C-DC4A-B035-60C5023CFF66}" type="presParOf" srcId="{5747C6EF-EACF-2B45-B088-EDEFB26D308E}" destId="{E8A2CA25-CD42-9245-9136-64346826E1FC}" srcOrd="15" destOrd="0" presId="urn:microsoft.com/office/officeart/2005/8/layout/vList2"/>
+    <dgm:cxn modelId="{9D67DDC8-B738-5244-9345-2D0E86863522}" type="presParOf" srcId="{5747C6EF-EACF-2B45-B088-EDEFB26D308E}" destId="{6F7EC028-C3DA-374F-A578-C47C8DA08970}" srcOrd="16" destOrd="0" presId="urn:microsoft.com/office/officeart/2005/8/layout/vList2"/>
+    <dgm:cxn modelId="{3602C1E1-DC80-2947-8B7B-6E1309B49255}" type="presParOf" srcId="{5747C6EF-EACF-2B45-B088-EDEFB26D308E}" destId="{10FB6998-F523-5146-86B1-B54128FC02ED}" srcOrd="17" destOrd="0" presId="urn:microsoft.com/office/officeart/2005/8/layout/vList2"/>
+    <dgm:cxn modelId="{843AF9E6-D5D1-BA42-B06E-967715ECD9E7}" type="presParOf" srcId="{5747C6EF-EACF-2B45-B088-EDEFB26D308E}" destId="{01002448-6F06-0C41-B328-FEC43FF389C7}" srcOrd="18" destOrd="0" presId="urn:microsoft.com/office/officeart/2005/8/layout/vList2"/>
+    <dgm:cxn modelId="{6B4FD99E-3F12-C94A-9795-96C0D100A2DA}" type="presParOf" srcId="{5747C6EF-EACF-2B45-B088-EDEFB26D308E}" destId="{D1D55366-D21D-0546-8781-763F936697F9}" srcOrd="19" destOrd="0" presId="urn:microsoft.com/office/officeart/2005/8/layout/vList2"/>
+    <dgm:cxn modelId="{922502A8-D725-EE46-87E8-9AB61AAE20E1}" type="presParOf" srcId="{5747C6EF-EACF-2B45-B088-EDEFB26D308E}" destId="{8017740E-C7CD-174B-9489-D856C2BBEC74}" srcOrd="20" destOrd="0" presId="urn:microsoft.com/office/officeart/2005/8/layout/vList2"/>
+    <dgm:cxn modelId="{B92E2E36-EC07-284F-B8E8-32B1E62FD1A9}" type="presParOf" srcId="{5747C6EF-EACF-2B45-B088-EDEFB26D308E}" destId="{0E2ED1FB-45F6-534D-80C7-D194D29B4289}" srcOrd="21" destOrd="0" presId="urn:microsoft.com/office/officeart/2005/8/layout/vList2"/>
+    <dgm:cxn modelId="{E09865F0-8C7A-E448-AAC7-592BDA4E2D84}" type="presParOf" srcId="{5747C6EF-EACF-2B45-B088-EDEFB26D308E}" destId="{B86A5A59-756D-C34F-B296-4430CD72FE96}" srcOrd="22" destOrd="0" presId="urn:microsoft.com/office/officeart/2005/8/layout/vList2"/>
+    <dgm:cxn modelId="{4B8D7B6D-686E-6843-ABAA-CBDE1FA7A00D}" type="presParOf" srcId="{5747C6EF-EACF-2B45-B088-EDEFB26D308E}" destId="{A77EB37D-736F-6E4B-BE48-21FD8D294892}" srcOrd="23" destOrd="0" presId="urn:microsoft.com/office/officeart/2005/8/layout/vList2"/>
+    <dgm:cxn modelId="{37BDB18D-8A85-E74C-9F0C-CE51C365697D}" type="presParOf" srcId="{5747C6EF-EACF-2B45-B088-EDEFB26D308E}" destId="{3059E1CF-95E5-0946-81FE-29653DDB57D2}" srcOrd="24" destOrd="0" presId="urn:microsoft.com/office/officeart/2005/8/layout/vList2"/>
+    <dgm:cxn modelId="{3EE95844-A4A8-7344-AAB1-BC0E64AFB48A}" type="presParOf" srcId="{5747C6EF-EACF-2B45-B088-EDEFB26D308E}" destId="{48C777F3-3793-EA47-80D7-97933A81E4EB}" srcOrd="25" destOrd="0" presId="urn:microsoft.com/office/officeart/2005/8/layout/vList2"/>
+    <dgm:cxn modelId="{39A6D8C5-4B8D-F348-B394-EC5AD0DFA0E0}" type="presParOf" srcId="{5747C6EF-EACF-2B45-B088-EDEFB26D308E}" destId="{4BBD6B69-D026-5549-AB3F-CC598099A59C}" srcOrd="26" destOrd="0" presId="urn:microsoft.com/office/officeart/2005/8/layout/vList2"/>
+    <dgm:cxn modelId="{DE325585-F8A9-F44F-B35A-FF9993B9B3F4}" type="presParOf" srcId="{5747C6EF-EACF-2B45-B088-EDEFB26D308E}" destId="{1FE86AF9-2A13-B143-9818-C4BBE40D9A2D}" srcOrd="27" destOrd="0" presId="urn:microsoft.com/office/officeart/2005/8/layout/vList2"/>
+    <dgm:cxn modelId="{9B84D5CD-0415-3F48-9847-1ED45FB2E7E5}" type="presParOf" srcId="{5747C6EF-EACF-2B45-B088-EDEFB26D308E}" destId="{5FCA0BB1-E4BB-2448-9D99-2FA28BAB891D}" srcOrd="28" destOrd="0" presId="urn:microsoft.com/office/officeart/2005/8/layout/vList2"/>
+    <dgm:cxn modelId="{B0FB62B8-3BD7-B34F-8C0C-CBF09EE82574}" type="presParOf" srcId="{5747C6EF-EACF-2B45-B088-EDEFB26D308E}" destId="{FC7DEAFB-239A-7D4E-A74D-303EDA243B49}" srcOrd="29" destOrd="0" presId="urn:microsoft.com/office/officeart/2005/8/layout/vList2"/>
+    <dgm:cxn modelId="{5AB2FC81-41E6-D646-A24C-8362B36C31E7}" type="presParOf" srcId="{5747C6EF-EACF-2B45-B088-EDEFB26D308E}" destId="{30EAE578-6C70-7C4E-87DB-7AD9E21FC84F}" srcOrd="30" destOrd="0" presId="urn:microsoft.com/office/officeart/2005/8/layout/vList2"/>
+    <dgm:cxn modelId="{576CBE35-2D09-E240-81B0-9114DDF9D552}" type="presParOf" srcId="{5747C6EF-EACF-2B45-B088-EDEFB26D308E}" destId="{8E970E1C-7D20-024C-BCF9-A4186DCAEB70}" srcOrd="31" destOrd="0" presId="urn:microsoft.com/office/officeart/2005/8/layout/vList2"/>
+    <dgm:cxn modelId="{F347581F-8A9C-4843-974D-3DF6D029395F}" type="presParOf" srcId="{5747C6EF-EACF-2B45-B088-EDEFB26D308E}" destId="{71A2FA6E-54B4-BE46-B698-0C21DCB72B62}" srcOrd="32" destOrd="0" presId="urn:microsoft.com/office/officeart/2005/8/layout/vList2"/>
+    <dgm:cxn modelId="{2BEC3DFE-D824-BE46-85D4-0C9E4C1A6C70}" type="presParOf" srcId="{5747C6EF-EACF-2B45-B088-EDEFB26D308E}" destId="{0777A7B7-2810-DC41-9F5E-59E34D97C79E}" srcOrd="33" destOrd="0" presId="urn:microsoft.com/office/officeart/2005/8/layout/vList2"/>
+    <dgm:cxn modelId="{9CC81EE7-6C44-8145-BBB1-C692AD6710A9}" type="presParOf" srcId="{5747C6EF-EACF-2B45-B088-EDEFB26D308E}" destId="{BCC7EDBD-C7FA-154B-AED6-3F2E692B4DD9}" srcOrd="34" destOrd="0" presId="urn:microsoft.com/office/officeart/2005/8/layout/vList2"/>
+    <dgm:cxn modelId="{6E94EE0A-A4B6-0647-8BDA-11822EFE347E}" type="presParOf" srcId="{5747C6EF-EACF-2B45-B088-EDEFB26D308E}" destId="{DAF8D716-98BC-454E-A416-AD3ED63FE7BA}" srcOrd="35" destOrd="0" presId="urn:microsoft.com/office/officeart/2005/8/layout/vList2"/>
+    <dgm:cxn modelId="{5C66C1F5-3398-DC48-96E3-B46906050763}" type="presParOf" srcId="{5747C6EF-EACF-2B45-B088-EDEFB26D308E}" destId="{68715E1C-1A15-0542-96AA-85976B4E405B}" srcOrd="36" destOrd="0" presId="urn:microsoft.com/office/officeart/2005/8/layout/vList2"/>
   </dgm:cxnLst>
   <dgm:bg/>
   <dgm:whole/>
@@ -2175,8 +2121,8 @@
       </dsp:nvSpPr>
       <dsp:spPr>
         <a:xfrm>
-          <a:off x="0" y="129830"/>
-          <a:ext cx="7437161" cy="387855"/>
+          <a:off x="0" y="105576"/>
+          <a:ext cx="7437161" cy="410669"/>
         </a:xfrm>
         <a:prstGeom prst="roundRect">
           <a:avLst/>
@@ -2212,12 +2158,12 @@
         </a:fontRef>
       </dsp:style>
       <dsp:txBody>
-        <a:bodyPr spcFirstLastPara="0" vert="horz" wrap="square" lIns="64770" tIns="64770" rIns="64770" bIns="64770" numCol="1" spcCol="1270" anchor="ctr" anchorCtr="0">
+        <a:bodyPr spcFirstLastPara="0" vert="horz" wrap="square" lIns="68580" tIns="68580" rIns="68580" bIns="68580" numCol="1" spcCol="1270" anchor="ctr" anchorCtr="0">
           <a:noAutofit/>
         </a:bodyPr>
         <a:lstStyle/>
         <a:p>
-          <a:pPr marL="0" lvl="0" indent="0" algn="l" defTabSz="755650">
+          <a:pPr marL="0" lvl="0" indent="0" algn="l" defTabSz="800100">
             <a:lnSpc>
               <a:spcPct val="90000"/>
             </a:lnSpc>
@@ -2230,15 +2176,15 @@
             <a:buNone/>
           </a:pPr>
           <a:r>
-            <a:rPr lang="en-US" sz="1700" b="1" i="0" kern="1200"/>
-            <a:t>In 2019 (Before COVID):</a:t>
+            <a:rPr lang="en-US" sz="1800" b="1" i="0" kern="1200" dirty="0"/>
+            <a:t>In 2021 (Before COVID):</a:t>
           </a:r>
-          <a:endParaRPr lang="en-US" sz="1700" kern="1200"/>
+          <a:endParaRPr lang="en-US" sz="1800" kern="1200" dirty="0"/>
         </a:p>
       </dsp:txBody>
       <dsp:txXfrm>
-        <a:off x="18934" y="148764"/>
-        <a:ext cx="7399293" cy="349987"/>
+        <a:off x="20047" y="125623"/>
+        <a:ext cx="7397067" cy="370575"/>
       </dsp:txXfrm>
     </dsp:sp>
     <dsp:sp modelId="{41C0AAA6-5045-A443-8E80-663E54C29A13}">
@@ -2248,8 +2194,8 @@
       </dsp:nvSpPr>
       <dsp:spPr>
         <a:xfrm>
-          <a:off x="0" y="566645"/>
-          <a:ext cx="7437161" cy="387855"/>
+          <a:off x="0" y="568086"/>
+          <a:ext cx="7437161" cy="410669"/>
         </a:xfrm>
         <a:prstGeom prst="roundRect">
           <a:avLst/>
@@ -2285,12 +2231,12 @@
         </a:fontRef>
       </dsp:style>
       <dsp:txBody>
-        <a:bodyPr spcFirstLastPara="0" vert="horz" wrap="square" lIns="64770" tIns="64770" rIns="64770" bIns="64770" numCol="1" spcCol="1270" anchor="ctr" anchorCtr="0">
+        <a:bodyPr spcFirstLastPara="0" vert="horz" wrap="square" lIns="68580" tIns="68580" rIns="68580" bIns="68580" numCol="1" spcCol="1270" anchor="ctr" anchorCtr="0">
           <a:noAutofit/>
         </a:bodyPr>
         <a:lstStyle/>
         <a:p>
-          <a:pPr marL="0" lvl="0" indent="0" algn="l" defTabSz="755650">
+          <a:pPr marL="0" lvl="0" indent="0" algn="l" defTabSz="800100">
             <a:lnSpc>
               <a:spcPct val="90000"/>
             </a:lnSpc>
@@ -2303,15 +2249,15 @@
             <a:buNone/>
           </a:pPr>
           <a:r>
-            <a:rPr lang="en-US" sz="1700" b="1" i="0" kern="1200"/>
+            <a:rPr lang="en-US" sz="1800" b="1" i="0" kern="1200"/>
             <a:t>For Non-Asians:</a:t>
           </a:r>
-          <a:endParaRPr lang="en-US" sz="1700" kern="1200"/>
+          <a:endParaRPr lang="en-US" sz="1800" kern="1200"/>
         </a:p>
       </dsp:txBody>
       <dsp:txXfrm>
-        <a:off x="18934" y="585579"/>
-        <a:ext cx="7399293" cy="349987"/>
+        <a:off x="20047" y="588133"/>
+        <a:ext cx="7397067" cy="370575"/>
       </dsp:txXfrm>
     </dsp:sp>
     <dsp:sp modelId="{A6CEB316-3230-2243-8E15-3566DF5DB482}">
@@ -2321,8 +2267,8 @@
       </dsp:nvSpPr>
       <dsp:spPr>
         <a:xfrm>
-          <a:off x="0" y="1003460"/>
-          <a:ext cx="7437161" cy="387855"/>
+          <a:off x="0" y="1030596"/>
+          <a:ext cx="7437161" cy="410669"/>
         </a:xfrm>
         <a:prstGeom prst="roundRect">
           <a:avLst/>
@@ -2358,12 +2304,12 @@
         </a:fontRef>
       </dsp:style>
       <dsp:txBody>
-        <a:bodyPr spcFirstLastPara="0" vert="horz" wrap="square" lIns="64770" tIns="64770" rIns="64770" bIns="64770" numCol="1" spcCol="1270" anchor="ctr" anchorCtr="0">
+        <a:bodyPr spcFirstLastPara="0" vert="horz" wrap="square" lIns="68580" tIns="68580" rIns="68580" bIns="68580" numCol="1" spcCol="1270" anchor="ctr" anchorCtr="0">
           <a:noAutofit/>
         </a:bodyPr>
         <a:lstStyle/>
         <a:p>
-          <a:pPr marL="0" lvl="0" indent="0" algn="l" defTabSz="755650">
+          <a:pPr marL="0" lvl="0" indent="0" algn="l" defTabSz="800100">
             <a:lnSpc>
               <a:spcPct val="90000"/>
             </a:lnSpc>
@@ -2376,30 +2322,257 @@
             <a:buNone/>
           </a:pPr>
           <a:r>
-            <a:rPr lang="en-US" sz="1700" b="1" i="0" kern="1200"/>
+            <a:rPr lang="en-US" sz="1800" b="1" i="0" kern="1200" dirty="0"/>
             <a:t>+</a:t>
           </a:r>
           <a:r>
-            <a:rPr lang="en-US" sz="1700" b="0" i="0" kern="1200"/>
-            <a:t> MSA, not city/ not MSA</a:t>
+            <a:rPr lang="en-US" sz="1800" b="0" i="0" kern="1200" dirty="0"/>
+            <a:t> Household income range: 150,000 – 199,999</a:t>
           </a:r>
-          <a:endParaRPr lang="en-US" sz="1700" kern="1200"/>
+          <a:endParaRPr lang="en-US" sz="1800" kern="1200" dirty="0"/>
         </a:p>
       </dsp:txBody>
       <dsp:txXfrm>
-        <a:off x="18934" y="1022394"/>
-        <a:ext cx="7399293" cy="349987"/>
+        <a:off x="20047" y="1050643"/>
+        <a:ext cx="7397067" cy="370575"/>
       </dsp:txXfrm>
     </dsp:sp>
-    <dsp:sp modelId="{3132E0F6-861D-CB48-8270-B47A10111A9B}">
+    <dsp:sp modelId="{1C95A038-CEF0-5F40-AD23-E619A1B9C553}">
       <dsp:nvSpPr>
         <dsp:cNvPr id="0" name=""/>
         <dsp:cNvSpPr/>
       </dsp:nvSpPr>
       <dsp:spPr>
         <a:xfrm>
-          <a:off x="0" y="1440275"/>
-          <a:ext cx="7437161" cy="387855"/>
+          <a:off x="0" y="1493106"/>
+          <a:ext cx="7437161" cy="410669"/>
+        </a:xfrm>
+        <a:prstGeom prst="roundRect">
+          <a:avLst/>
+        </a:prstGeom>
+        <a:solidFill>
+          <a:srgbClr val="D1A67B"/>
+        </a:solidFill>
+        <a:ln w="25400" cap="flat" cmpd="sng" algn="ctr">
+          <a:solidFill>
+            <a:schemeClr val="lt1">
+              <a:hueOff val="0"/>
+              <a:satOff val="0"/>
+              <a:lumOff val="0"/>
+              <a:alphaOff val="0"/>
+            </a:schemeClr>
+          </a:solidFill>
+          <a:prstDash val="solid"/>
+        </a:ln>
+        <a:effectLst/>
+      </dsp:spPr>
+      <dsp:style>
+        <a:lnRef idx="2">
+          <a:scrgbClr r="0" g="0" b="0"/>
+        </a:lnRef>
+        <a:fillRef idx="1">
+          <a:scrgbClr r="0" g="0" b="0"/>
+        </a:fillRef>
+        <a:effectRef idx="0">
+          <a:scrgbClr r="0" g="0" b="0"/>
+        </a:effectRef>
+        <a:fontRef idx="minor">
+          <a:schemeClr val="lt1"/>
+        </a:fontRef>
+      </dsp:style>
+      <dsp:txBody>
+        <a:bodyPr spcFirstLastPara="0" vert="horz" wrap="square" lIns="68580" tIns="68580" rIns="68580" bIns="68580" numCol="1" spcCol="1270" anchor="ctr" anchorCtr="0">
+          <a:noAutofit/>
+        </a:bodyPr>
+        <a:lstStyle/>
+        <a:p>
+          <a:pPr marL="0" lvl="0" indent="0" algn="l" defTabSz="800100">
+            <a:lnSpc>
+              <a:spcPct val="90000"/>
+            </a:lnSpc>
+            <a:spcBef>
+              <a:spcPct val="0"/>
+            </a:spcBef>
+            <a:spcAft>
+              <a:spcPct val="35000"/>
+            </a:spcAft>
+            <a:buNone/>
+          </a:pPr>
+          <a:r>
+            <a:rPr lang="en-US" sz="1800" b="1" kern="1200" dirty="0"/>
+            <a:t>- </a:t>
+          </a:r>
+          <a:r>
+            <a:rPr lang="en-US" sz="1800" b="0" i="0" kern="1200" dirty="0"/>
+            <a:t> Household income range: 25,000 – 29,999</a:t>
+          </a:r>
+          <a:endParaRPr lang="en-US" sz="1800" kern="1200" dirty="0"/>
+        </a:p>
+      </dsp:txBody>
+      <dsp:txXfrm>
+        <a:off x="20047" y="1513153"/>
+        <a:ext cx="7397067" cy="370575"/>
+      </dsp:txXfrm>
+    </dsp:sp>
+    <dsp:sp modelId="{318E7DE8-BB1C-2744-A9D6-7B14DAE7744C}">
+      <dsp:nvSpPr>
+        <dsp:cNvPr id="0" name=""/>
+        <dsp:cNvSpPr/>
+      </dsp:nvSpPr>
+      <dsp:spPr>
+        <a:xfrm>
+          <a:off x="0" y="1955616"/>
+          <a:ext cx="7437161" cy="410669"/>
+        </a:xfrm>
+        <a:prstGeom prst="roundRect">
+          <a:avLst/>
+        </a:prstGeom>
+        <a:solidFill>
+          <a:srgbClr val="D1A67B"/>
+        </a:solidFill>
+        <a:ln w="25400" cap="flat" cmpd="sng" algn="ctr">
+          <a:solidFill>
+            <a:schemeClr val="lt1">
+              <a:hueOff val="0"/>
+              <a:satOff val="0"/>
+              <a:lumOff val="0"/>
+              <a:alphaOff val="0"/>
+            </a:schemeClr>
+          </a:solidFill>
+          <a:prstDash val="solid"/>
+        </a:ln>
+        <a:effectLst/>
+      </dsp:spPr>
+      <dsp:style>
+        <a:lnRef idx="2">
+          <a:scrgbClr r="0" g="0" b="0"/>
+        </a:lnRef>
+        <a:fillRef idx="1">
+          <a:scrgbClr r="0" g="0" b="0"/>
+        </a:fillRef>
+        <a:effectRef idx="0">
+          <a:scrgbClr r="0" g="0" b="0"/>
+        </a:effectRef>
+        <a:fontRef idx="minor">
+          <a:schemeClr val="lt1"/>
+        </a:fontRef>
+      </dsp:style>
+      <dsp:txBody>
+        <a:bodyPr spcFirstLastPara="0" vert="horz" wrap="square" lIns="68580" tIns="68580" rIns="68580" bIns="68580" numCol="1" spcCol="1270" anchor="ctr" anchorCtr="0">
+          <a:noAutofit/>
+        </a:bodyPr>
+        <a:lstStyle/>
+        <a:p>
+          <a:pPr marL="0" lvl="0" indent="0" algn="l" defTabSz="800100">
+            <a:lnSpc>
+              <a:spcPct val="90000"/>
+            </a:lnSpc>
+            <a:spcBef>
+              <a:spcPct val="0"/>
+            </a:spcBef>
+            <a:spcAft>
+              <a:spcPct val="35000"/>
+            </a:spcAft>
+            <a:buNone/>
+          </a:pPr>
+          <a:r>
+            <a:rPr lang="en-US" sz="1800" b="1" i="0" kern="1200" dirty="0"/>
+            <a:t>-</a:t>
+          </a:r>
+          <a:r>
+            <a:rPr lang="en-US" sz="1800" b="0" i="0" kern="1200" dirty="0"/>
+            <a:t> Western US</a:t>
+          </a:r>
+          <a:endParaRPr lang="en-US" sz="1800" kern="1200" dirty="0"/>
+        </a:p>
+      </dsp:txBody>
+      <dsp:txXfrm>
+        <a:off x="20047" y="1975663"/>
+        <a:ext cx="7397067" cy="370575"/>
+      </dsp:txXfrm>
+    </dsp:sp>
+    <dsp:sp modelId="{EAC26071-8120-9744-BCBB-89B3AD97F46B}">
+      <dsp:nvSpPr>
+        <dsp:cNvPr id="0" name=""/>
+        <dsp:cNvSpPr/>
+      </dsp:nvSpPr>
+      <dsp:spPr>
+        <a:xfrm>
+          <a:off x="0" y="2418126"/>
+          <a:ext cx="7437161" cy="410669"/>
+        </a:xfrm>
+        <a:prstGeom prst="roundRect">
+          <a:avLst/>
+        </a:prstGeom>
+        <a:solidFill>
+          <a:schemeClr val="tx1"/>
+        </a:solidFill>
+        <a:ln w="25400" cap="flat" cmpd="sng" algn="ctr">
+          <a:solidFill>
+            <a:schemeClr val="lt1">
+              <a:hueOff val="0"/>
+              <a:satOff val="0"/>
+              <a:lumOff val="0"/>
+              <a:alphaOff val="0"/>
+            </a:schemeClr>
+          </a:solidFill>
+          <a:prstDash val="solid"/>
+        </a:ln>
+        <a:effectLst/>
+      </dsp:spPr>
+      <dsp:style>
+        <a:lnRef idx="2">
+          <a:scrgbClr r="0" g="0" b="0"/>
+        </a:lnRef>
+        <a:fillRef idx="1">
+          <a:scrgbClr r="0" g="0" b="0"/>
+        </a:fillRef>
+        <a:effectRef idx="0">
+          <a:scrgbClr r="0" g="0" b="0"/>
+        </a:effectRef>
+        <a:fontRef idx="minor">
+          <a:schemeClr val="lt1"/>
+        </a:fontRef>
+      </dsp:style>
+      <dsp:txBody>
+        <a:bodyPr spcFirstLastPara="0" vert="horz" wrap="square" lIns="68580" tIns="68580" rIns="68580" bIns="68580" numCol="1" spcCol="1270" anchor="ctr" anchorCtr="0">
+          <a:noAutofit/>
+        </a:bodyPr>
+        <a:lstStyle/>
+        <a:p>
+          <a:pPr marL="0" lvl="0" indent="0" algn="l" defTabSz="800100">
+            <a:lnSpc>
+              <a:spcPct val="90000"/>
+            </a:lnSpc>
+            <a:spcBef>
+              <a:spcPct val="0"/>
+            </a:spcBef>
+            <a:spcAft>
+              <a:spcPct val="35000"/>
+            </a:spcAft>
+            <a:buNone/>
+          </a:pPr>
+          <a:r>
+            <a:rPr lang="en-US" sz="1800" b="1" i="0" kern="1200" dirty="0"/>
+            <a:t>For Asians:</a:t>
+          </a:r>
+          <a:endParaRPr lang="en-US" sz="1800" kern="1200" dirty="0"/>
+        </a:p>
+      </dsp:txBody>
+      <dsp:txXfrm>
+        <a:off x="20047" y="2438173"/>
+        <a:ext cx="7397067" cy="370575"/>
+      </dsp:txXfrm>
+    </dsp:sp>
+    <dsp:sp modelId="{63A7861A-D130-5D44-96B3-74B93965F55C}">
+      <dsp:nvSpPr>
+        <dsp:cNvPr id="0" name=""/>
+        <dsp:cNvSpPr/>
+      </dsp:nvSpPr>
+      <dsp:spPr>
+        <a:xfrm>
+          <a:off x="0" y="2880636"/>
+          <a:ext cx="7437161" cy="410669"/>
         </a:xfrm>
         <a:prstGeom prst="roundRect">
           <a:avLst/>
@@ -2435,12 +2608,12 @@
         </a:fontRef>
       </dsp:style>
       <dsp:txBody>
-        <a:bodyPr spcFirstLastPara="0" vert="horz" wrap="square" lIns="64770" tIns="64770" rIns="64770" bIns="64770" numCol="1" spcCol="1270" anchor="ctr" anchorCtr="0">
+        <a:bodyPr spcFirstLastPara="0" vert="horz" wrap="square" lIns="68580" tIns="68580" rIns="68580" bIns="68580" numCol="1" spcCol="1270" anchor="ctr" anchorCtr="0">
           <a:noAutofit/>
         </a:bodyPr>
         <a:lstStyle/>
         <a:p>
-          <a:pPr marL="0" lvl="0" indent="0" algn="l" defTabSz="755650">
+          <a:pPr marL="0" lvl="0" indent="0" algn="l" defTabSz="800100">
             <a:lnSpc>
               <a:spcPct val="90000"/>
             </a:lnSpc>
@@ -2453,32 +2626,36 @@
             <a:buNone/>
           </a:pPr>
           <a:r>
-            <a:rPr lang="en-US" sz="1700" b="0" i="0" kern="1200"/>
-            <a:t>+ phone in office</a:t>
+            <a:rPr lang="en-US" sz="1800" b="0" kern="1200" dirty="0"/>
+            <a:t>- </a:t>
           </a:r>
-          <a:endParaRPr lang="en-US" sz="1700" kern="1200"/>
+          <a:r>
+            <a:rPr lang="en-US" sz="1800" b="0" i="0" kern="1200" dirty="0"/>
+            <a:t>Household income range: 100,000 – 149,999</a:t>
+          </a:r>
+          <a:endParaRPr lang="en-US" sz="1800" kern="1200" dirty="0"/>
         </a:p>
       </dsp:txBody>
       <dsp:txXfrm>
-        <a:off x="18934" y="1459209"/>
-        <a:ext cx="7399293" cy="349987"/>
+        <a:off x="20047" y="2900683"/>
+        <a:ext cx="7397067" cy="370575"/>
       </dsp:txXfrm>
     </dsp:sp>
-    <dsp:sp modelId="{1C95A038-CEF0-5F40-AD23-E619A1B9C553}">
+    <dsp:sp modelId="{80D56342-5990-3641-A46B-D2F0EA0D8B6F}">
       <dsp:nvSpPr>
         <dsp:cNvPr id="0" name=""/>
         <dsp:cNvSpPr/>
       </dsp:nvSpPr>
       <dsp:spPr>
         <a:xfrm>
-          <a:off x="0" y="1877090"/>
-          <a:ext cx="7437161" cy="387855"/>
+          <a:off x="0" y="3343146"/>
+          <a:ext cx="7437161" cy="410669"/>
         </a:xfrm>
         <a:prstGeom prst="roundRect">
           <a:avLst/>
         </a:prstGeom>
         <a:solidFill>
-          <a:srgbClr val="DA460D"/>
+          <a:srgbClr val="D1A67B"/>
         </a:solidFill>
         <a:ln w="25400" cap="flat" cmpd="sng" algn="ctr">
           <a:solidFill>
@@ -2508,12 +2685,12 @@
         </a:fontRef>
       </dsp:style>
       <dsp:txBody>
-        <a:bodyPr spcFirstLastPara="0" vert="horz" wrap="square" lIns="64770" tIns="64770" rIns="64770" bIns="64770" numCol="1" spcCol="1270" anchor="ctr" anchorCtr="0">
+        <a:bodyPr spcFirstLastPara="0" vert="horz" wrap="square" lIns="68580" tIns="68580" rIns="68580" bIns="68580" numCol="1" spcCol="1270" anchor="ctr" anchorCtr="0">
           <a:noAutofit/>
         </a:bodyPr>
         <a:lstStyle/>
         <a:p>
-          <a:pPr marL="0" lvl="0" indent="0" algn="l" defTabSz="755650">
+          <a:pPr marL="0" lvl="0" indent="0" algn="l" defTabSz="800100">
             <a:lnSpc>
               <a:spcPct val="90000"/>
             </a:lnSpc>
@@ -2526,36 +2703,36 @@
             <a:buNone/>
           </a:pPr>
           <a:r>
-            <a:rPr lang="en-US" sz="1700" b="1" kern="1200" dirty="0"/>
+            <a:rPr lang="en-US" sz="1800" b="0" kern="1200" dirty="0"/>
             <a:t>- </a:t>
           </a:r>
           <a:r>
-            <a:rPr lang="en-US" sz="1700" b="0" i="0" kern="1200" dirty="0"/>
-            <a:t> Income in $40,000 to $49,999</a:t>
+            <a:rPr lang="en-US" sz="1800" b="0" i="0" kern="1200" dirty="0"/>
+            <a:t>Household income range: 20,000 – 24,999</a:t>
           </a:r>
-          <a:endParaRPr lang="en-US" sz="1700" kern="1200" dirty="0"/>
+          <a:endParaRPr lang="en-US" sz="1800" kern="1200" dirty="0"/>
         </a:p>
       </dsp:txBody>
       <dsp:txXfrm>
-        <a:off x="18934" y="1896024"/>
-        <a:ext cx="7399293" cy="349987"/>
+        <a:off x="20047" y="3363193"/>
+        <a:ext cx="7397067" cy="370575"/>
       </dsp:txXfrm>
     </dsp:sp>
-    <dsp:sp modelId="{318E7DE8-BB1C-2744-A9D6-7B14DAE7744C}">
+    <dsp:sp modelId="{6F7EC028-C3DA-374F-A578-C47C8DA08970}">
       <dsp:nvSpPr>
         <dsp:cNvPr id="0" name=""/>
         <dsp:cNvSpPr/>
       </dsp:nvSpPr>
       <dsp:spPr>
         <a:xfrm>
-          <a:off x="0" y="2313905"/>
-          <a:ext cx="7437161" cy="387855"/>
+          <a:off x="0" y="3805656"/>
+          <a:ext cx="7437161" cy="410669"/>
         </a:xfrm>
         <a:prstGeom prst="roundRect">
           <a:avLst/>
         </a:prstGeom>
         <a:solidFill>
-          <a:srgbClr val="DA460D"/>
+          <a:srgbClr val="D1A67B"/>
         </a:solidFill>
         <a:ln w="25400" cap="flat" cmpd="sng" algn="ctr">
           <a:solidFill>
@@ -2585,12 +2762,12 @@
         </a:fontRef>
       </dsp:style>
       <dsp:txBody>
-        <a:bodyPr spcFirstLastPara="0" vert="horz" wrap="square" lIns="64770" tIns="64770" rIns="64770" bIns="64770" numCol="1" spcCol="1270" anchor="ctr" anchorCtr="0">
+        <a:bodyPr spcFirstLastPara="0" vert="horz" wrap="square" lIns="68580" tIns="68580" rIns="68580" bIns="68580" numCol="1" spcCol="1270" anchor="ctr" anchorCtr="0">
           <a:noAutofit/>
         </a:bodyPr>
         <a:lstStyle/>
         <a:p>
-          <a:pPr marL="0" lvl="0" indent="0" algn="l" defTabSz="755650">
+          <a:pPr marL="0" lvl="0" indent="0" algn="l" defTabSz="800100">
             <a:lnSpc>
               <a:spcPct val="90000"/>
             </a:lnSpc>
@@ -2603,30 +2780,26 @@
             <a:buNone/>
           </a:pPr>
           <a:r>
-            <a:rPr lang="en-US" sz="1700" b="1" i="0" kern="1200"/>
-            <a:t>-</a:t>
+            <a:rPr lang="en-US" sz="1800" b="0" kern="1200" dirty="0"/>
+            <a:t>- Place size : between 2.5 million to 5 million</a:t>
           </a:r>
-          <a:r>
-            <a:rPr lang="en-US" sz="1700" b="0" i="0" kern="1200"/>
-            <a:t> Non-permanent house unit</a:t>
-          </a:r>
-          <a:endParaRPr lang="en-US" sz="1700" kern="1200"/>
+          <a:endParaRPr lang="en-US" sz="1800" kern="1200" dirty="0"/>
         </a:p>
       </dsp:txBody>
       <dsp:txXfrm>
-        <a:off x="18934" y="2332839"/>
-        <a:ext cx="7399293" cy="349987"/>
+        <a:off x="20047" y="3825703"/>
+        <a:ext cx="7397067" cy="370575"/>
       </dsp:txXfrm>
     </dsp:sp>
-    <dsp:sp modelId="{EAC26071-8120-9744-BCBB-89B3AD97F46B}">
+    <dsp:sp modelId="{01002448-6F06-0C41-B328-FEC43FF389C7}">
       <dsp:nvSpPr>
         <dsp:cNvPr id="0" name=""/>
         <dsp:cNvSpPr/>
       </dsp:nvSpPr>
       <dsp:spPr>
         <a:xfrm>
-          <a:off x="0" y="2750720"/>
-          <a:ext cx="7437161" cy="387855"/>
+          <a:off x="0" y="4268166"/>
+          <a:ext cx="7437161" cy="410669"/>
         </a:xfrm>
         <a:prstGeom prst="roundRect">
           <a:avLst/>
@@ -2662,12 +2835,12 @@
         </a:fontRef>
       </dsp:style>
       <dsp:txBody>
-        <a:bodyPr spcFirstLastPara="0" vert="horz" wrap="square" lIns="64770" tIns="64770" rIns="64770" bIns="64770" numCol="1" spcCol="1270" anchor="ctr" anchorCtr="0">
+        <a:bodyPr spcFirstLastPara="0" vert="horz" wrap="square" lIns="68580" tIns="68580" rIns="68580" bIns="68580" numCol="1" spcCol="1270" anchor="ctr" anchorCtr="0">
           <a:noAutofit/>
         </a:bodyPr>
         <a:lstStyle/>
         <a:p>
-          <a:pPr marL="0" lvl="0" indent="0" algn="l" defTabSz="755650">
+          <a:pPr marL="0" lvl="0" indent="0" algn="l" defTabSz="800100">
             <a:lnSpc>
               <a:spcPct val="90000"/>
             </a:lnSpc>
@@ -2680,26 +2853,99 @@
             <a:buNone/>
           </a:pPr>
           <a:r>
-            <a:rPr lang="en-US" sz="1700" b="1" i="0" kern="1200" dirty="0"/>
-            <a:t>For Asians:</a:t>
+            <a:rPr lang="en-US" sz="1800" b="1" i="0" kern="1200" dirty="0"/>
+            <a:t>In 2019 (After COVID):</a:t>
           </a:r>
-          <a:endParaRPr lang="en-US" sz="1700" kern="1200" dirty="0"/>
+          <a:endParaRPr lang="en-US" sz="1800" kern="1200" dirty="0"/>
         </a:p>
       </dsp:txBody>
       <dsp:txXfrm>
-        <a:off x="18934" y="2769654"/>
-        <a:ext cx="7399293" cy="349987"/>
+        <a:off x="20047" y="4288213"/>
+        <a:ext cx="7397067" cy="370575"/>
       </dsp:txXfrm>
     </dsp:sp>
-    <dsp:sp modelId="{63A7861A-D130-5D44-96B3-74B93965F55C}">
+    <dsp:sp modelId="{8017740E-C7CD-174B-9489-D856C2BBEC74}">
       <dsp:nvSpPr>
         <dsp:cNvPr id="0" name=""/>
         <dsp:cNvSpPr/>
       </dsp:nvSpPr>
       <dsp:spPr>
         <a:xfrm>
-          <a:off x="0" y="3187535"/>
-          <a:ext cx="7437161" cy="387855"/>
+          <a:off x="0" y="4730676"/>
+          <a:ext cx="7437161" cy="410669"/>
+        </a:xfrm>
+        <a:prstGeom prst="roundRect">
+          <a:avLst/>
+        </a:prstGeom>
+        <a:solidFill>
+          <a:schemeClr val="tx1"/>
+        </a:solidFill>
+        <a:ln w="25400" cap="flat" cmpd="sng" algn="ctr">
+          <a:solidFill>
+            <a:schemeClr val="lt1">
+              <a:hueOff val="0"/>
+              <a:satOff val="0"/>
+              <a:lumOff val="0"/>
+              <a:alphaOff val="0"/>
+            </a:schemeClr>
+          </a:solidFill>
+          <a:prstDash val="solid"/>
+        </a:ln>
+        <a:effectLst/>
+      </dsp:spPr>
+      <dsp:style>
+        <a:lnRef idx="2">
+          <a:scrgbClr r="0" g="0" b="0"/>
+        </a:lnRef>
+        <a:fillRef idx="1">
+          <a:scrgbClr r="0" g="0" b="0"/>
+        </a:fillRef>
+        <a:effectRef idx="0">
+          <a:scrgbClr r="0" g="0" b="0"/>
+        </a:effectRef>
+        <a:fontRef idx="minor">
+          <a:schemeClr val="lt1"/>
+        </a:fontRef>
+      </dsp:style>
+      <dsp:txBody>
+        <a:bodyPr spcFirstLastPara="0" vert="horz" wrap="square" lIns="68580" tIns="68580" rIns="68580" bIns="68580" numCol="1" spcCol="1270" anchor="ctr" anchorCtr="0">
+          <a:noAutofit/>
+        </a:bodyPr>
+        <a:lstStyle/>
+        <a:p>
+          <a:pPr marL="0" lvl="0" indent="0" algn="l" defTabSz="800100">
+            <a:lnSpc>
+              <a:spcPct val="90000"/>
+            </a:lnSpc>
+            <a:spcBef>
+              <a:spcPct val="0"/>
+            </a:spcBef>
+            <a:spcAft>
+              <a:spcPct val="35000"/>
+            </a:spcAft>
+            <a:buNone/>
+          </a:pPr>
+          <a:r>
+            <a:rPr lang="en-US" sz="1800" b="1" i="0" kern="1200" dirty="0"/>
+            <a:t>For Non-Asians:</a:t>
+          </a:r>
+          <a:endParaRPr lang="en-US" sz="1800" kern="1200" dirty="0"/>
+        </a:p>
+      </dsp:txBody>
+      <dsp:txXfrm>
+        <a:off x="20047" y="4750723"/>
+        <a:ext cx="7397067" cy="370575"/>
+      </dsp:txXfrm>
+    </dsp:sp>
+    <dsp:sp modelId="{B86A5A59-756D-C34F-B296-4430CD72FE96}">
+      <dsp:nvSpPr>
+        <dsp:cNvPr id="0" name=""/>
+        <dsp:cNvSpPr/>
+      </dsp:nvSpPr>
+      <dsp:spPr>
+        <a:xfrm>
+          <a:off x="0" y="5193185"/>
+          <a:ext cx="7437161" cy="410669"/>
         </a:xfrm>
         <a:prstGeom prst="roundRect">
           <a:avLst/>
@@ -2735,12 +2981,12 @@
         </a:fontRef>
       </dsp:style>
       <dsp:txBody>
-        <a:bodyPr spcFirstLastPara="0" vert="horz" wrap="square" lIns="64770" tIns="64770" rIns="64770" bIns="64770" numCol="1" spcCol="1270" anchor="ctr" anchorCtr="0">
+        <a:bodyPr spcFirstLastPara="0" vert="horz" wrap="square" lIns="68580" tIns="68580" rIns="68580" bIns="68580" numCol="1" spcCol="1270" anchor="ctr" anchorCtr="0">
           <a:noAutofit/>
         </a:bodyPr>
         <a:lstStyle/>
         <a:p>
-          <a:pPr marL="0" lvl="0" indent="0" algn="l" defTabSz="755650">
+          <a:pPr marL="0" lvl="0" indent="0" algn="l" defTabSz="800100">
             <a:lnSpc>
               <a:spcPct val="90000"/>
             </a:lnSpc>
@@ -2753,30 +2999,326 @@
             <a:buNone/>
           </a:pPr>
           <a:r>
-            <a:rPr lang="en-US" sz="1700" b="1" i="0" kern="1200" dirty="0"/>
+            <a:rPr lang="en-US" sz="1800" b="1" i="0" kern="1200" dirty="0"/>
             <a:t>+</a:t>
           </a:r>
           <a:r>
-            <a:rPr lang="en-US" sz="1700" b="0" i="0" kern="1200" dirty="0"/>
-            <a:t> Income in $20,000 to $24,999</a:t>
+            <a:rPr lang="en-US" sz="1800" b="0" i="0" kern="1200" dirty="0"/>
+            <a:t> Housing units in structure - Two</a:t>
           </a:r>
-          <a:endParaRPr lang="en-US" sz="1700" kern="1200" dirty="0"/>
+          <a:endParaRPr lang="en-US" sz="1800" kern="1200" dirty="0"/>
         </a:p>
       </dsp:txBody>
       <dsp:txXfrm>
-        <a:off x="18934" y="3206469"/>
-        <a:ext cx="7399293" cy="349987"/>
+        <a:off x="20047" y="5213232"/>
+        <a:ext cx="7397067" cy="370575"/>
       </dsp:txXfrm>
     </dsp:sp>
-    <dsp:sp modelId="{F59EB29C-AF4E-5E4B-BE1D-F1139811FE94}">
+    <dsp:sp modelId="{3059E1CF-95E5-0946-81FE-29653DDB57D2}">
       <dsp:nvSpPr>
         <dsp:cNvPr id="0" name=""/>
         <dsp:cNvSpPr/>
       </dsp:nvSpPr>
       <dsp:spPr>
         <a:xfrm>
-          <a:off x="0" y="3624350"/>
-          <a:ext cx="7437161" cy="387855"/>
+          <a:off x="0" y="5655696"/>
+          <a:ext cx="7437161" cy="410669"/>
+        </a:xfrm>
+        <a:prstGeom prst="roundRect">
+          <a:avLst/>
+        </a:prstGeom>
+        <a:solidFill>
+          <a:srgbClr val="D1A67B"/>
+        </a:solidFill>
+        <a:ln w="25400" cap="flat" cmpd="sng" algn="ctr">
+          <a:solidFill>
+            <a:schemeClr val="lt1">
+              <a:hueOff val="0"/>
+              <a:satOff val="0"/>
+              <a:lumOff val="0"/>
+              <a:alphaOff val="0"/>
+            </a:schemeClr>
+          </a:solidFill>
+          <a:prstDash val="solid"/>
+        </a:ln>
+        <a:effectLst/>
+      </dsp:spPr>
+      <dsp:style>
+        <a:lnRef idx="2">
+          <a:scrgbClr r="0" g="0" b="0"/>
+        </a:lnRef>
+        <a:fillRef idx="1">
+          <a:scrgbClr r="0" g="0" b="0"/>
+        </a:fillRef>
+        <a:effectRef idx="0">
+          <a:scrgbClr r="0" g="0" b="0"/>
+        </a:effectRef>
+        <a:fontRef idx="minor">
+          <a:schemeClr val="lt1"/>
+        </a:fontRef>
+      </dsp:style>
+      <dsp:txBody>
+        <a:bodyPr spcFirstLastPara="0" vert="horz" wrap="square" lIns="68580" tIns="68580" rIns="68580" bIns="68580" numCol="1" spcCol="1270" anchor="ctr" anchorCtr="0">
+          <a:noAutofit/>
+        </a:bodyPr>
+        <a:lstStyle/>
+        <a:p>
+          <a:pPr marL="0" lvl="0" indent="0" algn="l" defTabSz="800100">
+            <a:lnSpc>
+              <a:spcPct val="90000"/>
+            </a:lnSpc>
+            <a:spcBef>
+              <a:spcPct val="0"/>
+            </a:spcBef>
+            <a:spcAft>
+              <a:spcPct val="35000"/>
+            </a:spcAft>
+            <a:buNone/>
+          </a:pPr>
+          <a:r>
+            <a:rPr lang="en-US" sz="1800" b="1" i="0" kern="1200" dirty="0"/>
+            <a:t>-</a:t>
+          </a:r>
+          <a:r>
+            <a:rPr lang="en-US" sz="1800" b="0" i="0" kern="1200" dirty="0"/>
+            <a:t> Housing units in structure – Five to Ten</a:t>
+          </a:r>
+          <a:endParaRPr lang="en-US" sz="1800" kern="1200" dirty="0"/>
+        </a:p>
+      </dsp:txBody>
+      <dsp:txXfrm>
+        <a:off x="20047" y="5675743"/>
+        <a:ext cx="7397067" cy="370575"/>
+      </dsp:txXfrm>
+    </dsp:sp>
+    <dsp:sp modelId="{4BBD6B69-D026-5549-AB3F-CC598099A59C}">
+      <dsp:nvSpPr>
+        <dsp:cNvPr id="0" name=""/>
+        <dsp:cNvSpPr/>
+      </dsp:nvSpPr>
+      <dsp:spPr>
+        <a:xfrm>
+          <a:off x="0" y="6118205"/>
+          <a:ext cx="7437161" cy="410669"/>
+        </a:xfrm>
+        <a:prstGeom prst="roundRect">
+          <a:avLst/>
+        </a:prstGeom>
+        <a:solidFill>
+          <a:srgbClr val="D1A67B"/>
+        </a:solidFill>
+        <a:ln w="25400" cap="flat" cmpd="sng" algn="ctr">
+          <a:solidFill>
+            <a:schemeClr val="lt1">
+              <a:hueOff val="0"/>
+              <a:satOff val="0"/>
+              <a:lumOff val="0"/>
+              <a:alphaOff val="0"/>
+            </a:schemeClr>
+          </a:solidFill>
+          <a:prstDash val="solid"/>
+        </a:ln>
+        <a:effectLst/>
+      </dsp:spPr>
+      <dsp:style>
+        <a:lnRef idx="2">
+          <a:scrgbClr r="0" g="0" b="0"/>
+        </a:lnRef>
+        <a:fillRef idx="1">
+          <a:scrgbClr r="0" g="0" b="0"/>
+        </a:fillRef>
+        <a:effectRef idx="0">
+          <a:scrgbClr r="0" g="0" b="0"/>
+        </a:effectRef>
+        <a:fontRef idx="minor">
+          <a:schemeClr val="lt1"/>
+        </a:fontRef>
+      </dsp:style>
+      <dsp:txBody>
+        <a:bodyPr spcFirstLastPara="0" vert="horz" wrap="square" lIns="68580" tIns="68580" rIns="68580" bIns="68580" numCol="1" spcCol="1270" anchor="ctr" anchorCtr="0">
+          <a:noAutofit/>
+        </a:bodyPr>
+        <a:lstStyle/>
+        <a:p>
+          <a:pPr marL="0" lvl="0" indent="0" algn="l" defTabSz="800100">
+            <a:lnSpc>
+              <a:spcPct val="90000"/>
+            </a:lnSpc>
+            <a:spcBef>
+              <a:spcPct val="0"/>
+            </a:spcBef>
+            <a:spcAft>
+              <a:spcPct val="35000"/>
+            </a:spcAft>
+            <a:buNone/>
+          </a:pPr>
+          <a:r>
+            <a:rPr lang="en-US" sz="1800" b="0" kern="1200" dirty="0"/>
+            <a:t>- Place size – 250,000 – 499,999</a:t>
+          </a:r>
+          <a:endParaRPr lang="en-US" sz="1800" kern="1200" dirty="0"/>
+        </a:p>
+      </dsp:txBody>
+      <dsp:txXfrm>
+        <a:off x="20047" y="6138252"/>
+        <a:ext cx="7397067" cy="370575"/>
+      </dsp:txXfrm>
+    </dsp:sp>
+    <dsp:sp modelId="{5FCA0BB1-E4BB-2448-9D99-2FA28BAB891D}">
+      <dsp:nvSpPr>
+        <dsp:cNvPr id="0" name=""/>
+        <dsp:cNvSpPr/>
+      </dsp:nvSpPr>
+      <dsp:spPr>
+        <a:xfrm>
+          <a:off x="0" y="6580716"/>
+          <a:ext cx="7437161" cy="410669"/>
+        </a:xfrm>
+        <a:prstGeom prst="roundRect">
+          <a:avLst/>
+        </a:prstGeom>
+        <a:solidFill>
+          <a:srgbClr val="D1A67B"/>
+        </a:solidFill>
+        <a:ln w="25400" cap="flat" cmpd="sng" algn="ctr">
+          <a:solidFill>
+            <a:schemeClr val="lt1">
+              <a:hueOff val="0"/>
+              <a:satOff val="0"/>
+              <a:lumOff val="0"/>
+              <a:alphaOff val="0"/>
+            </a:schemeClr>
+          </a:solidFill>
+          <a:prstDash val="solid"/>
+        </a:ln>
+        <a:effectLst/>
+      </dsp:spPr>
+      <dsp:style>
+        <a:lnRef idx="2">
+          <a:scrgbClr r="0" g="0" b="0"/>
+        </a:lnRef>
+        <a:fillRef idx="1">
+          <a:scrgbClr r="0" g="0" b="0"/>
+        </a:fillRef>
+        <a:effectRef idx="0">
+          <a:scrgbClr r="0" g="0" b="0"/>
+        </a:effectRef>
+        <a:fontRef idx="minor">
+          <a:schemeClr val="lt1"/>
+        </a:fontRef>
+      </dsp:style>
+      <dsp:txBody>
+        <a:bodyPr spcFirstLastPara="0" vert="horz" wrap="square" lIns="68580" tIns="68580" rIns="68580" bIns="68580" numCol="1" spcCol="1270" anchor="ctr" anchorCtr="0">
+          <a:noAutofit/>
+        </a:bodyPr>
+        <a:lstStyle/>
+        <a:p>
+          <a:pPr marL="0" lvl="0" indent="0" algn="l" defTabSz="800100">
+            <a:lnSpc>
+              <a:spcPct val="90000"/>
+            </a:lnSpc>
+            <a:spcBef>
+              <a:spcPct val="0"/>
+            </a:spcBef>
+            <a:spcAft>
+              <a:spcPct val="35000"/>
+            </a:spcAft>
+            <a:buNone/>
+          </a:pPr>
+          <a:r>
+            <a:rPr lang="en-US" sz="1800" b="0" kern="1200" dirty="0"/>
+            <a:t>- Southern US</a:t>
+          </a:r>
+          <a:endParaRPr lang="en-US" sz="1800" kern="1200" dirty="0"/>
+        </a:p>
+      </dsp:txBody>
+      <dsp:txXfrm>
+        <a:off x="20047" y="6600763"/>
+        <a:ext cx="7397067" cy="370575"/>
+      </dsp:txXfrm>
+    </dsp:sp>
+    <dsp:sp modelId="{30EAE578-6C70-7C4E-87DB-7AD9E21FC84F}">
+      <dsp:nvSpPr>
+        <dsp:cNvPr id="0" name=""/>
+        <dsp:cNvSpPr/>
+      </dsp:nvSpPr>
+      <dsp:spPr>
+        <a:xfrm>
+          <a:off x="0" y="7043225"/>
+          <a:ext cx="7437161" cy="410669"/>
+        </a:xfrm>
+        <a:prstGeom prst="roundRect">
+          <a:avLst/>
+        </a:prstGeom>
+        <a:solidFill>
+          <a:schemeClr val="tx1"/>
+        </a:solidFill>
+        <a:ln w="25400" cap="flat" cmpd="sng" algn="ctr">
+          <a:solidFill>
+            <a:schemeClr val="lt1">
+              <a:hueOff val="0"/>
+              <a:satOff val="0"/>
+              <a:lumOff val="0"/>
+              <a:alphaOff val="0"/>
+            </a:schemeClr>
+          </a:solidFill>
+          <a:prstDash val="solid"/>
+        </a:ln>
+        <a:effectLst/>
+      </dsp:spPr>
+      <dsp:style>
+        <a:lnRef idx="2">
+          <a:scrgbClr r="0" g="0" b="0"/>
+        </a:lnRef>
+        <a:fillRef idx="1">
+          <a:scrgbClr r="0" g="0" b="0"/>
+        </a:fillRef>
+        <a:effectRef idx="0">
+          <a:scrgbClr r="0" g="0" b="0"/>
+        </a:effectRef>
+        <a:fontRef idx="minor">
+          <a:schemeClr val="lt1"/>
+        </a:fontRef>
+      </dsp:style>
+      <dsp:txBody>
+        <a:bodyPr spcFirstLastPara="0" vert="horz" wrap="square" lIns="68580" tIns="68580" rIns="68580" bIns="68580" numCol="1" spcCol="1270" anchor="ctr" anchorCtr="0">
+          <a:noAutofit/>
+        </a:bodyPr>
+        <a:lstStyle/>
+        <a:p>
+          <a:pPr marL="0" lvl="0" indent="0" algn="l" defTabSz="800100">
+            <a:lnSpc>
+              <a:spcPct val="90000"/>
+            </a:lnSpc>
+            <a:spcBef>
+              <a:spcPct val="0"/>
+            </a:spcBef>
+            <a:spcAft>
+              <a:spcPct val="35000"/>
+            </a:spcAft>
+            <a:buNone/>
+          </a:pPr>
+          <a:r>
+            <a:rPr lang="en-US" sz="1800" b="1" i="0" kern="1200" dirty="0"/>
+            <a:t>For Asians:</a:t>
+          </a:r>
+          <a:endParaRPr lang="en-US" sz="1800" kern="1200" dirty="0"/>
+        </a:p>
+      </dsp:txBody>
+      <dsp:txXfrm>
+        <a:off x="20047" y="7063272"/>
+        <a:ext cx="7397067" cy="370575"/>
+      </dsp:txXfrm>
+    </dsp:sp>
+    <dsp:sp modelId="{71A2FA6E-54B4-BE46-B698-0C21DCB72B62}">
+      <dsp:nvSpPr>
+        <dsp:cNvPr id="0" name=""/>
+        <dsp:cNvSpPr/>
+      </dsp:nvSpPr>
+      <dsp:spPr>
+        <a:xfrm>
+          <a:off x="0" y="7505736"/>
+          <a:ext cx="7437161" cy="410669"/>
         </a:xfrm>
         <a:prstGeom prst="roundRect">
           <a:avLst/>
@@ -2812,12 +3354,12 @@
         </a:fontRef>
       </dsp:style>
       <dsp:txBody>
-        <a:bodyPr spcFirstLastPara="0" vert="horz" wrap="square" lIns="64770" tIns="64770" rIns="64770" bIns="64770" numCol="1" spcCol="1270" anchor="ctr" anchorCtr="0">
+        <a:bodyPr spcFirstLastPara="0" vert="horz" wrap="square" lIns="68580" tIns="68580" rIns="68580" bIns="68580" numCol="1" spcCol="1270" anchor="ctr" anchorCtr="0">
           <a:noAutofit/>
         </a:bodyPr>
         <a:lstStyle/>
         <a:p>
-          <a:pPr marL="0" lvl="0" indent="0" algn="l" defTabSz="755650">
+          <a:pPr marL="0" lvl="0" indent="0" algn="l" defTabSz="800100">
             <a:lnSpc>
               <a:spcPct val="90000"/>
             </a:lnSpc>
@@ -2830,36 +3372,36 @@
             <a:buNone/>
           </a:pPr>
           <a:r>
-            <a:rPr lang="en-US" sz="1700" b="1" kern="1200" dirty="0"/>
+            <a:rPr lang="en-US" sz="1800" b="1" kern="1200" dirty="0"/>
             <a:t>+</a:t>
           </a:r>
           <a:r>
-            <a:rPr lang="en-US" sz="1700" b="0" i="0" kern="1200" dirty="0"/>
-            <a:t> Non-permanent house unit</a:t>
+            <a:rPr lang="en-US" sz="1800" b="0" i="0" kern="1200" dirty="0"/>
+            <a:t> Household income range: 7,500 – 9,999</a:t>
           </a:r>
-          <a:endParaRPr lang="en-US" sz="1700" kern="1200" dirty="0"/>
+          <a:endParaRPr lang="en-US" sz="1800" kern="1200" dirty="0"/>
         </a:p>
       </dsp:txBody>
       <dsp:txXfrm>
-        <a:off x="18934" y="3643284"/>
-        <a:ext cx="7399293" cy="349987"/>
+        <a:off x="20047" y="7525783"/>
+        <a:ext cx="7397067" cy="370575"/>
       </dsp:txXfrm>
     </dsp:sp>
-    <dsp:sp modelId="{80D56342-5990-3641-A46B-D2F0EA0D8B6F}">
+    <dsp:sp modelId="{BCC7EDBD-C7FA-154B-AED6-3F2E692B4DD9}">
       <dsp:nvSpPr>
         <dsp:cNvPr id="0" name=""/>
         <dsp:cNvSpPr/>
       </dsp:nvSpPr>
       <dsp:spPr>
         <a:xfrm>
-          <a:off x="0" y="4061165"/>
-          <a:ext cx="7437161" cy="387855"/>
+          <a:off x="0" y="7968245"/>
+          <a:ext cx="7437161" cy="410669"/>
         </a:xfrm>
         <a:prstGeom prst="roundRect">
           <a:avLst/>
         </a:prstGeom>
         <a:solidFill>
-          <a:srgbClr val="DA460D"/>
+          <a:srgbClr val="D1A67B"/>
         </a:solidFill>
         <a:ln w="25400" cap="flat" cmpd="sng" algn="ctr">
           <a:solidFill>
@@ -2889,12 +3431,12 @@
         </a:fontRef>
       </dsp:style>
       <dsp:txBody>
-        <a:bodyPr spcFirstLastPara="0" vert="horz" wrap="square" lIns="64770" tIns="64770" rIns="64770" bIns="64770" numCol="1" spcCol="1270" anchor="ctr" anchorCtr="0">
+        <a:bodyPr spcFirstLastPara="0" vert="horz" wrap="square" lIns="68580" tIns="68580" rIns="68580" bIns="68580" numCol="1" spcCol="1270" anchor="ctr" anchorCtr="0">
           <a:noAutofit/>
         </a:bodyPr>
         <a:lstStyle/>
         <a:p>
-          <a:pPr marL="0" lvl="0" indent="0" algn="l" defTabSz="755650">
+          <a:pPr marL="0" lvl="0" indent="0" algn="l" defTabSz="800100">
             <a:lnSpc>
               <a:spcPct val="90000"/>
             </a:lnSpc>
@@ -2907,32 +3449,36 @@
             <a:buNone/>
           </a:pPr>
           <a:r>
-            <a:rPr lang="en-US" sz="1700" b="0" kern="1200" dirty="0"/>
-            <a:t>- Income in $75,000 to $99,999</a:t>
+            <a:rPr lang="en-US" sz="1800" b="0" kern="1200" dirty="0"/>
+            <a:t>- </a:t>
           </a:r>
-          <a:endParaRPr lang="en-US" sz="1700" kern="1200" dirty="0"/>
+          <a:r>
+            <a:rPr lang="en-US" sz="1800" b="0" i="0" kern="1200" dirty="0"/>
+            <a:t>Housing units in structure - Two</a:t>
+          </a:r>
+          <a:endParaRPr lang="en-US" sz="1800" kern="1200" dirty="0"/>
         </a:p>
       </dsp:txBody>
       <dsp:txXfrm>
-        <a:off x="18934" y="4080099"/>
-        <a:ext cx="7399293" cy="349987"/>
+        <a:off x="20047" y="7988292"/>
+        <a:ext cx="7397067" cy="370575"/>
       </dsp:txXfrm>
     </dsp:sp>
-    <dsp:sp modelId="{01002448-6F06-0C41-B328-FEC43FF389C7}">
+    <dsp:sp modelId="{68715E1C-1A15-0542-96AA-85976B4E405B}">
       <dsp:nvSpPr>
         <dsp:cNvPr id="0" name=""/>
         <dsp:cNvSpPr/>
       </dsp:nvSpPr>
       <dsp:spPr>
         <a:xfrm>
-          <a:off x="0" y="4497980"/>
-          <a:ext cx="7437161" cy="387855"/>
+          <a:off x="0" y="8430755"/>
+          <a:ext cx="7437161" cy="410669"/>
         </a:xfrm>
         <a:prstGeom prst="roundRect">
           <a:avLst/>
         </a:prstGeom>
         <a:solidFill>
-          <a:schemeClr val="tx1"/>
+          <a:srgbClr val="D1A67B"/>
         </a:solidFill>
         <a:ln w="25400" cap="flat" cmpd="sng" algn="ctr">
           <a:solidFill>
@@ -2962,12 +3508,12 @@
         </a:fontRef>
       </dsp:style>
       <dsp:txBody>
-        <a:bodyPr spcFirstLastPara="0" vert="horz" wrap="square" lIns="64770" tIns="64770" rIns="64770" bIns="64770" numCol="1" spcCol="1270" anchor="ctr" anchorCtr="0">
+        <a:bodyPr spcFirstLastPara="0" vert="horz" wrap="square" lIns="68580" tIns="68580" rIns="68580" bIns="68580" numCol="1" spcCol="1270" anchor="ctr" anchorCtr="0">
           <a:noAutofit/>
         </a:bodyPr>
         <a:lstStyle/>
         <a:p>
-          <a:pPr marL="0" lvl="0" indent="0" algn="l" defTabSz="755650">
+          <a:pPr marL="0" lvl="0" indent="0" algn="l" defTabSz="800100">
             <a:lnSpc>
               <a:spcPct val="90000"/>
             </a:lnSpc>
@@ -2980,684 +3526,15 @@
             <a:buNone/>
           </a:pPr>
           <a:r>
-            <a:rPr lang="en-US" sz="1700" b="1" i="0" kern="1200" dirty="0"/>
-            <a:t>In 2021 (After COVID):</a:t>
+            <a:rPr lang="en-US" sz="1800" b="0" kern="1200" dirty="0"/>
+            <a:t>- Not a Metropolitan area.</a:t>
           </a:r>
-          <a:endParaRPr lang="en-US" sz="1700" kern="1200" dirty="0"/>
+          <a:endParaRPr lang="en-US" sz="1800" kern="1200" dirty="0"/>
         </a:p>
       </dsp:txBody>
       <dsp:txXfrm>
-        <a:off x="18934" y="4516914"/>
-        <a:ext cx="7399293" cy="349987"/>
-      </dsp:txXfrm>
-    </dsp:sp>
-    <dsp:sp modelId="{8017740E-C7CD-174B-9489-D856C2BBEC74}">
-      <dsp:nvSpPr>
-        <dsp:cNvPr id="0" name=""/>
-        <dsp:cNvSpPr/>
-      </dsp:nvSpPr>
-      <dsp:spPr>
-        <a:xfrm>
-          <a:off x="0" y="4934795"/>
-          <a:ext cx="7437161" cy="387855"/>
-        </a:xfrm>
-        <a:prstGeom prst="roundRect">
-          <a:avLst/>
-        </a:prstGeom>
-        <a:solidFill>
-          <a:schemeClr val="tx1"/>
-        </a:solidFill>
-        <a:ln w="25400" cap="flat" cmpd="sng" algn="ctr">
-          <a:solidFill>
-            <a:schemeClr val="lt1">
-              <a:hueOff val="0"/>
-              <a:satOff val="0"/>
-              <a:lumOff val="0"/>
-              <a:alphaOff val="0"/>
-            </a:schemeClr>
-          </a:solidFill>
-          <a:prstDash val="solid"/>
-        </a:ln>
-        <a:effectLst/>
-      </dsp:spPr>
-      <dsp:style>
-        <a:lnRef idx="2">
-          <a:scrgbClr r="0" g="0" b="0"/>
-        </a:lnRef>
-        <a:fillRef idx="1">
-          <a:scrgbClr r="0" g="0" b="0"/>
-        </a:fillRef>
-        <a:effectRef idx="0">
-          <a:scrgbClr r="0" g="0" b="0"/>
-        </a:effectRef>
-        <a:fontRef idx="minor">
-          <a:schemeClr val="lt1"/>
-        </a:fontRef>
-      </dsp:style>
-      <dsp:txBody>
-        <a:bodyPr spcFirstLastPara="0" vert="horz" wrap="square" lIns="64770" tIns="64770" rIns="64770" bIns="64770" numCol="1" spcCol="1270" anchor="ctr" anchorCtr="0">
-          <a:noAutofit/>
-        </a:bodyPr>
-        <a:lstStyle/>
-        <a:p>
-          <a:pPr marL="0" lvl="0" indent="0" algn="l" defTabSz="755650">
-            <a:lnSpc>
-              <a:spcPct val="90000"/>
-            </a:lnSpc>
-            <a:spcBef>
-              <a:spcPct val="0"/>
-            </a:spcBef>
-            <a:spcAft>
-              <a:spcPct val="35000"/>
-            </a:spcAft>
-            <a:buNone/>
-          </a:pPr>
-          <a:r>
-            <a:rPr lang="en-US" sz="1700" b="1" i="0" kern="1200" dirty="0"/>
-            <a:t>For Non-Asians:</a:t>
-          </a:r>
-          <a:endParaRPr lang="en-US" sz="1700" kern="1200" dirty="0"/>
-        </a:p>
-      </dsp:txBody>
-      <dsp:txXfrm>
-        <a:off x="18934" y="4953729"/>
-        <a:ext cx="7399293" cy="349987"/>
-      </dsp:txXfrm>
-    </dsp:sp>
-    <dsp:sp modelId="{B86A5A59-756D-C34F-B296-4430CD72FE96}">
-      <dsp:nvSpPr>
-        <dsp:cNvPr id="0" name=""/>
-        <dsp:cNvSpPr/>
-      </dsp:nvSpPr>
-      <dsp:spPr>
-        <a:xfrm>
-          <a:off x="0" y="5371610"/>
-          <a:ext cx="7437161" cy="387855"/>
-        </a:xfrm>
-        <a:prstGeom prst="roundRect">
-          <a:avLst/>
-        </a:prstGeom>
-        <a:solidFill>
-          <a:srgbClr val="92D050"/>
-        </a:solidFill>
-        <a:ln w="25400" cap="flat" cmpd="sng" algn="ctr">
-          <a:solidFill>
-            <a:schemeClr val="lt1">
-              <a:hueOff val="0"/>
-              <a:satOff val="0"/>
-              <a:lumOff val="0"/>
-              <a:alphaOff val="0"/>
-            </a:schemeClr>
-          </a:solidFill>
-          <a:prstDash val="solid"/>
-        </a:ln>
-        <a:effectLst/>
-      </dsp:spPr>
-      <dsp:style>
-        <a:lnRef idx="2">
-          <a:scrgbClr r="0" g="0" b="0"/>
-        </a:lnRef>
-        <a:fillRef idx="1">
-          <a:scrgbClr r="0" g="0" b="0"/>
-        </a:fillRef>
-        <a:effectRef idx="0">
-          <a:scrgbClr r="0" g="0" b="0"/>
-        </a:effectRef>
-        <a:fontRef idx="minor">
-          <a:schemeClr val="lt1"/>
-        </a:fontRef>
-      </dsp:style>
-      <dsp:txBody>
-        <a:bodyPr spcFirstLastPara="0" vert="horz" wrap="square" lIns="64770" tIns="64770" rIns="64770" bIns="64770" numCol="1" spcCol="1270" anchor="ctr" anchorCtr="0">
-          <a:noAutofit/>
-        </a:bodyPr>
-        <a:lstStyle/>
-        <a:p>
-          <a:pPr marL="0" lvl="0" indent="0" algn="l" defTabSz="755650">
-            <a:lnSpc>
-              <a:spcPct val="90000"/>
-            </a:lnSpc>
-            <a:spcBef>
-              <a:spcPct val="0"/>
-            </a:spcBef>
-            <a:spcAft>
-              <a:spcPct val="35000"/>
-            </a:spcAft>
-            <a:buNone/>
-          </a:pPr>
-          <a:r>
-            <a:rPr lang="en-US" sz="1700" b="1" i="0" kern="1200" dirty="0"/>
-            <a:t>+</a:t>
-          </a:r>
-          <a:r>
-            <a:rPr lang="en-US" sz="1700" b="0" i="0" kern="1200" dirty="0"/>
-            <a:t> Mobile house unit/ hotel</a:t>
-          </a:r>
-          <a:endParaRPr lang="en-US" sz="1700" kern="1200" dirty="0"/>
-        </a:p>
-      </dsp:txBody>
-      <dsp:txXfrm>
-        <a:off x="18934" y="5390544"/>
-        <a:ext cx="7399293" cy="349987"/>
-      </dsp:txXfrm>
-    </dsp:sp>
-    <dsp:sp modelId="{3059E1CF-95E5-0946-81FE-29653DDB57D2}">
-      <dsp:nvSpPr>
-        <dsp:cNvPr id="0" name=""/>
-        <dsp:cNvSpPr/>
-      </dsp:nvSpPr>
-      <dsp:spPr>
-        <a:xfrm>
-          <a:off x="0" y="5808425"/>
-          <a:ext cx="7437161" cy="387855"/>
-        </a:xfrm>
-        <a:prstGeom prst="roundRect">
-          <a:avLst/>
-        </a:prstGeom>
-        <a:solidFill>
-          <a:srgbClr val="DA460D"/>
-        </a:solidFill>
-        <a:ln w="25400" cap="flat" cmpd="sng" algn="ctr">
-          <a:solidFill>
-            <a:schemeClr val="lt1">
-              <a:hueOff val="0"/>
-              <a:satOff val="0"/>
-              <a:lumOff val="0"/>
-              <a:alphaOff val="0"/>
-            </a:schemeClr>
-          </a:solidFill>
-          <a:prstDash val="solid"/>
-        </a:ln>
-        <a:effectLst/>
-      </dsp:spPr>
-      <dsp:style>
-        <a:lnRef idx="2">
-          <a:scrgbClr r="0" g="0" b="0"/>
-        </a:lnRef>
-        <a:fillRef idx="1">
-          <a:scrgbClr r="0" g="0" b="0"/>
-        </a:fillRef>
-        <a:effectRef idx="0">
-          <a:scrgbClr r="0" g="0" b="0"/>
-        </a:effectRef>
-        <a:fontRef idx="minor">
-          <a:schemeClr val="lt1"/>
-        </a:fontRef>
-      </dsp:style>
-      <dsp:txBody>
-        <a:bodyPr spcFirstLastPara="0" vert="horz" wrap="square" lIns="64770" tIns="64770" rIns="64770" bIns="64770" numCol="1" spcCol="1270" anchor="ctr" anchorCtr="0">
-          <a:noAutofit/>
-        </a:bodyPr>
-        <a:lstStyle/>
-        <a:p>
-          <a:pPr marL="0" lvl="0" indent="0" algn="l" defTabSz="755650">
-            <a:lnSpc>
-              <a:spcPct val="90000"/>
-            </a:lnSpc>
-            <a:spcBef>
-              <a:spcPct val="0"/>
-            </a:spcBef>
-            <a:spcAft>
-              <a:spcPct val="35000"/>
-            </a:spcAft>
-            <a:buNone/>
-          </a:pPr>
-          <a:r>
-            <a:rPr lang="en-US" sz="1700" b="1" i="0" kern="1200"/>
-            <a:t>-</a:t>
-          </a:r>
-          <a:r>
-            <a:rPr lang="en-US" sz="1700" b="0" i="0" kern="1200"/>
-            <a:t> phone in office</a:t>
-          </a:r>
-          <a:endParaRPr lang="en-US" sz="1700" kern="1200"/>
-        </a:p>
-      </dsp:txBody>
-      <dsp:txXfrm>
-        <a:off x="18934" y="5827359"/>
-        <a:ext cx="7399293" cy="349987"/>
-      </dsp:txXfrm>
-    </dsp:sp>
-    <dsp:sp modelId="{4BBD6B69-D026-5549-AB3F-CC598099A59C}">
-      <dsp:nvSpPr>
-        <dsp:cNvPr id="0" name=""/>
-        <dsp:cNvSpPr/>
-      </dsp:nvSpPr>
-      <dsp:spPr>
-        <a:xfrm>
-          <a:off x="0" y="6245240"/>
-          <a:ext cx="7437161" cy="387855"/>
-        </a:xfrm>
-        <a:prstGeom prst="roundRect">
-          <a:avLst/>
-        </a:prstGeom>
-        <a:solidFill>
-          <a:srgbClr val="DA460D"/>
-        </a:solidFill>
-        <a:ln w="25400" cap="flat" cmpd="sng" algn="ctr">
-          <a:solidFill>
-            <a:schemeClr val="lt1">
-              <a:hueOff val="0"/>
-              <a:satOff val="0"/>
-              <a:lumOff val="0"/>
-              <a:alphaOff val="0"/>
-            </a:schemeClr>
-          </a:solidFill>
-          <a:prstDash val="solid"/>
-        </a:ln>
-        <a:effectLst/>
-      </dsp:spPr>
-      <dsp:style>
-        <a:lnRef idx="2">
-          <a:scrgbClr r="0" g="0" b="0"/>
-        </a:lnRef>
-        <a:fillRef idx="1">
-          <a:scrgbClr r="0" g="0" b="0"/>
-        </a:fillRef>
-        <a:effectRef idx="0">
-          <a:scrgbClr r="0" g="0" b="0"/>
-        </a:effectRef>
-        <a:fontRef idx="minor">
-          <a:schemeClr val="lt1"/>
-        </a:fontRef>
-      </dsp:style>
-      <dsp:txBody>
-        <a:bodyPr spcFirstLastPara="0" vert="horz" wrap="square" lIns="64770" tIns="64770" rIns="64770" bIns="64770" numCol="1" spcCol="1270" anchor="ctr" anchorCtr="0">
-          <a:noAutofit/>
-        </a:bodyPr>
-        <a:lstStyle/>
-        <a:p>
-          <a:pPr marL="0" lvl="0" indent="0" algn="l" defTabSz="755650">
-            <a:lnSpc>
-              <a:spcPct val="90000"/>
-            </a:lnSpc>
-            <a:spcBef>
-              <a:spcPct val="0"/>
-            </a:spcBef>
-            <a:spcAft>
-              <a:spcPct val="35000"/>
-            </a:spcAft>
-            <a:buNone/>
-          </a:pPr>
-          <a:r>
-            <a:rPr lang="en-US" sz="1700" b="0" kern="1200" dirty="0"/>
-            <a:t>- Not MSA</a:t>
-          </a:r>
-          <a:endParaRPr lang="en-US" sz="1700" kern="1200" dirty="0"/>
-        </a:p>
-      </dsp:txBody>
-      <dsp:txXfrm>
-        <a:off x="18934" y="6264174"/>
-        <a:ext cx="7399293" cy="349987"/>
-      </dsp:txXfrm>
-    </dsp:sp>
-    <dsp:sp modelId="{5FCA0BB1-E4BB-2448-9D99-2FA28BAB891D}">
-      <dsp:nvSpPr>
-        <dsp:cNvPr id="0" name=""/>
-        <dsp:cNvSpPr/>
-      </dsp:nvSpPr>
-      <dsp:spPr>
-        <a:xfrm>
-          <a:off x="0" y="6682055"/>
-          <a:ext cx="7437161" cy="387855"/>
-        </a:xfrm>
-        <a:prstGeom prst="roundRect">
-          <a:avLst/>
-        </a:prstGeom>
-        <a:solidFill>
-          <a:srgbClr val="DA460D"/>
-        </a:solidFill>
-        <a:ln w="25400" cap="flat" cmpd="sng" algn="ctr">
-          <a:solidFill>
-            <a:schemeClr val="lt1">
-              <a:hueOff val="0"/>
-              <a:satOff val="0"/>
-              <a:lumOff val="0"/>
-              <a:alphaOff val="0"/>
-            </a:schemeClr>
-          </a:solidFill>
-          <a:prstDash val="solid"/>
-        </a:ln>
-        <a:effectLst/>
-      </dsp:spPr>
-      <dsp:style>
-        <a:lnRef idx="2">
-          <a:scrgbClr r="0" g="0" b="0"/>
-        </a:lnRef>
-        <a:fillRef idx="1">
-          <a:scrgbClr r="0" g="0" b="0"/>
-        </a:fillRef>
-        <a:effectRef idx="0">
-          <a:scrgbClr r="0" g="0" b="0"/>
-        </a:effectRef>
-        <a:fontRef idx="minor">
-          <a:schemeClr val="lt1"/>
-        </a:fontRef>
-      </dsp:style>
-      <dsp:txBody>
-        <a:bodyPr spcFirstLastPara="0" vert="horz" wrap="square" lIns="64770" tIns="64770" rIns="64770" bIns="64770" numCol="1" spcCol="1270" anchor="ctr" anchorCtr="0">
-          <a:noAutofit/>
-        </a:bodyPr>
-        <a:lstStyle/>
-        <a:p>
-          <a:pPr marL="0" lvl="0" indent="0" algn="l" defTabSz="755650">
-            <a:lnSpc>
-              <a:spcPct val="90000"/>
-            </a:lnSpc>
-            <a:spcBef>
-              <a:spcPct val="0"/>
-            </a:spcBef>
-            <a:spcAft>
-              <a:spcPct val="35000"/>
-            </a:spcAft>
-            <a:buNone/>
-          </a:pPr>
-          <a:r>
-            <a:rPr lang="en-US" sz="1700" b="0" kern="1200"/>
-            <a:t>- Student quarters</a:t>
-          </a:r>
-          <a:endParaRPr lang="en-US" sz="1700" kern="1200"/>
-        </a:p>
-      </dsp:txBody>
-      <dsp:txXfrm>
-        <a:off x="18934" y="6700989"/>
-        <a:ext cx="7399293" cy="349987"/>
-      </dsp:txXfrm>
-    </dsp:sp>
-    <dsp:sp modelId="{30EAE578-6C70-7C4E-87DB-7AD9E21FC84F}">
-      <dsp:nvSpPr>
-        <dsp:cNvPr id="0" name=""/>
-        <dsp:cNvSpPr/>
-      </dsp:nvSpPr>
-      <dsp:spPr>
-        <a:xfrm>
-          <a:off x="0" y="7118871"/>
-          <a:ext cx="7437161" cy="387855"/>
-        </a:xfrm>
-        <a:prstGeom prst="roundRect">
-          <a:avLst/>
-        </a:prstGeom>
-        <a:solidFill>
-          <a:schemeClr val="tx1"/>
-        </a:solidFill>
-        <a:ln w="25400" cap="flat" cmpd="sng" algn="ctr">
-          <a:solidFill>
-            <a:schemeClr val="lt1">
-              <a:hueOff val="0"/>
-              <a:satOff val="0"/>
-              <a:lumOff val="0"/>
-              <a:alphaOff val="0"/>
-            </a:schemeClr>
-          </a:solidFill>
-          <a:prstDash val="solid"/>
-        </a:ln>
-        <a:effectLst/>
-      </dsp:spPr>
-      <dsp:style>
-        <a:lnRef idx="2">
-          <a:scrgbClr r="0" g="0" b="0"/>
-        </a:lnRef>
-        <a:fillRef idx="1">
-          <a:scrgbClr r="0" g="0" b="0"/>
-        </a:fillRef>
-        <a:effectRef idx="0">
-          <a:scrgbClr r="0" g="0" b="0"/>
-        </a:effectRef>
-        <a:fontRef idx="minor">
-          <a:schemeClr val="lt1"/>
-        </a:fontRef>
-      </dsp:style>
-      <dsp:txBody>
-        <a:bodyPr spcFirstLastPara="0" vert="horz" wrap="square" lIns="64770" tIns="64770" rIns="64770" bIns="64770" numCol="1" spcCol="1270" anchor="ctr" anchorCtr="0">
-          <a:noAutofit/>
-        </a:bodyPr>
-        <a:lstStyle/>
-        <a:p>
-          <a:pPr marL="0" lvl="0" indent="0" algn="l" defTabSz="755650">
-            <a:lnSpc>
-              <a:spcPct val="90000"/>
-            </a:lnSpc>
-            <a:spcBef>
-              <a:spcPct val="0"/>
-            </a:spcBef>
-            <a:spcAft>
-              <a:spcPct val="35000"/>
-            </a:spcAft>
-            <a:buNone/>
-          </a:pPr>
-          <a:r>
-            <a:rPr lang="en-US" sz="1700" b="1" i="0" kern="1200" dirty="0"/>
-            <a:t>For Asians:</a:t>
-          </a:r>
-          <a:endParaRPr lang="en-US" sz="1700" kern="1200" dirty="0"/>
-        </a:p>
-      </dsp:txBody>
-      <dsp:txXfrm>
-        <a:off x="18934" y="7137805"/>
-        <a:ext cx="7399293" cy="349987"/>
-      </dsp:txXfrm>
-    </dsp:sp>
-    <dsp:sp modelId="{71A2FA6E-54B4-BE46-B698-0C21DCB72B62}">
-      <dsp:nvSpPr>
-        <dsp:cNvPr id="0" name=""/>
-        <dsp:cNvSpPr/>
-      </dsp:nvSpPr>
-      <dsp:spPr>
-        <a:xfrm>
-          <a:off x="0" y="7555686"/>
-          <a:ext cx="7437161" cy="387855"/>
-        </a:xfrm>
-        <a:prstGeom prst="roundRect">
-          <a:avLst/>
-        </a:prstGeom>
-        <a:solidFill>
-          <a:srgbClr val="92D050"/>
-        </a:solidFill>
-        <a:ln w="25400" cap="flat" cmpd="sng" algn="ctr">
-          <a:solidFill>
-            <a:schemeClr val="lt1">
-              <a:hueOff val="0"/>
-              <a:satOff val="0"/>
-              <a:lumOff val="0"/>
-              <a:alphaOff val="0"/>
-            </a:schemeClr>
-          </a:solidFill>
-          <a:prstDash val="solid"/>
-        </a:ln>
-        <a:effectLst/>
-      </dsp:spPr>
-      <dsp:style>
-        <a:lnRef idx="2">
-          <a:scrgbClr r="0" g="0" b="0"/>
-        </a:lnRef>
-        <a:fillRef idx="1">
-          <a:scrgbClr r="0" g="0" b="0"/>
-        </a:fillRef>
-        <a:effectRef idx="0">
-          <a:scrgbClr r="0" g="0" b="0"/>
-        </a:effectRef>
-        <a:fontRef idx="minor">
-          <a:schemeClr val="lt1"/>
-        </a:fontRef>
-      </dsp:style>
-      <dsp:txBody>
-        <a:bodyPr spcFirstLastPara="0" vert="horz" wrap="square" lIns="64770" tIns="64770" rIns="64770" bIns="64770" numCol="1" spcCol="1270" anchor="ctr" anchorCtr="0">
-          <a:noAutofit/>
-        </a:bodyPr>
-        <a:lstStyle/>
-        <a:p>
-          <a:pPr marL="0" lvl="0" indent="0" algn="l" defTabSz="755650">
-            <a:lnSpc>
-              <a:spcPct val="90000"/>
-            </a:lnSpc>
-            <a:spcBef>
-              <a:spcPct val="0"/>
-            </a:spcBef>
-            <a:spcAft>
-              <a:spcPct val="35000"/>
-            </a:spcAft>
-            <a:buNone/>
-          </a:pPr>
-          <a:r>
-            <a:rPr lang="en-US" sz="1700" b="1" kern="1200" dirty="0"/>
-            <a:t>+</a:t>
-          </a:r>
-          <a:r>
-            <a:rPr lang="en-US" sz="1700" b="0" i="0" kern="1200" dirty="0"/>
-            <a:t> Mobile house unit</a:t>
-          </a:r>
-          <a:endParaRPr lang="en-US" sz="1700" kern="1200" dirty="0"/>
-        </a:p>
-      </dsp:txBody>
-      <dsp:txXfrm>
-        <a:off x="18934" y="7574620"/>
-        <a:ext cx="7399293" cy="349987"/>
-      </dsp:txXfrm>
-    </dsp:sp>
-    <dsp:sp modelId="{BCC7EDBD-C7FA-154B-AED6-3F2E692B4DD9}">
-      <dsp:nvSpPr>
-        <dsp:cNvPr id="0" name=""/>
-        <dsp:cNvSpPr/>
-      </dsp:nvSpPr>
-      <dsp:spPr>
-        <a:xfrm>
-          <a:off x="0" y="7992501"/>
-          <a:ext cx="7437161" cy="387855"/>
-        </a:xfrm>
-        <a:prstGeom prst="roundRect">
-          <a:avLst/>
-        </a:prstGeom>
-        <a:solidFill>
-          <a:srgbClr val="DA460D"/>
-        </a:solidFill>
-        <a:ln w="25400" cap="flat" cmpd="sng" algn="ctr">
-          <a:solidFill>
-            <a:schemeClr val="lt1">
-              <a:hueOff val="0"/>
-              <a:satOff val="0"/>
-              <a:lumOff val="0"/>
-              <a:alphaOff val="0"/>
-            </a:schemeClr>
-          </a:solidFill>
-          <a:prstDash val="solid"/>
-        </a:ln>
-        <a:effectLst/>
-      </dsp:spPr>
-      <dsp:style>
-        <a:lnRef idx="2">
-          <a:scrgbClr r="0" g="0" b="0"/>
-        </a:lnRef>
-        <a:fillRef idx="1">
-          <a:scrgbClr r="0" g="0" b="0"/>
-        </a:fillRef>
-        <a:effectRef idx="0">
-          <a:scrgbClr r="0" g="0" b="0"/>
-        </a:effectRef>
-        <a:fontRef idx="minor">
-          <a:schemeClr val="lt1"/>
-        </a:fontRef>
-      </dsp:style>
-      <dsp:txBody>
-        <a:bodyPr spcFirstLastPara="0" vert="horz" wrap="square" lIns="64770" tIns="64770" rIns="64770" bIns="64770" numCol="1" spcCol="1270" anchor="ctr" anchorCtr="0">
-          <a:noAutofit/>
-        </a:bodyPr>
-        <a:lstStyle/>
-        <a:p>
-          <a:pPr marL="0" lvl="0" indent="0" algn="l" defTabSz="755650">
-            <a:lnSpc>
-              <a:spcPct val="90000"/>
-            </a:lnSpc>
-            <a:spcBef>
-              <a:spcPct val="0"/>
-            </a:spcBef>
-            <a:spcAft>
-              <a:spcPct val="35000"/>
-            </a:spcAft>
-            <a:buNone/>
-          </a:pPr>
-          <a:r>
-            <a:rPr lang="en-US" sz="1700" b="0" kern="1200" dirty="0"/>
-            <a:t>- Less that 100000 people in the area.</a:t>
-          </a:r>
-          <a:endParaRPr lang="en-US" sz="1700" kern="1200" dirty="0"/>
-        </a:p>
-      </dsp:txBody>
-      <dsp:txXfrm>
-        <a:off x="18934" y="8011435"/>
-        <a:ext cx="7399293" cy="349987"/>
-      </dsp:txXfrm>
-    </dsp:sp>
-    <dsp:sp modelId="{68715E1C-1A15-0542-96AA-85976B4E405B}">
-      <dsp:nvSpPr>
-        <dsp:cNvPr id="0" name=""/>
-        <dsp:cNvSpPr/>
-      </dsp:nvSpPr>
-      <dsp:spPr>
-        <a:xfrm>
-          <a:off x="0" y="8429316"/>
-          <a:ext cx="7437161" cy="387855"/>
-        </a:xfrm>
-        <a:prstGeom prst="roundRect">
-          <a:avLst/>
-        </a:prstGeom>
-        <a:solidFill>
-          <a:srgbClr val="DA460D"/>
-        </a:solidFill>
-        <a:ln w="25400" cap="flat" cmpd="sng" algn="ctr">
-          <a:solidFill>
-            <a:schemeClr val="lt1">
-              <a:hueOff val="0"/>
-              <a:satOff val="0"/>
-              <a:lumOff val="0"/>
-              <a:alphaOff val="0"/>
-            </a:schemeClr>
-          </a:solidFill>
-          <a:prstDash val="solid"/>
-        </a:ln>
-        <a:effectLst/>
-      </dsp:spPr>
-      <dsp:style>
-        <a:lnRef idx="2">
-          <a:scrgbClr r="0" g="0" b="0"/>
-        </a:lnRef>
-        <a:fillRef idx="1">
-          <a:scrgbClr r="0" g="0" b="0"/>
-        </a:fillRef>
-        <a:effectRef idx="0">
-          <a:scrgbClr r="0" g="0" b="0"/>
-        </a:effectRef>
-        <a:fontRef idx="minor">
-          <a:schemeClr val="lt1"/>
-        </a:fontRef>
-      </dsp:style>
-      <dsp:txBody>
-        <a:bodyPr spcFirstLastPara="0" vert="horz" wrap="square" lIns="64770" tIns="64770" rIns="64770" bIns="64770" numCol="1" spcCol="1270" anchor="ctr" anchorCtr="0">
-          <a:noAutofit/>
-        </a:bodyPr>
-        <a:lstStyle/>
-        <a:p>
-          <a:pPr marL="0" lvl="0" indent="0" algn="l" defTabSz="755650">
-            <a:lnSpc>
-              <a:spcPct val="90000"/>
-            </a:lnSpc>
-            <a:spcBef>
-              <a:spcPct val="0"/>
-            </a:spcBef>
-            <a:spcAft>
-              <a:spcPct val="35000"/>
-            </a:spcAft>
-            <a:buNone/>
-          </a:pPr>
-          <a:r>
-            <a:rPr lang="en-US" sz="1700" b="0" kern="1200" dirty="0"/>
-            <a:t>- Living in rooming house</a:t>
-          </a:r>
-          <a:endParaRPr lang="en-US" sz="1700" kern="1200" dirty="0"/>
-        </a:p>
-      </dsp:txBody>
-      <dsp:txXfrm>
-        <a:off x="18934" y="8448250"/>
-        <a:ext cx="7399293" cy="349987"/>
+        <a:off x="20047" y="8450802"/>
+        <a:ext cx="7397067" cy="370575"/>
       </dsp:txXfrm>
     </dsp:sp>
   </dsp:spTree>
@@ -5207,7 +5084,7 @@
               <a:pPr>
                 <a:defRPr/>
               </a:pPr>
-              <a:t>3/3/24</a:t>
+              <a:t>4/3/24</a:t>
             </a:fld>
             <a:endParaRPr lang="en-US" dirty="0"/>
           </a:p>
@@ -5559,7 +5436,7 @@
           </a:ln>
           <a:extLst>
             <a:ext uri="{909E8E84-426E-40dd-AFC4-6F175D3DCCD1}">
-              <a14:hiddenFill xmlns:a14="http://schemas.microsoft.com/office/drawing/2010/main" xmlns="">
+              <a14:hiddenFill xmlns="" xmlns:a14="http://schemas.microsoft.com/office/drawing/2010/main">
                 <a:solidFill>
                   <a:srgbClr val="FFFFFF"/>
                 </a:solidFill>
@@ -5582,14 +5459,14 @@
           <a:noFill/>
           <a:extLst>
             <a:ext uri="{909E8E84-426E-40dd-AFC4-6F175D3DCCD1}">
-              <a14:hiddenFill xmlns:a14="http://schemas.microsoft.com/office/drawing/2010/main" xmlns="">
+              <a14:hiddenFill xmlns="" xmlns:a14="http://schemas.microsoft.com/office/drawing/2010/main">
                 <a:solidFill>
                   <a:srgbClr val="FFFFFF"/>
                 </a:solidFill>
               </a14:hiddenFill>
             </a:ext>
             <a:ext uri="{91240B29-F687-4f45-9708-019B960494DF}">
-              <a14:hiddenLine xmlns:a14="http://schemas.microsoft.com/office/drawing/2010/main" xmlns="" w="9525">
+              <a14:hiddenLine xmlns="" xmlns:a14="http://schemas.microsoft.com/office/drawing/2010/main" w="9525">
                 <a:solidFill>
                   <a:srgbClr val="000000"/>
                 </a:solidFill>
@@ -5631,14 +5508,14 @@
           <a:noFill/>
           <a:extLst>
             <a:ext uri="{909E8E84-426E-40dd-AFC4-6F175D3DCCD1}">
-              <a14:hiddenFill xmlns:a14="http://schemas.microsoft.com/office/drawing/2010/main" xmlns="">
+              <a14:hiddenFill xmlns="" xmlns:a14="http://schemas.microsoft.com/office/drawing/2010/main">
                 <a:solidFill>
                   <a:srgbClr val="FFFFFF"/>
                 </a:solidFill>
               </a14:hiddenFill>
             </a:ext>
             <a:ext uri="{91240B29-F687-4f45-9708-019B960494DF}">
-              <a14:hiddenLine xmlns:a14="http://schemas.microsoft.com/office/drawing/2010/main" xmlns="" w="9525">
+              <a14:hiddenLine xmlns="" xmlns:a14="http://schemas.microsoft.com/office/drawing/2010/main" w="9525">
                 <a:solidFill>
                   <a:srgbClr val="000000"/>
                 </a:solidFill>
@@ -8463,14 +8340,14 @@
           </a:ln>
           <a:extLst>
             <a:ext uri="{909E8E84-426E-40dd-AFC4-6F175D3DCCD1}">
-              <a14:hiddenFill xmlns:a14="http://schemas.microsoft.com/office/drawing/2010/main" xmlns="">
+              <a14:hiddenFill xmlns="" xmlns:a14="http://schemas.microsoft.com/office/drawing/2010/main">
                 <a:solidFill>
                   <a:srgbClr val="FFFFFF"/>
                 </a:solidFill>
               </a14:hiddenFill>
             </a:ext>
             <a:ext uri="{91240B29-F687-4f45-9708-019B960494DF}">
-              <a14:hiddenLine xmlns:a14="http://schemas.microsoft.com/office/drawing/2010/main" xmlns="" w="9525">
+              <a14:hiddenLine xmlns="" xmlns:a14="http://schemas.microsoft.com/office/drawing/2010/main" w="9525">
                 <a:solidFill>
                   <a:srgbClr val="000000"/>
                 </a:solidFill>
@@ -8521,14 +8398,14 @@
           </a:ln>
           <a:extLst>
             <a:ext uri="{909E8E84-426E-40dd-AFC4-6F175D3DCCD1}">
-              <a14:hiddenFill xmlns:a14="http://schemas.microsoft.com/office/drawing/2010/main" xmlns="">
+              <a14:hiddenFill xmlns="" xmlns:a14="http://schemas.microsoft.com/office/drawing/2010/main">
                 <a:solidFill>
                   <a:srgbClr val="FFFFFF"/>
                 </a:solidFill>
               </a14:hiddenFill>
             </a:ext>
             <a:ext uri="{91240B29-F687-4f45-9708-019B960494DF}">
-              <a14:hiddenLine xmlns:a14="http://schemas.microsoft.com/office/drawing/2010/main" xmlns="" w="9525">
+              <a14:hiddenLine xmlns="" xmlns:a14="http://schemas.microsoft.com/office/drawing/2010/main" w="9525">
                 <a:solidFill>
                   <a:srgbClr val="000000"/>
                 </a:solidFill>
@@ -9170,14 +9047,14 @@
           </a:ln>
           <a:extLst>
             <a:ext uri="{909E8E84-426E-40dd-AFC4-6F175D3DCCD1}">
-              <a14:hiddenFill xmlns:a14="http://schemas.microsoft.com/office/drawing/2010/main" xmlns="">
+              <a14:hiddenFill xmlns="" xmlns:a14="http://schemas.microsoft.com/office/drawing/2010/main">
                 <a:solidFill>
                   <a:srgbClr val="FFFFFF"/>
                 </a:solidFill>
               </a14:hiddenFill>
             </a:ext>
             <a:ext uri="{91240B29-F687-4f45-9708-019B960494DF}">
-              <a14:hiddenLine xmlns:a14="http://schemas.microsoft.com/office/drawing/2010/main" xmlns="" w="9525">
+              <a14:hiddenLine xmlns="" xmlns:a14="http://schemas.microsoft.com/office/drawing/2010/main" w="9525">
                 <a:solidFill>
                   <a:srgbClr val="000000"/>
                 </a:solidFill>
@@ -9232,14 +9109,14 @@
           </a:ln>
           <a:extLst>
             <a:ext uri="{909E8E84-426E-40dd-AFC4-6F175D3DCCD1}">
-              <a14:hiddenFill xmlns:a14="http://schemas.microsoft.com/office/drawing/2010/main" xmlns="">
+              <a14:hiddenFill xmlns="" xmlns:a14="http://schemas.microsoft.com/office/drawing/2010/main">
                 <a:solidFill>
                   <a:srgbClr val="FFFFFF"/>
                 </a:solidFill>
               </a14:hiddenFill>
             </a:ext>
             <a:ext uri="{91240B29-F687-4f45-9708-019B960494DF}">
-              <a14:hiddenLine xmlns:a14="http://schemas.microsoft.com/office/drawing/2010/main" xmlns="" w="9525">
+              <a14:hiddenLine xmlns="" xmlns:a14="http://schemas.microsoft.com/office/drawing/2010/main" w="9525">
                 <a:solidFill>
                   <a:srgbClr val="000000"/>
                 </a:solidFill>
@@ -9379,8 +9256,8 @@
         </p:nvSpPr>
         <p:spPr bwMode="auto">
           <a:xfrm>
-            <a:off x="7801876" y="291625"/>
-            <a:ext cx="13659854" cy="1778000"/>
+            <a:off x="9555937" y="387608"/>
+            <a:ext cx="11883483" cy="1778000"/>
           </a:xfrm>
           <a:prstGeom prst="rect">
             <a:avLst/>
@@ -9393,7 +9270,7 @@
           </a:ln>
           <a:extLst>
             <a:ext uri="{91240B29-F687-4f45-9708-019B960494DF}">
-              <a14:hiddenLine xmlns:a14="http://schemas.microsoft.com/office/drawing/2010/main" xmlns="" w="9525">
+              <a14:hiddenLine xmlns="" xmlns:a14="http://schemas.microsoft.com/office/drawing/2010/main" w="9525">
                 <a:solidFill>
                   <a:srgbClr val="000000"/>
                 </a:solidFill>
@@ -9419,27 +9296,13 @@
               </a:spcBef>
             </a:pPr>
             <a:r>
-              <a:rPr lang="en-US" sz="4200" b="0" dirty="0">
+              <a:rPr lang="en-US" sz="4000" b="0" dirty="0">
                 <a:solidFill>
                   <a:srgbClr val="242424"/>
                 </a:solidFill>
                 <a:cs typeface="Times New Roman" panose="02020603050405020304" pitchFamily="18" charset="0"/>
               </a:rPr>
               <a:t>Have the key factors associated with crimes against Asians and Non-Asians changed in the US before and after COVID?</a:t>
-            </a:r>
-          </a:p>
-          <a:p>
-            <a:pPr defTabSz="1317795">
-              <a:lnSpc>
-                <a:spcPct val="100000"/>
-              </a:lnSpc>
-              <a:spcBef>
-                <a:spcPts val="0"/>
-              </a:spcBef>
-            </a:pPr>
-            <a:r>
-              <a:rPr lang="en-US" sz="2800" b="0" dirty="0"/>
-              <a:t>JITENDRA SAI KOTA, Dr. Sherry Ni (include contact)</a:t>
             </a:r>
           </a:p>
         </p:txBody>
@@ -9466,14 +9329,14 @@
           </a:ln>
           <a:extLst>
             <a:ext uri="{909E8E84-426E-40dd-AFC4-6F175D3DCCD1}">
-              <a14:hiddenFill xmlns:a14="http://schemas.microsoft.com/office/drawing/2010/main" xmlns="">
+              <a14:hiddenFill xmlns="" xmlns:a14="http://schemas.microsoft.com/office/drawing/2010/main">
                 <a:solidFill>
                   <a:srgbClr val="FFFFFF"/>
                 </a:solidFill>
               </a14:hiddenFill>
             </a:ext>
             <a:ext uri="{91240B29-F687-4f45-9708-019B960494DF}">
-              <a14:hiddenLine xmlns:a14="http://schemas.microsoft.com/office/drawing/2010/main" xmlns="" w="9525">
+              <a14:hiddenLine xmlns="" xmlns:a14="http://schemas.microsoft.com/office/drawing/2010/main" w="9525">
                 <a:solidFill>
                   <a:srgbClr val="000000"/>
                 </a:solidFill>
@@ -9625,7 +9488,7 @@
         </p:blipFill>
         <p:spPr bwMode="auto">
           <a:xfrm>
-            <a:off x="304800" y="174503"/>
+            <a:off x="352676" y="614994"/>
             <a:ext cx="3911591" cy="1832340"/>
           </a:xfrm>
           <a:prstGeom prst="rect">
@@ -9683,7 +9546,7 @@
         </p:blipFill>
         <p:spPr>
           <a:xfrm>
-            <a:off x="23043664" y="181794"/>
+            <a:off x="23043664" y="371596"/>
             <a:ext cx="1832340" cy="1832340"/>
           </a:xfrm>
           <a:prstGeom prst="rect">
@@ -9707,8 +9570,8 @@
         </p:nvSpPr>
         <p:spPr bwMode="auto">
           <a:xfrm>
-            <a:off x="339163" y="2511786"/>
-            <a:ext cx="8076398" cy="556828"/>
+            <a:off x="339162" y="2814639"/>
+            <a:ext cx="8076398" cy="527017"/>
           </a:xfrm>
           <a:prstGeom prst="rect">
             <a:avLst/>
@@ -9721,7 +9584,7 @@
           </a:ln>
           <a:extLst>
             <a:ext uri="{91240B29-F687-4f45-9708-019B960494DF}">
-              <a14:hiddenLine xmlns:a14="http://schemas.microsoft.com/office/drawing/2010/main" xmlns="" w="9525">
+              <a14:hiddenLine xmlns="" xmlns:a14="http://schemas.microsoft.com/office/drawing/2010/main" w="9525">
                 <a:solidFill>
                   <a:srgbClr val="000000"/>
                 </a:solidFill>
@@ -9853,7 +9716,7 @@
               </a:lnSpc>
             </a:pPr>
             <a:r>
-              <a:rPr lang="en-US" sz="3442" dirty="0"/>
+              <a:rPr lang="en-US" sz="3200" dirty="0"/>
               <a:t>INTRODUCTION</a:t>
             </a:r>
           </a:p>
@@ -9875,8 +9738,8 @@
         </p:nvSpPr>
         <p:spPr bwMode="auto">
           <a:xfrm>
-            <a:off x="369303" y="6030237"/>
-            <a:ext cx="8046257" cy="556828"/>
+            <a:off x="369303" y="6211523"/>
+            <a:ext cx="8046257" cy="527017"/>
           </a:xfrm>
           <a:prstGeom prst="rect">
             <a:avLst/>
@@ -9889,7 +9752,7 @@
           </a:ln>
           <a:extLst>
             <a:ext uri="{91240B29-F687-4f45-9708-019B960494DF}">
-              <a14:hiddenLine xmlns:a14="http://schemas.microsoft.com/office/drawing/2010/main" xmlns="" w="9525">
+              <a14:hiddenLine xmlns="" xmlns:a14="http://schemas.microsoft.com/office/drawing/2010/main" w="9525">
                 <a:solidFill>
                   <a:srgbClr val="000000"/>
                 </a:solidFill>
@@ -10021,7 +9884,7 @@
               </a:lnSpc>
             </a:pPr>
             <a:r>
-              <a:rPr lang="en-US" sz="3442" dirty="0"/>
+              <a:rPr lang="en-US" sz="3200" dirty="0"/>
               <a:t>DATASET</a:t>
             </a:r>
           </a:p>
@@ -10041,8 +9904,8 @@
         </p:nvSpPr>
         <p:spPr>
           <a:xfrm>
-            <a:off x="607383" y="6889304"/>
-            <a:ext cx="7775521" cy="3317639"/>
+            <a:off x="581508" y="6914886"/>
+            <a:ext cx="5175276" cy="3379387"/>
           </a:xfrm>
           <a:prstGeom prst="rect">
             <a:avLst/>
@@ -10055,7 +9918,10 @@
           </a:bodyPr>
           <a:lstStyle/>
           <a:p>
-            <a:pPr algn="l">
+            <a:pPr marL="457200" indent="-457200" algn="l">
+              <a:lnSpc>
+                <a:spcPct val="80000"/>
+              </a:lnSpc>
               <a:buFont typeface="+mj-lt"/>
               <a:buAutoNum type="arabicPeriod"/>
             </a:pPr>
@@ -10067,11 +9933,14 @@
                 <a:effectLst/>
                 <a:cs typeface="Times New Roman" panose="02020603050405020304" pitchFamily="18" charset="0"/>
               </a:rPr>
-              <a:t> Comprehensive crime data.</a:t>
+              <a:t>Comprehensive crime data.</a:t>
             </a:r>
           </a:p>
           <a:p>
-            <a:pPr algn="l">
+            <a:pPr marL="457200" indent="-457200" algn="l">
+              <a:lnSpc>
+                <a:spcPct val="80000"/>
+              </a:lnSpc>
               <a:buFont typeface="+mj-lt"/>
               <a:buAutoNum type="arabicPeriod"/>
             </a:pPr>
@@ -10083,11 +9952,14 @@
                 <a:effectLst/>
                 <a:cs typeface="Times New Roman" panose="02020603050405020304" pitchFamily="18" charset="0"/>
               </a:rPr>
-              <a:t> Includes victim demographics.</a:t>
+              <a:t>Includes victim demographics.</a:t>
             </a:r>
           </a:p>
           <a:p>
-            <a:pPr algn="l">
+            <a:pPr marL="457200" indent="-457200" algn="l">
+              <a:lnSpc>
+                <a:spcPct val="80000"/>
+              </a:lnSpc>
               <a:buFont typeface="+mj-lt"/>
               <a:buAutoNum type="arabicPeriod"/>
             </a:pPr>
@@ -10099,33 +9971,17 @@
                 <a:effectLst/>
                 <a:cs typeface="Times New Roman" panose="02020603050405020304" pitchFamily="18" charset="0"/>
               </a:rPr>
-              <a:t> Dependent variable: incidents per </a:t>
+              <a:t>Dependent variable: incidents per household.</a:t>
             </a:r>
           </a:p>
           <a:p>
-            <a:pPr algn="l"/>
-            <a:r>
-              <a:rPr lang="en-US" sz="2400" b="0" i="0" u="none" strike="noStrike" dirty="0">
-                <a:solidFill>
-                  <a:srgbClr val="0D0D0D"/>
-                </a:solidFill>
-                <a:effectLst/>
-                <a:cs typeface="Times New Roman" panose="02020603050405020304" pitchFamily="18" charset="0"/>
-              </a:rPr>
-              <a:t>household.</a:t>
-            </a:r>
-          </a:p>
-          <a:p>
-            <a:pPr algn="l"/>
-            <a:r>
-              <a:rPr lang="en-US" sz="2400" b="0" dirty="0">
-                <a:solidFill>
-                  <a:srgbClr val="0D0D0D"/>
-                </a:solidFill>
-                <a:cs typeface="Times New Roman" panose="02020603050405020304" pitchFamily="18" charset="0"/>
-              </a:rPr>
-              <a:t>4. </a:t>
-            </a:r>
+            <a:pPr marL="457200" indent="-457200" algn="l">
+              <a:lnSpc>
+                <a:spcPct val="80000"/>
+              </a:lnSpc>
+              <a:buFont typeface="+mj-lt"/>
+              <a:buAutoNum type="arabicPeriod"/>
+            </a:pPr>
             <a:r>
               <a:rPr lang="en-US" sz="2400" b="0" i="0" u="none" strike="noStrike" dirty="0">
                 <a:solidFill>
@@ -10138,16 +9994,13 @@
             </a:r>
           </a:p>
           <a:p>
-            <a:pPr algn="l"/>
-            <a:r>
-              <a:rPr lang="en-US" sz="2400" b="0" dirty="0">
-                <a:solidFill>
-                  <a:srgbClr val="0D0D0D"/>
-                </a:solidFill>
-                <a:cs typeface="Times New Roman" panose="02020603050405020304" pitchFamily="18" charset="0"/>
-              </a:rPr>
-              <a:t>5. </a:t>
-            </a:r>
+            <a:pPr marL="457200" indent="-457200" algn="l">
+              <a:lnSpc>
+                <a:spcPct val="80000"/>
+              </a:lnSpc>
+              <a:buFont typeface="+mj-lt"/>
+              <a:buAutoNum type="arabicPeriod"/>
+            </a:pPr>
             <a:r>
               <a:rPr lang="en-US" sz="2400" b="0" i="0" u="none" strike="noStrike" dirty="0">
                 <a:solidFill>
@@ -10160,16 +10013,13 @@
             </a:r>
           </a:p>
           <a:p>
-            <a:pPr algn="l"/>
-            <a:r>
-              <a:rPr lang="en-US" sz="2400" b="0" dirty="0">
-                <a:solidFill>
-                  <a:srgbClr val="0D0D0D"/>
-                </a:solidFill>
-                <a:cs typeface="Times New Roman" panose="02020603050405020304" pitchFamily="18" charset="0"/>
-              </a:rPr>
-              <a:t>6. </a:t>
-            </a:r>
+            <a:pPr marL="457200" indent="-457200" algn="l">
+              <a:lnSpc>
+                <a:spcPct val="80000"/>
+              </a:lnSpc>
+              <a:buFont typeface="+mj-lt"/>
+              <a:buAutoNum type="arabicPeriod"/>
+            </a:pPr>
             <a:r>
               <a:rPr lang="en-US" sz="2400" b="0" i="0" u="none" strike="noStrike" dirty="0">
                 <a:solidFill>
@@ -10178,20 +10028,7 @@
                 <a:effectLst/>
                 <a:cs typeface="Times New Roman" panose="02020603050405020304" pitchFamily="18" charset="0"/>
               </a:rPr>
-              <a:t>Enhances understanding of crime</a:t>
-            </a:r>
-          </a:p>
-          <a:p>
-            <a:pPr algn="l"/>
-            <a:r>
-              <a:rPr lang="en-US" sz="2400" b="0" i="0" u="none" strike="noStrike" dirty="0">
-                <a:solidFill>
-                  <a:srgbClr val="0D0D0D"/>
-                </a:solidFill>
-                <a:effectLst/>
-                <a:cs typeface="Times New Roman" panose="02020603050405020304" pitchFamily="18" charset="0"/>
-              </a:rPr>
-              <a:t> dynamics.</a:t>
+              <a:t>Enhances understanding of crime dynamics.</a:t>
             </a:r>
           </a:p>
         </p:txBody>
@@ -10212,8 +10049,8 @@
         </p:nvSpPr>
         <p:spPr bwMode="auto">
           <a:xfrm>
-            <a:off x="369304" y="10288990"/>
-            <a:ext cx="8046256" cy="556828"/>
+            <a:off x="369304" y="10470451"/>
+            <a:ext cx="8046256" cy="527017"/>
           </a:xfrm>
           <a:prstGeom prst="rect">
             <a:avLst/>
@@ -10226,7 +10063,7 @@
           </a:ln>
           <a:extLst>
             <a:ext uri="{91240B29-F687-4f45-9708-019B960494DF}">
-              <a14:hiddenLine xmlns:a14="http://schemas.microsoft.com/office/drawing/2010/main" xmlns="" w="9525">
+              <a14:hiddenLine xmlns="" xmlns:a14="http://schemas.microsoft.com/office/drawing/2010/main" w="9525">
                 <a:solidFill>
                   <a:srgbClr val="000000"/>
                 </a:solidFill>
@@ -10358,7 +10195,7 @@
               </a:lnSpc>
             </a:pPr>
             <a:r>
-              <a:rPr lang="en-US" sz="3442" dirty="0"/>
+              <a:rPr lang="en-US" sz="3200" dirty="0"/>
               <a:t>MOTIVATION</a:t>
             </a:r>
           </a:p>
@@ -10378,8 +10215,8 @@
         </p:nvSpPr>
         <p:spPr>
           <a:xfrm>
-            <a:off x="607383" y="3489551"/>
-            <a:ext cx="7469818" cy="2468176"/>
+            <a:off x="607383" y="3466211"/>
+            <a:ext cx="7469818" cy="2788456"/>
           </a:xfrm>
           <a:prstGeom prst="rect">
             <a:avLst/>
@@ -10392,7 +10229,10 @@
           </a:bodyPr>
           <a:lstStyle/>
           <a:p>
-            <a:pPr algn="l">
+            <a:pPr marL="457200" indent="-457200" algn="l">
+              <a:lnSpc>
+                <a:spcPct val="80000"/>
+              </a:lnSpc>
               <a:buFont typeface="+mj-lt"/>
               <a:buAutoNum type="arabicPeriod"/>
             </a:pPr>
@@ -10408,7 +10248,10 @@
             </a:r>
           </a:p>
           <a:p>
-            <a:pPr algn="l">
+            <a:pPr marL="457200" indent="-457200" algn="l">
+              <a:lnSpc>
+                <a:spcPct val="80000"/>
+              </a:lnSpc>
               <a:buFont typeface="+mj-lt"/>
               <a:buAutoNum type="arabicPeriod"/>
             </a:pPr>
@@ -10424,7 +10267,10 @@
             </a:r>
           </a:p>
           <a:p>
-            <a:pPr algn="l">
+            <a:pPr marL="457200" indent="-457200" algn="l">
+              <a:lnSpc>
+                <a:spcPct val="80000"/>
+              </a:lnSpc>
               <a:buFont typeface="+mj-lt"/>
               <a:buAutoNum type="arabicPeriod"/>
             </a:pPr>
@@ -10440,7 +10286,10 @@
             </a:r>
           </a:p>
           <a:p>
-            <a:pPr algn="l">
+            <a:pPr marL="457200" indent="-457200" algn="l">
+              <a:lnSpc>
+                <a:spcPct val="80000"/>
+              </a:lnSpc>
               <a:buFont typeface="+mj-lt"/>
               <a:buAutoNum type="arabicPeriod"/>
             </a:pPr>
@@ -10456,7 +10305,10 @@
             </a:r>
           </a:p>
           <a:p>
-            <a:pPr algn="l">
+            <a:pPr marL="457200" indent="-457200" algn="l">
+              <a:lnSpc>
+                <a:spcPct val="80000"/>
+              </a:lnSpc>
               <a:buFont typeface="+mj-lt"/>
               <a:buAutoNum type="arabicPeriod"/>
             </a:pPr>
@@ -10472,7 +10324,10 @@
             </a:r>
           </a:p>
           <a:p>
-            <a:pPr algn="l">
+            <a:pPr marL="457200" indent="-457200" algn="l">
+              <a:lnSpc>
+                <a:spcPct val="80000"/>
+              </a:lnSpc>
               <a:buFont typeface="+mj-lt"/>
               <a:buAutoNum type="arabicPeriod"/>
             </a:pPr>
@@ -10484,7 +10339,7 @@
                 <a:effectLst/>
                 <a:cs typeface="Times New Roman" panose="02020603050405020304" pitchFamily="18" charset="0"/>
               </a:rPr>
-              <a:t>Investigating pre and post-pandemic influences.</a:t>
+              <a:t>Investigating pre- and post-pandemic influences.</a:t>
             </a:r>
           </a:p>
         </p:txBody>
@@ -10505,8 +10360,8 @@
         </p:nvSpPr>
         <p:spPr bwMode="auto">
           <a:xfrm>
-            <a:off x="12969472" y="2485591"/>
-            <a:ext cx="8046256" cy="556828"/>
+            <a:off x="12118302" y="2560950"/>
+            <a:ext cx="8046256" cy="527017"/>
           </a:xfrm>
           <a:prstGeom prst="rect">
             <a:avLst/>
@@ -10519,7 +10374,7 @@
           </a:ln>
           <a:extLst>
             <a:ext uri="{91240B29-F687-4f45-9708-019B960494DF}">
-              <a14:hiddenLine xmlns:a14="http://schemas.microsoft.com/office/drawing/2010/main" xmlns="" w="9525">
+              <a14:hiddenLine xmlns="" xmlns:a14="http://schemas.microsoft.com/office/drawing/2010/main" w="9525">
                 <a:solidFill>
                   <a:srgbClr val="000000"/>
                 </a:solidFill>
@@ -10651,7 +10506,7 @@
               </a:lnSpc>
             </a:pPr>
             <a:r>
-              <a:rPr lang="en-US" sz="3442" dirty="0"/>
+              <a:rPr lang="en-US" sz="3200" dirty="0"/>
               <a:t>METHODOLOGY</a:t>
             </a:r>
           </a:p>
@@ -10673,8 +10528,8 @@
         </p:nvSpPr>
         <p:spPr bwMode="auto">
           <a:xfrm>
-            <a:off x="9414037" y="12429522"/>
-            <a:ext cx="8790752" cy="556828"/>
+            <a:off x="9056303" y="12507431"/>
+            <a:ext cx="8790752" cy="527017"/>
           </a:xfrm>
           <a:prstGeom prst="rect">
             <a:avLst/>
@@ -10687,7 +10542,7 @@
           </a:ln>
           <a:extLst>
             <a:ext uri="{91240B29-F687-4f45-9708-019B960494DF}">
-              <a14:hiddenLine xmlns:a14="http://schemas.microsoft.com/office/drawing/2010/main" xmlns="" w="9525">
+              <a14:hiddenLine xmlns="" xmlns:a14="http://schemas.microsoft.com/office/drawing/2010/main" w="9525">
                 <a:solidFill>
                   <a:srgbClr val="000000"/>
                 </a:solidFill>
@@ -10819,7 +10674,7 @@
               </a:lnSpc>
             </a:pPr>
             <a:r>
-              <a:rPr lang="en-US" sz="3442" dirty="0"/>
+              <a:rPr lang="en-US" sz="3200" dirty="0"/>
               <a:t>EXPERIMENTAL ANALYSIS</a:t>
             </a:r>
           </a:p>
@@ -10841,8 +10696,8 @@
         </p:nvSpPr>
         <p:spPr bwMode="auto">
           <a:xfrm>
-            <a:off x="24895192" y="9928529"/>
-            <a:ext cx="7953314" cy="556828"/>
+            <a:off x="24895192" y="9856560"/>
+            <a:ext cx="7953314" cy="527017"/>
           </a:xfrm>
           <a:prstGeom prst="rect">
             <a:avLst/>
@@ -10855,7 +10710,7 @@
           </a:ln>
           <a:extLst>
             <a:ext uri="{91240B29-F687-4f45-9708-019B960494DF}">
-              <a14:hiddenLine xmlns:a14="http://schemas.microsoft.com/office/drawing/2010/main" xmlns="" w="9525">
+              <a14:hiddenLine xmlns="" xmlns:a14="http://schemas.microsoft.com/office/drawing/2010/main" w="9525">
                 <a:solidFill>
                   <a:srgbClr val="000000"/>
                 </a:solidFill>
@@ -10987,8 +10842,8 @@
               </a:lnSpc>
             </a:pPr>
             <a:r>
-              <a:rPr lang="en-US" sz="3442" dirty="0"/>
-              <a:t>DISCUSSION on MODELS</a:t>
+              <a:rPr lang="en-US" sz="3200" dirty="0"/>
+              <a:t>DISCUSSION ON MODELS</a:t>
             </a:r>
           </a:p>
         </p:txBody>
@@ -11009,8 +10864,8 @@
         </p:nvSpPr>
         <p:spPr bwMode="auto">
           <a:xfrm>
-            <a:off x="25047214" y="174503"/>
-            <a:ext cx="7716654" cy="556828"/>
+            <a:off x="25059246" y="382541"/>
+            <a:ext cx="7716654" cy="527017"/>
           </a:xfrm>
           <a:prstGeom prst="rect">
             <a:avLst/>
@@ -11023,7 +10878,7 @@
           </a:ln>
           <a:extLst>
             <a:ext uri="{91240B29-F687-4f45-9708-019B960494DF}">
-              <a14:hiddenLine xmlns:a14="http://schemas.microsoft.com/office/drawing/2010/main" xmlns="" w="9525">
+              <a14:hiddenLine xmlns="" xmlns:a14="http://schemas.microsoft.com/office/drawing/2010/main" w="9525">
                 <a:solidFill>
                   <a:srgbClr val="000000"/>
                 </a:solidFill>
@@ -11155,8 +11010,8 @@
               </a:lnSpc>
             </a:pPr>
             <a:r>
-              <a:rPr lang="en-US" sz="3442" dirty="0"/>
-              <a:t>KEY FACTORS </a:t>
+              <a:rPr lang="en-US" sz="3200" dirty="0"/>
+              <a:t>KEY FACTORS FOR LOW CRIMES</a:t>
             </a:r>
           </a:p>
         </p:txBody>
@@ -11175,8 +11030,8 @@
         </p:nvSpPr>
         <p:spPr>
           <a:xfrm>
-            <a:off x="25128113" y="10662095"/>
-            <a:ext cx="7437161" cy="2523576"/>
+            <a:off x="25111935" y="10675646"/>
+            <a:ext cx="7437161" cy="2419124"/>
           </a:xfrm>
           <a:prstGeom prst="rect">
             <a:avLst/>
@@ -11189,7 +11044,10 @@
           </a:bodyPr>
           <a:lstStyle/>
           <a:p>
-            <a:pPr algn="l">
+            <a:pPr marL="342900" indent="-342900" algn="l">
+              <a:lnSpc>
+                <a:spcPct val="80000"/>
+              </a:lnSpc>
               <a:buFont typeface="Arial" panose="020B0604020202020204" pitchFamily="34" charset="0"/>
               <a:buChar char="•"/>
             </a:pPr>
@@ -11205,7 +11063,10 @@
             </a:r>
           </a:p>
           <a:p>
-            <a:pPr algn="l">
+            <a:pPr marL="342900" indent="-342900" algn="l">
+              <a:lnSpc>
+                <a:spcPct val="80000"/>
+              </a:lnSpc>
               <a:buFont typeface="Arial" panose="020B0604020202020204" pitchFamily="34" charset="0"/>
               <a:buChar char="•"/>
             </a:pPr>
@@ -11221,7 +11082,10 @@
             </a:r>
           </a:p>
           <a:p>
-            <a:pPr algn="l">
+            <a:pPr marL="342900" indent="-342900" algn="l">
+              <a:lnSpc>
+                <a:spcPct val="80000"/>
+              </a:lnSpc>
               <a:buFont typeface="Arial" panose="020B0604020202020204" pitchFamily="34" charset="0"/>
               <a:buChar char="•"/>
             </a:pPr>
@@ -11233,30 +11097,26 @@
                 <a:effectLst/>
                 <a:cs typeface="Times New Roman" panose="02020603050405020304" pitchFamily="18" charset="0"/>
               </a:rPr>
-              <a:t>CNN (20 variables) outperformed RF, XG Boost; NB excelled among 20-variable models.</a:t>
+              <a:t>FCNN outperformed all the algorithms.</a:t>
             </a:r>
           </a:p>
           <a:p>
-            <a:pPr algn="l">
+            <a:pPr marL="342900" indent="-342900" algn="l">
+              <a:lnSpc>
+                <a:spcPct val="80000"/>
+              </a:lnSpc>
               <a:buFont typeface="Arial" panose="020B0604020202020204" pitchFamily="34" charset="0"/>
               <a:buChar char="•"/>
             </a:pPr>
             <a:r>
-              <a:rPr lang="en-US" sz="2400" b="0" i="0" u="none" strike="noStrike" dirty="0">
+              <a:rPr lang="en-US" sz="2400" b="0" dirty="0">
                 <a:solidFill>
                   <a:srgbClr val="0D0D0D"/>
                 </a:solidFill>
-                <a:effectLst/>
                 <a:cs typeface="Times New Roman" panose="02020603050405020304" pitchFamily="18" charset="0"/>
               </a:rPr>
-              <a:t>Comparing CNN (all variables) to NB may be biased.</a:t>
+              <a:t>Negative Binomial showed performance on par with FCNN. </a:t>
             </a:r>
-          </a:p>
-          <a:p>
-            <a:pPr algn="l">
-              <a:buFont typeface="+mj-lt"/>
-              <a:buAutoNum type="arabicPeriod"/>
-            </a:pPr>
             <a:endParaRPr lang="en-US" sz="2400" b="0" i="0" u="none" strike="noStrike" dirty="0">
               <a:solidFill>
                 <a:srgbClr val="0D0D0D"/>
@@ -11283,8 +11143,8 @@
         </p:nvSpPr>
         <p:spPr bwMode="auto">
           <a:xfrm>
-            <a:off x="25047214" y="13310769"/>
-            <a:ext cx="7716654" cy="556828"/>
+            <a:off x="24876004" y="13483343"/>
+            <a:ext cx="7972502" cy="527017"/>
           </a:xfrm>
           <a:prstGeom prst="rect">
             <a:avLst/>
@@ -11297,7 +11157,7 @@
           </a:ln>
           <a:extLst>
             <a:ext uri="{91240B29-F687-4f45-9708-019B960494DF}">
-              <a14:hiddenLine xmlns:a14="http://schemas.microsoft.com/office/drawing/2010/main" xmlns="" w="9525">
+              <a14:hiddenLine xmlns="" xmlns:a14="http://schemas.microsoft.com/office/drawing/2010/main" w="9525">
                 <a:solidFill>
                   <a:srgbClr val="000000"/>
                 </a:solidFill>
@@ -11429,7 +11289,7 @@
               </a:lnSpc>
             </a:pPr>
             <a:r>
-              <a:rPr lang="en-US" sz="3442" dirty="0"/>
+              <a:rPr lang="en-US" sz="3200" dirty="0"/>
               <a:t>CONCLUSION</a:t>
             </a:r>
           </a:p>
@@ -11449,8 +11309,8 @@
         </p:nvSpPr>
         <p:spPr>
           <a:xfrm>
-            <a:off x="25056507" y="14117794"/>
-            <a:ext cx="7437161" cy="2209644"/>
+            <a:off x="25043204" y="14255880"/>
+            <a:ext cx="7437161" cy="1754326"/>
           </a:xfrm>
           <a:prstGeom prst="rect">
             <a:avLst/>
@@ -11463,7 +11323,22 @@
           </a:bodyPr>
           <a:lstStyle/>
           <a:p>
-            <a:pPr algn="l"/>
+            <a:pPr marL="342900" indent="-342900" algn="l">
+              <a:lnSpc>
+                <a:spcPct val="80000"/>
+              </a:lnSpc>
+              <a:buFont typeface="Arial" panose="020B0604020202020204" pitchFamily="34" charset="0"/>
+              <a:buChar char="•"/>
+            </a:pPr>
+            <a:r>
+              <a:rPr lang="en-US" sz="2400" b="0" dirty="0">
+                <a:solidFill>
+                  <a:srgbClr val="0D0D0D"/>
+                </a:solidFill>
+                <a:cs typeface="Times New Roman" panose="02020603050405020304" pitchFamily="18" charset="0"/>
+              </a:rPr>
+              <a:t>T</a:t>
+            </a:r>
             <a:r>
               <a:rPr lang="en-US" sz="2400" b="0" i="0" u="none" strike="noStrike" dirty="0">
                 <a:solidFill>
@@ -11472,40 +11347,25 @@
                 <a:effectLst/>
                 <a:cs typeface="Times New Roman" panose="02020603050405020304" pitchFamily="18" charset="0"/>
               </a:rPr>
-              <a:t>This study shows that irrespective of the dataset size, traditional statistical models can still be applied efficiently to certain problems in a more effective way than the Machine Learning Models. </a:t>
+              <a:t>raditional statistical models can still be more effective and on par with Machine Learning Models. </a:t>
             </a:r>
           </a:p>
           <a:p>
-            <a:pPr algn="l"/>
+            <a:pPr marL="342900" indent="-342900" algn="l">
+              <a:lnSpc>
+                <a:spcPct val="80000"/>
+              </a:lnSpc>
+              <a:buFont typeface="Arial" panose="020B0604020202020204" pitchFamily="34" charset="0"/>
+              <a:buChar char="•"/>
+            </a:pPr>
             <a:r>
-              <a:rPr lang="en-US" sz="2400" b="0" i="0" u="none" strike="noStrike" dirty="0">
+              <a:rPr lang="en-US" sz="2400" b="0" dirty="0">
                 <a:solidFill>
                   <a:srgbClr val="0D0D0D"/>
                 </a:solidFill>
-                <a:effectLst/>
                 <a:cs typeface="Times New Roman" panose="02020603050405020304" pitchFamily="18" charset="0"/>
               </a:rPr>
-              <a:t>Also, they make for better </a:t>
-            </a:r>
-            <a:r>
-              <a:rPr lang="en-US" sz="2400" b="0" i="0" u="none" strike="noStrike" dirty="0" err="1">
-                <a:solidFill>
-                  <a:srgbClr val="0D0D0D"/>
-                </a:solidFill>
-                <a:effectLst/>
-                <a:cs typeface="Times New Roman" panose="02020603050405020304" pitchFamily="18" charset="0"/>
-              </a:rPr>
-              <a:t>explainability</a:t>
-            </a:r>
-            <a:r>
-              <a:rPr lang="en-US" sz="2400" b="0" i="0" u="none" strike="noStrike" dirty="0">
-                <a:solidFill>
-                  <a:srgbClr val="0D0D0D"/>
-                </a:solidFill>
-                <a:effectLst/>
-                <a:cs typeface="Times New Roman" panose="02020603050405020304" pitchFamily="18" charset="0"/>
-              </a:rPr>
-              <a:t>, because with SHAP values, one can only talk about the negative and positive impacts, but quantifying them with respect to the actual values is much harder.</a:t>
+              <a:t>Statistical models can also provide greater clarity in their explanations, compared to Machine Learning models.</a:t>
             </a:r>
           </a:p>
         </p:txBody>
@@ -11523,13 +11383,13 @@
           <p:nvPr>
             <p:extLst>
               <p:ext uri="{D42A27DB-BD31-4B8C-83A1-F6EECF244321}">
-                <p14:modId xmlns:p14="http://schemas.microsoft.com/office/powerpoint/2010/main" val="838093650"/>
+                <p14:modId xmlns:p14="http://schemas.microsoft.com/office/powerpoint/2010/main" val="3098508596"/>
               </p:ext>
             </p:extLst>
           </p:nvPr>
         </p:nvGraphicFramePr>
         <p:xfrm>
-          <a:off x="25131539" y="856429"/>
+          <a:off x="25129238" y="909558"/>
           <a:ext cx="7437161" cy="8947002"/>
         </p:xfrm>
         <a:graphic>
@@ -11566,7 +11426,7 @@
         </p:blipFill>
         <p:spPr>
           <a:xfrm>
-            <a:off x="505480" y="10942325"/>
+            <a:off x="472129" y="11116140"/>
             <a:ext cx="8046256" cy="5197429"/>
           </a:xfrm>
           <a:prstGeom prst="rect">
@@ -11672,8 +11532,8 @@
         </p:blipFill>
         <p:spPr>
           <a:xfrm>
-            <a:off x="5947714" y="6823799"/>
-            <a:ext cx="2286000" cy="1200150"/>
+            <a:off x="5914758" y="7042295"/>
+            <a:ext cx="2281646" cy="1197864"/>
           </a:xfrm>
           <a:prstGeom prst="rect">
             <a:avLst/>
@@ -11708,8 +11568,8 @@
         </p:blipFill>
         <p:spPr>
           <a:xfrm>
-            <a:off x="5939693" y="8277439"/>
-            <a:ext cx="2259999" cy="1271249"/>
+            <a:off x="5914758" y="8592768"/>
+            <a:ext cx="2323461" cy="1271249"/>
           </a:xfrm>
           <a:prstGeom prst="rect">
             <a:avLst/>
@@ -12532,14 +12392,14 @@
           <p:nvPr>
             <p:extLst>
               <p:ext uri="{D42A27DB-BD31-4B8C-83A1-F6EECF244321}">
-                <p14:modId xmlns:p14="http://schemas.microsoft.com/office/powerpoint/2010/main" val="4183197306"/>
+                <p14:modId xmlns:p14="http://schemas.microsoft.com/office/powerpoint/2010/main" val="2202823504"/>
               </p:ext>
             </p:extLst>
           </p:nvPr>
         </p:nvGraphicFramePr>
         <p:xfrm>
-          <a:off x="8698568" y="13113174"/>
-          <a:ext cx="9506222" cy="3021336"/>
+          <a:off x="9056303" y="13074946"/>
+          <a:ext cx="8743625" cy="3238623"/>
         </p:xfrm>
         <a:graphic>
           <a:graphicData uri="http://schemas.openxmlformats.org/drawingml/2006/table">
@@ -12548,49 +12408,42 @@
                 <a:tableStyleId>{5C22544A-7EE6-4342-B048-85BDC9FD1C3A}</a:tableStyleId>
               </a:tblPr>
               <a:tblGrid>
-                <a:gridCol w="1244442">
+                <a:gridCol w="1670231">
                   <a:extLst>
                     <a:ext uri="{9D8B030D-6E8A-4147-A177-3AD203B41FA5}">
                       <a16:colId xmlns:a16="http://schemas.microsoft.com/office/drawing/2014/main" val="72178656"/>
                     </a:ext>
                   </a:extLst>
                 </a:gridCol>
-                <a:gridCol w="1049942">
+                <a:gridCol w="1409183">
                   <a:extLst>
                     <a:ext uri="{9D8B030D-6E8A-4147-A177-3AD203B41FA5}">
                       <a16:colId xmlns:a16="http://schemas.microsoft.com/office/drawing/2014/main" val="67332605"/>
                     </a:ext>
                   </a:extLst>
                 </a:gridCol>
-                <a:gridCol w="1596940">
+                <a:gridCol w="1485167">
                   <a:extLst>
                     <a:ext uri="{9D8B030D-6E8A-4147-A177-3AD203B41FA5}">
                       <a16:colId xmlns:a16="http://schemas.microsoft.com/office/drawing/2014/main" val="3472427203"/>
                     </a:ext>
                   </a:extLst>
                 </a:gridCol>
-                <a:gridCol w="925124">
-                  <a:extLst>
-                    <a:ext uri="{9D8B030D-6E8A-4147-A177-3AD203B41FA5}">
-                      <a16:colId xmlns:a16="http://schemas.microsoft.com/office/drawing/2014/main" val="4123543166"/>
-                    </a:ext>
-                  </a:extLst>
-                </a:gridCol>
-                <a:gridCol w="1150286">
+                <a:gridCol w="1074497">
                   <a:extLst>
                     <a:ext uri="{9D8B030D-6E8A-4147-A177-3AD203B41FA5}">
                       <a16:colId xmlns:a16="http://schemas.microsoft.com/office/drawing/2014/main" val="1253525035"/>
                     </a:ext>
                   </a:extLst>
                 </a:gridCol>
-                <a:gridCol w="1449214">
+                <a:gridCol w="1258792">
                   <a:extLst>
                     <a:ext uri="{9D8B030D-6E8A-4147-A177-3AD203B41FA5}">
                       <a16:colId xmlns:a16="http://schemas.microsoft.com/office/drawing/2014/main" val="2040297557"/>
                     </a:ext>
                   </a:extLst>
                 </a:gridCol>
-                <a:gridCol w="2090274">
+                <a:gridCol w="1845755">
                   <a:extLst>
                     <a:ext uri="{9D8B030D-6E8A-4147-A177-3AD203B41FA5}">
                       <a16:colId xmlns:a16="http://schemas.microsoft.com/office/drawing/2014/main" val="2877183553"/>
@@ -12598,7 +12451,7 @@
                   </a:extLst>
                 </a:gridCol>
               </a:tblGrid>
-              <a:tr h="739996">
+              <a:tr h="793215">
                 <a:tc>
                   <a:txBody>
                     <a:bodyPr/>
@@ -12696,7 +12549,7 @@
                         <a:rPr lang="en-US" sz="1200" b="1" u="none" strike="noStrike" dirty="0">
                           <a:effectLst/>
                         </a:rPr>
-                        <a:t>CNN</a:t>
+                        <a:t>FCNN</a:t>
                       </a:r>
                     </a:p>
                     <a:p>
@@ -12705,39 +12558,7 @@
                         <a:rPr lang="en-US" sz="1200" b="1" u="none" strike="noStrike" dirty="0">
                           <a:effectLst/>
                         </a:rPr>
-                        <a:t>(MSE,MAE)</a:t>
-                      </a:r>
-                      <a:endParaRPr lang="en-US" sz="1200" b="1" i="0" u="none" strike="noStrike" dirty="0">
-                        <a:solidFill>
-                          <a:srgbClr val="000000"/>
-                        </a:solidFill>
-                        <a:effectLst/>
-                        <a:latin typeface="Aptos Narrow" panose="020B0004020202020204" pitchFamily="34" charset="0"/>
-                      </a:endParaRPr>
-                    </a:p>
-                  </a:txBody>
-                  <a:tcPr marL="9525" marR="9525" marT="9525" marB="0" anchor="b"/>
-                </a:tc>
-                <a:tc>
-                  <a:txBody>
-                    <a:bodyPr/>
-                    <a:lstStyle/>
-                    <a:p>
-                      <a:pPr algn="l" fontAlgn="b"/>
-                      <a:r>
-                        <a:rPr lang="en-US" sz="1200" b="1" u="none" strike="noStrike" dirty="0">
-                          <a:effectLst/>
-                        </a:rPr>
-                        <a:t>CNN</a:t>
-                      </a:r>
-                    </a:p>
-                    <a:p>
-                      <a:pPr algn="l" fontAlgn="b"/>
-                      <a:r>
-                        <a:rPr lang="en-US" sz="1200" b="1" u="none" strike="noStrike" dirty="0">
-                          <a:effectLst/>
-                        </a:rPr>
-                        <a:t>(MSE,MAE)(20) </a:t>
+                        <a:t>(MSE,MAE) </a:t>
                       </a:r>
                       <a:endParaRPr lang="en-US" sz="1200" b="1" i="0" u="none" strike="noStrike" dirty="0">
                         <a:solidFill>
@@ -12820,7 +12641,7 @@
                   </a:ext>
                 </a:extLst>
               </a:tr>
-              <a:tr h="739996">
+              <a:tr h="793215">
                 <a:tc>
                   <a:txBody>
                     <a:bodyPr/>
@@ -12851,10 +12672,88 @@
                     <a:p>
                       <a:pPr algn="l" fontAlgn="b"/>
                       <a:r>
+                        <a:rPr lang="en-US" sz="1200" b="0" i="0" u="none" strike="noStrike" dirty="0">
+                          <a:solidFill>
+                            <a:srgbClr val="000000"/>
+                          </a:solidFill>
+                          <a:effectLst/>
+                          <a:latin typeface="Aptos Narrow" panose="020B0004020202020204" pitchFamily="34" charset="0"/>
+                        </a:rPr>
+                        <a:t>0.119, 0.137</a:t>
+                      </a:r>
+                    </a:p>
+                  </a:txBody>
+                  <a:tcPr marL="9525" marR="9525" marT="9525" marB="0" anchor="b"/>
+                </a:tc>
+                <a:tc>
+                  <a:txBody>
+                    <a:bodyPr/>
+                    <a:lstStyle/>
+                    <a:p>
+                      <a:pPr algn="l" fontAlgn="b"/>
+                      <a:r>
+                        <a:rPr lang="en-US" sz="1200" u="none" strike="noStrike" dirty="0">
+                          <a:effectLst/>
+                          <a:highlight>
+                            <a:srgbClr val="F5CC2E"/>
+                          </a:highlight>
+                        </a:rPr>
+                        <a:t>0.104, 0.118</a:t>
+                      </a:r>
+                      <a:endParaRPr lang="en-US" sz="1200" b="0" i="0" u="none" strike="noStrike" dirty="0">
+                        <a:solidFill>
+                          <a:srgbClr val="000000"/>
+                        </a:solidFill>
+                        <a:effectLst/>
+                        <a:highlight>
+                          <a:srgbClr val="F5CC2E"/>
+                        </a:highlight>
+                        <a:latin typeface="Aptos Narrow" panose="020B0004020202020204" pitchFamily="34" charset="0"/>
+                      </a:endParaRPr>
+                    </a:p>
+                  </a:txBody>
+                  <a:tcPr marL="9525" marR="9525" marT="9525" marB="0" anchor="b"/>
+                </a:tc>
+                <a:tc>
+                  <a:txBody>
+                    <a:bodyPr/>
+                    <a:lstStyle/>
+                    <a:p>
+                      <a:pPr algn="l" fontAlgn="b"/>
+                      <a:r>
+                        <a:rPr lang="en-US" sz="1200" u="none" strike="noStrike" dirty="0">
+                          <a:effectLst/>
+                          <a:highlight>
+                            <a:srgbClr val="F5CC2E"/>
+                          </a:highlight>
+                        </a:rPr>
+                        <a:t>0.100, 0.116</a:t>
+                      </a:r>
+                      <a:endParaRPr lang="en-US" sz="1200" b="0" i="0" u="none" strike="noStrike" dirty="0">
+                        <a:solidFill>
+                          <a:srgbClr val="000000"/>
+                        </a:solidFill>
+                        <a:effectLst/>
+                        <a:highlight>
+                          <a:srgbClr val="F5CC2E"/>
+                        </a:highlight>
+                        <a:latin typeface="Aptos Narrow" panose="020B0004020202020204" pitchFamily="34" charset="0"/>
+                      </a:endParaRPr>
+                    </a:p>
+                  </a:txBody>
+                  <a:tcPr marL="9525" marR="9525" marT="9525" marB="0" anchor="b"/>
+                </a:tc>
+                <a:tc>
+                  <a:txBody>
+                    <a:bodyPr/>
+                    <a:lstStyle/>
+                    <a:p>
+                      <a:pPr algn="l" fontAlgn="b"/>
+                      <a:r>
                         <a:rPr lang="en-US" sz="1200" u="none" strike="noStrike" dirty="0">
                           <a:effectLst/>
                         </a:rPr>
-                        <a:t>0.232, 0.258</a:t>
+                        <a:t>0.124, 0.127</a:t>
                       </a:r>
                       <a:endParaRPr lang="en-US" sz="1200" b="0" i="0" u="none" strike="noStrike" dirty="0">
                         <a:solidFill>
@@ -12877,99 +12776,7 @@
                         <a:rPr lang="en-US" sz="1200" u="none" strike="noStrike" dirty="0">
                           <a:effectLst/>
                         </a:rPr>
-                        <a:t>0.108, 0.127</a:t>
-                      </a:r>
-                      <a:endParaRPr lang="en-US" sz="1200" b="0" i="0" u="none" strike="noStrike" dirty="0">
-                        <a:solidFill>
-                          <a:srgbClr val="000000"/>
-                        </a:solidFill>
-                        <a:effectLst/>
-                        <a:latin typeface="Aptos Narrow" panose="020B0004020202020204" pitchFamily="34" charset="0"/>
-                      </a:endParaRPr>
-                    </a:p>
-                  </a:txBody>
-                  <a:tcPr marL="9525" marR="9525" marT="9525" marB="0" anchor="b"/>
-                </a:tc>
-                <a:tc>
-                  <a:txBody>
-                    <a:bodyPr/>
-                    <a:lstStyle/>
-                    <a:p>
-                      <a:pPr algn="l" fontAlgn="b"/>
-                      <a:r>
-                        <a:rPr lang="en-US" sz="1200" u="none" strike="noStrike" dirty="0">
-                          <a:effectLst/>
-                        </a:rPr>
-                        <a:t>0.099, 0.115</a:t>
-                      </a:r>
-                      <a:endParaRPr lang="en-US" sz="1200" b="0" i="0" u="none" strike="noStrike" dirty="0">
-                        <a:solidFill>
-                          <a:srgbClr val="000000"/>
-                        </a:solidFill>
-                        <a:effectLst/>
-                        <a:latin typeface="Aptos Narrow" panose="020B0004020202020204" pitchFamily="34" charset="0"/>
-                      </a:endParaRPr>
-                    </a:p>
-                  </a:txBody>
-                  <a:tcPr marL="9525" marR="9525" marT="9525" marB="0" anchor="b"/>
-                </a:tc>
-                <a:tc>
-                  <a:txBody>
-                    <a:bodyPr/>
-                    <a:lstStyle/>
-                    <a:p>
-                      <a:pPr algn="l" fontAlgn="b"/>
-                      <a:r>
-                        <a:rPr lang="en-US" sz="1200" u="none" strike="noStrike" dirty="0">
-                          <a:effectLst/>
-                        </a:rPr>
-                        <a:t>0.108, 0.130</a:t>
-                      </a:r>
-                      <a:endParaRPr lang="en-US" sz="1200" b="0" i="0" u="none" strike="noStrike" dirty="0">
-                        <a:solidFill>
-                          <a:srgbClr val="000000"/>
-                        </a:solidFill>
-                        <a:effectLst/>
-                        <a:latin typeface="Aptos Narrow" panose="020B0004020202020204" pitchFamily="34" charset="0"/>
-                      </a:endParaRPr>
-                    </a:p>
-                  </a:txBody>
-                  <a:tcPr marL="9525" marR="9525" marT="9525" marB="0" anchor="b"/>
-                </a:tc>
-                <a:tc>
-                  <a:txBody>
-                    <a:bodyPr/>
-                    <a:lstStyle/>
-                    <a:p>
-                      <a:pPr algn="l" fontAlgn="b"/>
-                      <a:r>
-                        <a:rPr lang="en-US" sz="1200" u="none" strike="noStrike" dirty="0">
-                          <a:effectLst/>
-                        </a:rPr>
-                        <a:t>0.109, 0.127</a:t>
-                      </a:r>
-                      <a:endParaRPr lang="en-US" sz="1200" b="0" i="0" u="none" strike="noStrike" dirty="0">
-                        <a:solidFill>
-                          <a:srgbClr val="000000"/>
-                        </a:solidFill>
-                        <a:effectLst/>
-                        <a:latin typeface="Aptos Narrow" panose="020B0004020202020204" pitchFamily="34" charset="0"/>
-                      </a:endParaRPr>
-                    </a:p>
-                  </a:txBody>
-                  <a:tcPr marL="9525" marR="9525" marT="9525" marB="0" anchor="b"/>
-                </a:tc>
-                <a:tc>
-                  <a:txBody>
-                    <a:bodyPr/>
-                    <a:lstStyle/>
-                    <a:p>
-                      <a:pPr algn="l" fontAlgn="b"/>
-                      <a:r>
-                        <a:rPr lang="en-US" sz="1200" u="none" strike="noStrike" dirty="0">
-                          <a:effectLst/>
-                        </a:rPr>
-                        <a:t>0.109, 0.127</a:t>
+                        <a:t>0.106, 0.117</a:t>
                       </a:r>
                       <a:endParaRPr lang="en-US" sz="1200" b="0" i="0" u="none" strike="noStrike" dirty="0">
                         <a:solidFill>
@@ -12988,7 +12795,7 @@
                   </a:ext>
                 </a:extLst>
               </a:tr>
-              <a:tr h="400674">
+              <a:tr h="429489">
                 <a:tc>
                   <a:txBody>
                     <a:bodyPr/>
@@ -13022,7 +12829,88 @@
                         <a:rPr lang="en-US" sz="1200" u="none" strike="noStrike" dirty="0">
                           <a:effectLst/>
                         </a:rPr>
-                        <a:t>0.073, 0.104</a:t>
+                        <a:t>0.083, 0.110</a:t>
+                      </a:r>
+                      <a:endParaRPr lang="en-US" sz="1200" b="0" i="0" u="none" strike="noStrike" dirty="0">
+                        <a:solidFill>
+                          <a:srgbClr val="000000"/>
+                        </a:solidFill>
+                        <a:effectLst/>
+                        <a:latin typeface="Aptos Narrow" panose="020B0004020202020204" pitchFamily="34" charset="0"/>
+                      </a:endParaRPr>
+                    </a:p>
+                  </a:txBody>
+                  <a:tcPr marL="9525" marR="9525" marT="9525" marB="0" anchor="b"/>
+                </a:tc>
+                <a:tc>
+                  <a:txBody>
+                    <a:bodyPr/>
+                    <a:lstStyle/>
+                    <a:p>
+                      <a:pPr algn="l" fontAlgn="b"/>
+                      <a:r>
+                        <a:rPr lang="en-US" sz="1200" u="none" strike="noStrike" dirty="0">
+                          <a:effectLst/>
+                          <a:highlight>
+                            <a:srgbClr val="F5CC2E"/>
+                          </a:highlight>
+                        </a:rPr>
+                        <a:t>0.075, 0.097</a:t>
+                      </a:r>
+                      <a:endParaRPr lang="en-US" sz="1200" b="0" i="0" u="none" strike="noStrike" dirty="0">
+                        <a:solidFill>
+                          <a:srgbClr val="000000"/>
+                        </a:solidFill>
+                        <a:effectLst/>
+                        <a:highlight>
+                          <a:srgbClr val="F5CC2E"/>
+                        </a:highlight>
+                        <a:latin typeface="Aptos Narrow" panose="020B0004020202020204" pitchFamily="34" charset="0"/>
+                      </a:endParaRPr>
+                    </a:p>
+                  </a:txBody>
+                  <a:tcPr marL="9525" marR="9525" marT="9525" marB="0" anchor="b"/>
+                </a:tc>
+                <a:tc>
+                  <a:txBody>
+                    <a:bodyPr/>
+                    <a:lstStyle/>
+                    <a:p>
+                      <a:pPr algn="l" fontAlgn="b"/>
+                      <a:r>
+                        <a:rPr lang="en-US" sz="1200" u="none" strike="noStrike" dirty="0">
+                          <a:effectLst/>
+                          <a:highlight>
+                            <a:srgbClr val="F5CC2E"/>
+                          </a:highlight>
+                        </a:rPr>
+                        <a:t>0.072, 0.101</a:t>
+                      </a:r>
+                      <a:endParaRPr lang="en-US" sz="1200" b="0" i="0" u="none" strike="noStrike" dirty="0">
+                        <a:solidFill>
+                          <a:srgbClr val="000000"/>
+                        </a:solidFill>
+                        <a:effectLst/>
+                        <a:highlight>
+                          <a:srgbClr val="F5CC2E"/>
+                        </a:highlight>
+                        <a:latin typeface="Aptos Narrow" panose="020B0004020202020204" pitchFamily="34" charset="0"/>
+                      </a:endParaRPr>
+                    </a:p>
+                  </a:txBody>
+                  <a:tcPr marL="9525" marR="9525" marT="9525" marB="0" anchor="b"/>
+                </a:tc>
+                <a:tc>
+                  <a:txBody>
+                    <a:bodyPr/>
+                    <a:lstStyle/>
+                    <a:p>
+                      <a:pPr algn="l" fontAlgn="b"/>
+                      <a:r>
+                        <a:rPr lang="en-US" sz="1200" u="none" strike="noStrike" dirty="0">
+                          <a:effectLst/>
+                        </a:rPr>
+                        <a:t>0.088 0.108</a:t>
                       </a:r>
                       <a:endParaRPr lang="en-US" sz="1200" b="0" i="0" u="none" strike="noStrike" dirty="0">
                         <a:solidFill>
@@ -13045,99 +12933,7 @@
                         <a:rPr lang="en-US" sz="1200" u="none" strike="noStrike" dirty="0">
                           <a:effectLst/>
                         </a:rPr>
-                        <a:t>0.072, 0.103</a:t>
-                      </a:r>
-                      <a:endParaRPr lang="en-US" sz="1200" b="0" i="0" u="none" strike="noStrike" dirty="0">
-                        <a:solidFill>
-                          <a:srgbClr val="000000"/>
-                        </a:solidFill>
-                        <a:effectLst/>
-                        <a:latin typeface="Aptos Narrow" panose="020B0004020202020204" pitchFamily="34" charset="0"/>
-                      </a:endParaRPr>
-                    </a:p>
-                  </a:txBody>
-                  <a:tcPr marL="9525" marR="9525" marT="9525" marB="0" anchor="b"/>
-                </a:tc>
-                <a:tc>
-                  <a:txBody>
-                    <a:bodyPr/>
-                    <a:lstStyle/>
-                    <a:p>
-                      <a:pPr algn="l" fontAlgn="b"/>
-                      <a:r>
-                        <a:rPr lang="en-US" sz="1200" u="none" strike="noStrike" dirty="0">
-                          <a:effectLst/>
-                        </a:rPr>
-                        <a:t>0.071, 0.109</a:t>
-                      </a:r>
-                      <a:endParaRPr lang="en-US" sz="1200" b="0" i="0" u="none" strike="noStrike" dirty="0">
-                        <a:solidFill>
-                          <a:srgbClr val="000000"/>
-                        </a:solidFill>
-                        <a:effectLst/>
-                        <a:latin typeface="Aptos Narrow" panose="020B0004020202020204" pitchFamily="34" charset="0"/>
-                      </a:endParaRPr>
-                    </a:p>
-                  </a:txBody>
-                  <a:tcPr marL="9525" marR="9525" marT="9525" marB="0" anchor="b"/>
-                </a:tc>
-                <a:tc>
-                  <a:txBody>
-                    <a:bodyPr/>
-                    <a:lstStyle/>
-                    <a:p>
-                      <a:pPr algn="l" fontAlgn="b"/>
-                      <a:r>
-                        <a:rPr lang="en-US" sz="1200" u="none" strike="noStrike" dirty="0">
-                          <a:effectLst/>
-                        </a:rPr>
-                        <a:t>0.131, 0.290</a:t>
-                      </a:r>
-                      <a:endParaRPr lang="en-US" sz="1200" b="0" i="0" u="none" strike="noStrike" dirty="0">
-                        <a:solidFill>
-                          <a:srgbClr val="000000"/>
-                        </a:solidFill>
-                        <a:effectLst/>
-                        <a:latin typeface="Aptos Narrow" panose="020B0004020202020204" pitchFamily="34" charset="0"/>
-                      </a:endParaRPr>
-                    </a:p>
-                  </a:txBody>
-                  <a:tcPr marL="9525" marR="9525" marT="9525" marB="0" anchor="b"/>
-                </a:tc>
-                <a:tc>
-                  <a:txBody>
-                    <a:bodyPr/>
-                    <a:lstStyle/>
-                    <a:p>
-                      <a:pPr algn="l" fontAlgn="b"/>
-                      <a:r>
-                        <a:rPr lang="en-US" sz="1200" u="none" strike="noStrike" dirty="0">
-                          <a:effectLst/>
-                        </a:rPr>
-                        <a:t>0.075, 0.104</a:t>
-                      </a:r>
-                      <a:endParaRPr lang="en-US" sz="1200" b="0" i="0" u="none" strike="noStrike" dirty="0">
-                        <a:solidFill>
-                          <a:srgbClr val="000000"/>
-                        </a:solidFill>
-                        <a:effectLst/>
-                        <a:latin typeface="Aptos Narrow" panose="020B0004020202020204" pitchFamily="34" charset="0"/>
-                      </a:endParaRPr>
-                    </a:p>
-                  </a:txBody>
-                  <a:tcPr marL="9525" marR="9525" marT="9525" marB="0" anchor="b"/>
-                </a:tc>
-                <a:tc>
-                  <a:txBody>
-                    <a:bodyPr/>
-                    <a:lstStyle/>
-                    <a:p>
-                      <a:pPr algn="l" fontAlgn="b"/>
-                      <a:r>
-                        <a:rPr lang="en-US" sz="1200" u="none" strike="noStrike" dirty="0">
-                          <a:effectLst/>
-                        </a:rPr>
-                        <a:t>0.076, 0.104</a:t>
+                        <a:t>0.097, 0.112</a:t>
                       </a:r>
                       <a:endParaRPr lang="en-US" sz="1200" b="0" i="0" u="none" strike="noStrike" dirty="0">
                         <a:solidFill>
@@ -13156,7 +12952,7 @@
                   </a:ext>
                 </a:extLst>
               </a:tr>
-              <a:tr h="739996">
+              <a:tr h="793215">
                 <a:tc>
                   <a:txBody>
                     <a:bodyPr/>
@@ -13190,7 +12986,88 @@
                         <a:rPr lang="en-US" sz="1200" u="none" strike="noStrike" dirty="0">
                           <a:effectLst/>
                         </a:rPr>
-                        <a:t>0.284, 0.312</a:t>
+                        <a:t>0.105, 0.124</a:t>
+                      </a:r>
+                      <a:endParaRPr lang="en-US" sz="1200" b="0" i="0" u="none" strike="noStrike" dirty="0">
+                        <a:solidFill>
+                          <a:srgbClr val="000000"/>
+                        </a:solidFill>
+                        <a:effectLst/>
+                        <a:latin typeface="Aptos Narrow" panose="020B0004020202020204" pitchFamily="34" charset="0"/>
+                      </a:endParaRPr>
+                    </a:p>
+                  </a:txBody>
+                  <a:tcPr marL="9525" marR="9525" marT="9525" marB="0" anchor="b"/>
+                </a:tc>
+                <a:tc>
+                  <a:txBody>
+                    <a:bodyPr/>
+                    <a:lstStyle/>
+                    <a:p>
+                      <a:pPr algn="l" fontAlgn="b"/>
+                      <a:r>
+                        <a:rPr lang="en-US" sz="1200" u="none" strike="noStrike" dirty="0">
+                          <a:effectLst/>
+                          <a:highlight>
+                            <a:srgbClr val="F5CC2E"/>
+                          </a:highlight>
+                        </a:rPr>
+                        <a:t>0.091, 0.103</a:t>
+                      </a:r>
+                      <a:endParaRPr lang="en-US" sz="1200" b="0" i="0" u="none" strike="noStrike" dirty="0">
+                        <a:solidFill>
+                          <a:srgbClr val="000000"/>
+                        </a:solidFill>
+                        <a:effectLst/>
+                        <a:highlight>
+                          <a:srgbClr val="F5CC2E"/>
+                        </a:highlight>
+                        <a:latin typeface="Aptos Narrow" panose="020B0004020202020204" pitchFamily="34" charset="0"/>
+                      </a:endParaRPr>
+                    </a:p>
+                  </a:txBody>
+                  <a:tcPr marL="9525" marR="9525" marT="9525" marB="0" anchor="b"/>
+                </a:tc>
+                <a:tc>
+                  <a:txBody>
+                    <a:bodyPr/>
+                    <a:lstStyle/>
+                    <a:p>
+                      <a:pPr algn="l" fontAlgn="b"/>
+                      <a:r>
+                        <a:rPr lang="en-US" sz="1200" u="none" strike="noStrike" dirty="0">
+                          <a:effectLst/>
+                          <a:highlight>
+                            <a:srgbClr val="F5CC2E"/>
+                          </a:highlight>
+                        </a:rPr>
+                        <a:t>0.088, 0.102</a:t>
+                      </a:r>
+                      <a:endParaRPr lang="en-US" sz="1200" b="0" i="0" u="none" strike="noStrike" dirty="0">
+                        <a:solidFill>
+                          <a:srgbClr val="000000"/>
+                        </a:solidFill>
+                        <a:effectLst/>
+                        <a:highlight>
+                          <a:srgbClr val="F5CC2E"/>
+                        </a:highlight>
+                        <a:latin typeface="Aptos Narrow" panose="020B0004020202020204" pitchFamily="34" charset="0"/>
+                      </a:endParaRPr>
+                    </a:p>
+                  </a:txBody>
+                  <a:tcPr marL="9525" marR="9525" marT="9525" marB="0" anchor="b"/>
+                </a:tc>
+                <a:tc>
+                  <a:txBody>
+                    <a:bodyPr/>
+                    <a:lstStyle/>
+                    <a:p>
+                      <a:pPr algn="l" fontAlgn="b"/>
+                      <a:r>
+                        <a:rPr lang="en-US" sz="1200" u="none" strike="noStrike" dirty="0">
+                          <a:effectLst/>
+                        </a:rPr>
+                        <a:t>0.112, 0.112</a:t>
                       </a:r>
                       <a:endParaRPr lang="en-US" sz="1200" b="0" i="0" u="none" strike="noStrike" dirty="0">
                         <a:solidFill>
@@ -13213,99 +13090,7 @@
                         <a:rPr lang="en-US" sz="1200" u="none" strike="noStrike" dirty="0">
                           <a:effectLst/>
                         </a:rPr>
-                        <a:t>0.097, 0.116</a:t>
-                      </a:r>
-                      <a:endParaRPr lang="en-US" sz="1200" b="0" i="0" u="none" strike="noStrike" dirty="0">
-                        <a:solidFill>
-                          <a:srgbClr val="000000"/>
-                        </a:solidFill>
-                        <a:effectLst/>
-                        <a:latin typeface="Aptos Narrow" panose="020B0004020202020204" pitchFamily="34" charset="0"/>
-                      </a:endParaRPr>
-                    </a:p>
-                  </a:txBody>
-                  <a:tcPr marL="9525" marR="9525" marT="9525" marB="0" anchor="b"/>
-                </a:tc>
-                <a:tc>
-                  <a:txBody>
-                    <a:bodyPr/>
-                    <a:lstStyle/>
-                    <a:p>
-                      <a:pPr algn="l" fontAlgn="b"/>
-                      <a:r>
-                        <a:rPr lang="en-US" sz="1200" u="none" strike="noStrike" dirty="0">
-                          <a:effectLst/>
-                        </a:rPr>
-                        <a:t>0.082, 0.096</a:t>
-                      </a:r>
-                      <a:endParaRPr lang="en-US" sz="1200" b="0" i="0" u="none" strike="noStrike" dirty="0">
-                        <a:solidFill>
-                          <a:srgbClr val="000000"/>
-                        </a:solidFill>
-                        <a:effectLst/>
-                        <a:latin typeface="Aptos Narrow" panose="020B0004020202020204" pitchFamily="34" charset="0"/>
-                      </a:endParaRPr>
-                    </a:p>
-                  </a:txBody>
-                  <a:tcPr marL="9525" marR="9525" marT="9525" marB="0" anchor="b"/>
-                </a:tc>
-                <a:tc>
-                  <a:txBody>
-                    <a:bodyPr/>
-                    <a:lstStyle/>
-                    <a:p>
-                      <a:pPr algn="l" fontAlgn="b"/>
-                      <a:r>
-                        <a:rPr lang="en-US" sz="1200" u="none" strike="noStrike" dirty="0">
-                          <a:effectLst/>
-                        </a:rPr>
-                        <a:t>0.097, 0.121</a:t>
-                      </a:r>
-                      <a:endParaRPr lang="en-US" sz="1200" b="0" i="0" u="none" strike="noStrike" dirty="0">
-                        <a:solidFill>
-                          <a:srgbClr val="000000"/>
-                        </a:solidFill>
-                        <a:effectLst/>
-                        <a:latin typeface="Aptos Narrow" panose="020B0004020202020204" pitchFamily="34" charset="0"/>
-                      </a:endParaRPr>
-                    </a:p>
-                  </a:txBody>
-                  <a:tcPr marL="9525" marR="9525" marT="9525" marB="0" anchor="b"/>
-                </a:tc>
-                <a:tc>
-                  <a:txBody>
-                    <a:bodyPr/>
-                    <a:lstStyle/>
-                    <a:p>
-                      <a:pPr algn="l" fontAlgn="b"/>
-                      <a:r>
-                        <a:rPr lang="en-US" sz="1200" u="none" strike="noStrike" dirty="0">
-                          <a:effectLst/>
-                        </a:rPr>
-                        <a:t>0.098, 0.116</a:t>
-                      </a:r>
-                      <a:endParaRPr lang="en-US" sz="1200" b="0" i="0" u="none" strike="noStrike" dirty="0">
-                        <a:solidFill>
-                          <a:srgbClr val="000000"/>
-                        </a:solidFill>
-                        <a:effectLst/>
-                        <a:latin typeface="Aptos Narrow" panose="020B0004020202020204" pitchFamily="34" charset="0"/>
-                      </a:endParaRPr>
-                    </a:p>
-                  </a:txBody>
-                  <a:tcPr marL="9525" marR="9525" marT="9525" marB="0" anchor="b"/>
-                </a:tc>
-                <a:tc>
-                  <a:txBody>
-                    <a:bodyPr/>
-                    <a:lstStyle/>
-                    <a:p>
-                      <a:pPr algn="l" fontAlgn="b"/>
-                      <a:r>
-                        <a:rPr lang="en-US" sz="1200" u="none" strike="noStrike" dirty="0">
-                          <a:effectLst/>
-                        </a:rPr>
-                        <a:t>0.098, 0.116</a:t>
+                        <a:t>0.092, 0.103</a:t>
                       </a:r>
                       <a:endParaRPr lang="en-US" sz="1200" b="0" i="0" u="none" strike="noStrike" dirty="0">
                         <a:solidFill>
@@ -13324,7 +13109,7 @@
                   </a:ext>
                 </a:extLst>
               </a:tr>
-              <a:tr h="400674">
+              <a:tr h="429489">
                 <a:tc>
                   <a:txBody>
                     <a:bodyPr/>
@@ -13358,7 +13143,7 @@
                         <a:rPr lang="en-US" sz="1200" u="none" strike="noStrike" dirty="0">
                           <a:effectLst/>
                         </a:rPr>
-                        <a:t>0.507, 0.524</a:t>
+                        <a:t>0.082, 0.108</a:t>
                       </a:r>
                       <a:endParaRPr lang="en-US" sz="1200" b="0" i="0" u="none" strike="noStrike" dirty="0">
                         <a:solidFill>
@@ -13380,14 +13165,49 @@
                       <a:r>
                         <a:rPr lang="en-US" sz="1200" u="none" strike="noStrike" dirty="0">
                           <a:effectLst/>
+                          <a:highlight>
+                            <a:srgbClr val="F5CC2E"/>
+                          </a:highlight>
                         </a:rPr>
-                        <a:t>0.078, 0.109</a:t>
+                        <a:t>0.082, 0.102</a:t>
                       </a:r>
                       <a:endParaRPr lang="en-US" sz="1200" b="0" i="0" u="none" strike="noStrike" dirty="0">
                         <a:solidFill>
                           <a:srgbClr val="000000"/>
                         </a:solidFill>
                         <a:effectLst/>
+                        <a:highlight>
+                          <a:srgbClr val="F5CC2E"/>
+                        </a:highlight>
+                        <a:latin typeface="Aptos Narrow" panose="020B0004020202020204" pitchFamily="34" charset="0"/>
+                      </a:endParaRPr>
+                    </a:p>
+                  </a:txBody>
+                  <a:tcPr marL="9525" marR="9525" marT="9525" marB="0" anchor="b"/>
+                </a:tc>
+                <a:tc>
+                  <a:txBody>
+                    <a:bodyPr/>
+                    <a:lstStyle/>
+                    <a:p>
+                      <a:pPr algn="l" fontAlgn="b"/>
+                      <a:r>
+                        <a:rPr lang="en-US" sz="1200" u="none" strike="noStrike" dirty="0">
+                          <a:effectLst/>
+                          <a:highlight>
+                            <a:srgbClr val="F5CC2E"/>
+                          </a:highlight>
+                        </a:rPr>
+                        <a:t>0.078, 0.108</a:t>
+                      </a:r>
+                      <a:endParaRPr lang="en-US" sz="1200" b="0" i="0" u="none" strike="noStrike" dirty="0">
+                        <a:solidFill>
+                          <a:srgbClr val="000000"/>
+                        </a:solidFill>
+                        <a:effectLst/>
+                        <a:highlight>
+                          <a:srgbClr val="F5CC2E"/>
+                        </a:highlight>
                         <a:latin typeface="Aptos Narrow" panose="020B0004020202020204" pitchFamily="34" charset="0"/>
                       </a:endParaRPr>
                     </a:p>
@@ -13404,53 +13224,7 @@
                         <a:rPr lang="en-US" sz="1200" u="none" strike="noStrike" dirty="0">
                           <a:effectLst/>
                         </a:rPr>
-                        <a:t>0.077, 0.119</a:t>
-                      </a:r>
-                      <a:endParaRPr lang="en-US" sz="1200" b="0" i="0" u="none" strike="noStrike" dirty="0">
-                        <a:solidFill>
-                          <a:srgbClr val="000000"/>
-                        </a:solidFill>
-                        <a:effectLst/>
-                        <a:latin typeface="Aptos Narrow" panose="020B0004020202020204" pitchFamily="34" charset="0"/>
-                      </a:endParaRPr>
-                    </a:p>
-                  </a:txBody>
-                  <a:tcPr marL="9525" marR="9525" marT="9525" marB="0" anchor="b"/>
-                </a:tc>
-                <a:tc>
-                  <a:txBody>
-                    <a:bodyPr/>
-                    <a:lstStyle/>
-                    <a:p>
-                      <a:pPr algn="l" fontAlgn="b"/>
-                      <a:r>
-                        <a:rPr lang="en-US" sz="1200" u="none" strike="noStrike" dirty="0">
-                          <a:effectLst/>
-                        </a:rPr>
-                        <a:t>0.217, 0.425</a:t>
-                      </a:r>
-                      <a:endParaRPr lang="en-US" sz="1200" b="0" i="0" u="none" strike="noStrike" dirty="0">
-                        <a:solidFill>
-                          <a:srgbClr val="000000"/>
-                        </a:solidFill>
-                        <a:effectLst/>
-                        <a:latin typeface="Aptos Narrow" panose="020B0004020202020204" pitchFamily="34" charset="0"/>
-                      </a:endParaRPr>
-                    </a:p>
-                  </a:txBody>
-                  <a:tcPr marL="9525" marR="9525" marT="9525" marB="0" anchor="b"/>
-                </a:tc>
-                <a:tc>
-                  <a:txBody>
-                    <a:bodyPr/>
-                    <a:lstStyle/>
-                    <a:p>
-                      <a:pPr algn="l" fontAlgn="b"/>
-                      <a:r>
-                        <a:rPr lang="en-US" sz="1200" u="none" strike="noStrike" dirty="0">
-                          <a:effectLst/>
-                        </a:rPr>
-                        <a:t>0.080, 0.110</a:t>
+                        <a:t>0.087, 0.108</a:t>
                       </a:r>
                       <a:endParaRPr lang="en-US" sz="1200" b="0" i="0" u="none" strike="noStrike" dirty="0">
                         <a:solidFill>
@@ -13498,7 +13272,7 @@
       </p:graphicFrame>
       <p:pic>
         <p:nvPicPr>
-          <p:cNvPr id="55" name="Picture 54" descr="A graph with a line&#10;&#10;Description automatically generated">
+          <p:cNvPr id="55" name="Picture 54">
             <a:extLst>
               <a:ext uri="{FF2B5EF4-FFF2-40B4-BE49-F238E27FC236}">
                 <a16:creationId xmlns:a16="http://schemas.microsoft.com/office/drawing/2014/main" id="{8E5CA570-7460-4E10-84F7-0073251CDAB4}"/>
@@ -13518,14 +13292,13 @@
               </a:ext>
             </a:extLst>
           </a:blip>
-          <a:stretch>
-            <a:fillRect/>
-          </a:stretch>
+          <a:srcRect/>
+          <a:stretch/>
         </p:blipFill>
         <p:spPr>
           <a:xfrm>
-            <a:off x="8409446" y="7944632"/>
-            <a:ext cx="5398479" cy="4318783"/>
+            <a:off x="8192027" y="7932583"/>
+            <a:ext cx="5398478" cy="4318783"/>
           </a:xfrm>
           <a:prstGeom prst="rect">
             <a:avLst/>
@@ -13534,7 +13307,7 @@
       </p:pic>
       <p:pic>
         <p:nvPicPr>
-          <p:cNvPr id="61" name="Picture 60" descr="A graph with a line&#10;&#10;Description automatically generated">
+          <p:cNvPr id="61" name="Picture 60">
             <a:extLst>
               <a:ext uri="{FF2B5EF4-FFF2-40B4-BE49-F238E27FC236}">
                 <a16:creationId xmlns:a16="http://schemas.microsoft.com/office/drawing/2014/main" id="{2CD603FD-F786-15F2-0E16-A4822EA2D5D5}"/>
@@ -13554,13 +13327,12 @@
               </a:ext>
             </a:extLst>
           </a:blip>
-          <a:stretch>
-            <a:fillRect/>
-          </a:stretch>
+          <a:srcRect/>
+          <a:stretch/>
         </p:blipFill>
         <p:spPr>
           <a:xfrm>
-            <a:off x="13359033" y="7935575"/>
+            <a:off x="13193293" y="7984785"/>
             <a:ext cx="5339725" cy="4271780"/>
           </a:xfrm>
           <a:prstGeom prst="rect">
@@ -13584,8 +13356,8 @@
         </p:nvSpPr>
         <p:spPr bwMode="auto">
           <a:xfrm>
-            <a:off x="9335508" y="7593195"/>
-            <a:ext cx="8869281" cy="556833"/>
+            <a:off x="9056303" y="7686098"/>
+            <a:ext cx="8869281" cy="527017"/>
           </a:xfrm>
           <a:prstGeom prst="rect">
             <a:avLst/>
@@ -13598,7 +13370,7 @@
           </a:ln>
           <a:extLst>
             <a:ext uri="{91240B29-F687-4f45-9708-019B960494DF}">
-              <a14:hiddenLine xmlns:a14="http://schemas.microsoft.com/office/drawing/2010/main" xmlns="" w="9525">
+              <a14:hiddenLine xmlns="" xmlns:a14="http://schemas.microsoft.com/office/drawing/2010/main" w="9525">
                 <a:solidFill>
                   <a:srgbClr val="000000"/>
                 </a:solidFill>
@@ -13730,7 +13502,7 @@
               </a:lnSpc>
             </a:pPr>
             <a:r>
-              <a:rPr lang="en-US" sz="3442" dirty="0"/>
+              <a:rPr lang="en-US" sz="3200" dirty="0"/>
               <a:t>VARIANCE PROPORTION GRAPHS</a:t>
             </a:r>
           </a:p>
@@ -13750,7 +13522,7 @@
         </p:nvSpPr>
         <p:spPr>
           <a:xfrm>
-            <a:off x="8669777" y="12116557"/>
+            <a:off x="8668097" y="12028234"/>
             <a:ext cx="5181600" cy="281487"/>
           </a:xfrm>
           <a:prstGeom prst="rect">
@@ -13834,8 +13606,8 @@
         </p:blipFill>
         <p:spPr>
           <a:xfrm>
-            <a:off x="21469328" y="202481"/>
-            <a:ext cx="1550434" cy="1550434"/>
+            <a:off x="8224391" y="743931"/>
+            <a:ext cx="1181977" cy="1313096"/>
           </a:xfrm>
           <a:prstGeom prst="rect">
             <a:avLst/>
@@ -13856,8 +13628,8 @@
         </p:nvSpPr>
         <p:spPr>
           <a:xfrm>
-            <a:off x="21443783" y="1838129"/>
-            <a:ext cx="1698945" cy="605102"/>
+            <a:off x="7903339" y="2163420"/>
+            <a:ext cx="1698945" cy="515398"/>
           </a:xfrm>
           <a:prstGeom prst="rect">
             <a:avLst/>
@@ -13871,7 +13643,13 @@
           <a:lstStyle/>
           <a:p>
             <a:r>
-              <a:rPr lang="en-US" sz="2500" dirty="0"/>
+              <a:rPr lang="en-US" sz="1500" dirty="0"/>
+              <a:t>Jitendra’s</a:t>
+            </a:r>
+          </a:p>
+          <a:p>
+            <a:r>
+              <a:rPr lang="en-US" sz="1500" dirty="0"/>
               <a:t>LinkedIn URL</a:t>
             </a:r>
           </a:p>
@@ -13905,7 +13683,7 @@
         </p:blipFill>
         <p:spPr>
           <a:xfrm>
-            <a:off x="4342292" y="335759"/>
+            <a:off x="4343389" y="382541"/>
             <a:ext cx="1792968" cy="1792968"/>
           </a:xfrm>
           <a:prstGeom prst="rect">
@@ -13986,7 +13764,7 @@
       </p:cxnSp>
       <p:pic>
         <p:nvPicPr>
-          <p:cNvPr id="43" name="Picture 42" descr="A diagram of a program&#10;&#10;Description automatically generated with medium confidence">
+          <p:cNvPr id="43" name="Picture 42">
             <a:extLst>
               <a:ext uri="{FF2B5EF4-FFF2-40B4-BE49-F238E27FC236}">
                 <a16:creationId xmlns:a16="http://schemas.microsoft.com/office/drawing/2014/main" id="{2337C843-F0CB-4A7B-8074-6FE542E936C1}"/>
@@ -14006,57 +13784,19 @@
               </a:ext>
             </a:extLst>
           </a:blip>
-          <a:stretch>
-            <a:fillRect/>
-          </a:stretch>
+          <a:srcRect/>
+          <a:stretch/>
         </p:blipFill>
         <p:spPr>
           <a:xfrm>
             <a:off x="17130690" y="2892046"/>
-            <a:ext cx="6872310" cy="5154233"/>
+            <a:ext cx="6872309" cy="5154232"/>
           </a:xfrm>
           <a:prstGeom prst="rect">
             <a:avLst/>
           </a:prstGeom>
         </p:spPr>
       </p:pic>
-      <p:cxnSp>
-        <p:nvCxnSpPr>
-          <p:cNvPr id="1026" name="Straight Arrow Connector 1025">
-            <a:extLst>
-              <a:ext uri="{FF2B5EF4-FFF2-40B4-BE49-F238E27FC236}">
-                <a16:creationId xmlns:a16="http://schemas.microsoft.com/office/drawing/2014/main" id="{2B609959-2B9D-E972-8911-28B7DC950A15}"/>
-              </a:ext>
-            </a:extLst>
-          </p:cNvPr>
-          <p:cNvCxnSpPr>
-            <a:cxnSpLocks/>
-          </p:cNvCxnSpPr>
-          <p:nvPr/>
-        </p:nvCxnSpPr>
-        <p:spPr bwMode="auto">
-          <a:xfrm>
-            <a:off x="16764871" y="4795288"/>
-            <a:ext cx="3351979" cy="2205353"/>
-          </a:xfrm>
-          <a:prstGeom prst="bentConnector3">
-            <a:avLst>
-              <a:gd name="adj1" fmla="val -426"/>
-            </a:avLst>
-          </a:prstGeom>
-          <a:noFill/>
-          <a:ln w="9525" cap="flat" cmpd="sng" algn="ctr">
-            <a:solidFill>
-              <a:schemeClr val="tx1"/>
-            </a:solidFill>
-            <a:prstDash val="solid"/>
-            <a:round/>
-            <a:headEnd type="none" w="med" len="med"/>
-            <a:tailEnd type="triangle"/>
-          </a:ln>
-          <a:effectLst/>
-        </p:spPr>
-      </p:cxnSp>
       <p:sp>
         <p:nvSpPr>
           <p:cNvPr id="1034" name="Text Box 18">
@@ -14073,8 +13813,8 @@
         </p:nvSpPr>
         <p:spPr bwMode="auto">
           <a:xfrm>
-            <a:off x="18359035" y="7593195"/>
-            <a:ext cx="6428747" cy="980603"/>
+            <a:off x="18359035" y="7623011"/>
+            <a:ext cx="6428747" cy="920971"/>
           </a:xfrm>
           <a:prstGeom prst="rect">
             <a:avLst/>
@@ -14087,7 +13827,7 @@
           </a:ln>
           <a:extLst>
             <a:ext uri="{91240B29-F687-4f45-9708-019B960494DF}">
-              <a14:hiddenLine xmlns:a14="http://schemas.microsoft.com/office/drawing/2010/main" xmlns="" w="9525">
+              <a14:hiddenLine xmlns="" xmlns:a14="http://schemas.microsoft.com/office/drawing/2010/main" w="9525">
                 <a:solidFill>
                   <a:srgbClr val="000000"/>
                 </a:solidFill>
@@ -14219,8 +13959,8 @@
               </a:lnSpc>
             </a:pPr>
             <a:r>
-              <a:rPr lang="en-US" sz="3442" dirty="0"/>
-              <a:t>POST Model Evaluation Web scraping</a:t>
+              <a:rPr lang="en-US" sz="3200" dirty="0"/>
+              <a:t>POST MODEL-EVALUATION WEB SCRAPING</a:t>
             </a:r>
           </a:p>
         </p:txBody>
@@ -14240,7 +13980,7 @@
         <p:spPr>
           <a:xfrm>
             <a:off x="18440860" y="8797422"/>
-            <a:ext cx="6346922" cy="2819041"/>
+            <a:ext cx="6346922" cy="3262240"/>
           </a:xfrm>
           <a:prstGeom prst="rect">
             <a:avLst/>
@@ -14254,6 +13994,9 @@
           <a:lstStyle/>
           <a:p>
             <a:pPr marL="457200" indent="-457200" algn="l">
+              <a:lnSpc>
+                <a:spcPct val="80000"/>
+              </a:lnSpc>
               <a:buFont typeface="Arial" panose="020B0604020202020204" pitchFamily="34" charset="0"/>
               <a:buChar char="•"/>
             </a:pPr>
@@ -14264,6 +14007,9 @@
           </a:p>
           <a:p>
             <a:pPr marL="457200" indent="-457200" algn="l">
+              <a:lnSpc>
+                <a:spcPct val="80000"/>
+              </a:lnSpc>
               <a:buFont typeface="Arial" panose="020B0604020202020204" pitchFamily="34" charset="0"/>
               <a:buChar char="•"/>
             </a:pPr>
@@ -14274,12 +14020,15 @@
           </a:p>
           <a:p>
             <a:pPr marL="457200" indent="-457200" algn="l">
+              <a:lnSpc>
+                <a:spcPct val="80000"/>
+              </a:lnSpc>
               <a:buFont typeface="Arial" panose="020B0604020202020204" pitchFamily="34" charset="0"/>
               <a:buChar char="•"/>
             </a:pPr>
             <a:r>
               <a:rPr lang="en-US" sz="2400" b="0" dirty="0"/>
-              <a:t>Need to create a new Variable description corpus to describe the dummy coded variables.</a:t>
+              <a:t>Need to create a new variable description corpus to describe the dummy coded variables.</a:t>
             </a:r>
           </a:p>
           <a:p>
@@ -14319,14 +14068,203 @@
         </p:blipFill>
         <p:spPr>
           <a:xfrm>
-            <a:off x="18504917" y="10797269"/>
-            <a:ext cx="7036265" cy="5277198"/>
+            <a:off x="18300673" y="10797268"/>
+            <a:ext cx="7240509" cy="5430381"/>
           </a:xfrm>
           <a:prstGeom prst="rect">
             <a:avLst/>
           </a:prstGeom>
         </p:spPr>
       </p:pic>
+      <p:pic>
+        <p:nvPicPr>
+          <p:cNvPr id="5" name="Picture 4" descr="A qr code on a white background&#10;&#10;Description automatically generated">
+            <a:extLst>
+              <a:ext uri="{FF2B5EF4-FFF2-40B4-BE49-F238E27FC236}">
+                <a16:creationId xmlns:a16="http://schemas.microsoft.com/office/drawing/2014/main" id="{BAE7A6D1-7D51-16A6-DF54-79724CD0D77C}"/>
+              </a:ext>
+            </a:extLst>
+          </p:cNvPr>
+          <p:cNvPicPr>
+            <a:picLocks noChangeAspect="1"/>
+          </p:cNvPicPr>
+          <p:nvPr/>
+        </p:nvPicPr>
+        <p:blipFill>
+          <a:blip r:embed="rId20">
+            <a:extLst>
+              <a:ext uri="{28A0092B-C50C-407E-A947-70E740481C1C}">
+                <a14:useLocalDpi xmlns:a14="http://schemas.microsoft.com/office/drawing/2010/main" val="0"/>
+              </a:ext>
+            </a:extLst>
+          </a:blip>
+          <a:stretch>
+            <a:fillRect/>
+          </a:stretch>
+        </p:blipFill>
+        <p:spPr>
+          <a:xfrm>
+            <a:off x="21629374" y="854499"/>
+            <a:ext cx="1179750" cy="1179750"/>
+          </a:xfrm>
+          <a:prstGeom prst="rect">
+            <a:avLst/>
+          </a:prstGeom>
+        </p:spPr>
+      </p:pic>
+      <p:sp>
+        <p:nvSpPr>
+          <p:cNvPr id="8" name="TextBox 7">
+            <a:extLst>
+              <a:ext uri="{FF2B5EF4-FFF2-40B4-BE49-F238E27FC236}">
+                <a16:creationId xmlns:a16="http://schemas.microsoft.com/office/drawing/2014/main" id="{ED294653-2062-B450-CC20-231D15CD4FBA}"/>
+              </a:ext>
+            </a:extLst>
+          </p:cNvPr>
+          <p:cNvSpPr txBox="1"/>
+          <p:nvPr/>
+        </p:nvSpPr>
+        <p:spPr>
+          <a:xfrm>
+            <a:off x="21499707" y="2160969"/>
+            <a:ext cx="1515032" cy="399981"/>
+          </a:xfrm>
+          <a:prstGeom prst="rect">
+            <a:avLst/>
+          </a:prstGeom>
+          <a:noFill/>
+        </p:spPr>
+        <p:txBody>
+          <a:bodyPr wrap="square" rtlCol="0">
+            <a:spAutoFit/>
+          </a:bodyPr>
+          <a:lstStyle/>
+          <a:p>
+            <a:r>
+              <a:rPr lang="en-US" sz="1500" dirty="0"/>
+              <a:t>Poster download</a:t>
+            </a:r>
+          </a:p>
+        </p:txBody>
+      </p:sp>
+      <p:sp>
+        <p:nvSpPr>
+          <p:cNvPr id="4" name="TextBox 3">
+            <a:extLst>
+              <a:ext uri="{FF2B5EF4-FFF2-40B4-BE49-F238E27FC236}">
+                <a16:creationId xmlns:a16="http://schemas.microsoft.com/office/drawing/2014/main" id="{7D2EF003-0CE3-4EAC-9098-1190C95FDFD7}"/>
+              </a:ext>
+            </a:extLst>
+          </p:cNvPr>
+          <p:cNvSpPr txBox="1"/>
+          <p:nvPr/>
+        </p:nvSpPr>
+        <p:spPr>
+          <a:xfrm>
+            <a:off x="4325691" y="2250353"/>
+            <a:ext cx="1748128" cy="515398"/>
+          </a:xfrm>
+          <a:prstGeom prst="rect">
+            <a:avLst/>
+          </a:prstGeom>
+          <a:noFill/>
+        </p:spPr>
+        <p:txBody>
+          <a:bodyPr wrap="square" rtlCol="0">
+            <a:spAutoFit/>
+          </a:bodyPr>
+          <a:lstStyle/>
+          <a:p>
+            <a:r>
+              <a:rPr lang="en-US" sz="1500" dirty="0"/>
+              <a:t>Jitendra Sai Kota</a:t>
+            </a:r>
+          </a:p>
+          <a:p>
+            <a:r>
+              <a:rPr lang="en-US" sz="1500" dirty="0"/>
+              <a:t>(Ph.D. Student)</a:t>
+            </a:r>
+          </a:p>
+        </p:txBody>
+      </p:sp>
+      <p:pic>
+        <p:nvPicPr>
+          <p:cNvPr id="12" name="Picture 11" descr="A person with glasses smiling&#10;&#10;Description automatically generated">
+            <a:extLst>
+              <a:ext uri="{FF2B5EF4-FFF2-40B4-BE49-F238E27FC236}">
+                <a16:creationId xmlns:a16="http://schemas.microsoft.com/office/drawing/2014/main" id="{67D76C48-CC9F-ADB3-E877-EA7F9DCB7DEB}"/>
+              </a:ext>
+            </a:extLst>
+          </p:cNvPr>
+          <p:cNvPicPr>
+            <a:picLocks noChangeAspect="1"/>
+          </p:cNvPicPr>
+          <p:nvPr/>
+        </p:nvPicPr>
+        <p:blipFill>
+          <a:blip r:embed="rId21">
+            <a:extLst>
+              <a:ext uri="{28A0092B-C50C-407E-A947-70E740481C1C}">
+                <a14:useLocalDpi xmlns:a14="http://schemas.microsoft.com/office/drawing/2010/main" val="0"/>
+              </a:ext>
+            </a:extLst>
+          </a:blip>
+          <a:stretch>
+            <a:fillRect/>
+          </a:stretch>
+        </p:blipFill>
+        <p:spPr>
+          <a:xfrm>
+            <a:off x="6159469" y="383285"/>
+            <a:ext cx="1792224" cy="1792224"/>
+          </a:xfrm>
+          <a:prstGeom prst="rect">
+            <a:avLst/>
+          </a:prstGeom>
+        </p:spPr>
+      </p:pic>
+      <p:sp>
+        <p:nvSpPr>
+          <p:cNvPr id="19" name="TextBox 18">
+            <a:extLst>
+              <a:ext uri="{FF2B5EF4-FFF2-40B4-BE49-F238E27FC236}">
+                <a16:creationId xmlns:a16="http://schemas.microsoft.com/office/drawing/2014/main" id="{8D51D035-3426-47A0-CCB7-A5B5E4D5361A}"/>
+              </a:ext>
+            </a:extLst>
+          </p:cNvPr>
+          <p:cNvSpPr txBox="1"/>
+          <p:nvPr/>
+        </p:nvSpPr>
+        <p:spPr>
+          <a:xfrm>
+            <a:off x="6318972" y="2255266"/>
+            <a:ext cx="1515032" cy="515398"/>
+          </a:xfrm>
+          <a:prstGeom prst="rect">
+            <a:avLst/>
+          </a:prstGeom>
+          <a:noFill/>
+        </p:spPr>
+        <p:txBody>
+          <a:bodyPr wrap="square" rtlCol="0">
+            <a:spAutoFit/>
+          </a:bodyPr>
+          <a:lstStyle/>
+          <a:p>
+            <a:r>
+              <a:rPr lang="en-US" sz="1500" dirty="0"/>
+              <a:t>Dr. Sherry Ni</a:t>
+            </a:r>
+          </a:p>
+          <a:p>
+            <a:r>
+              <a:rPr lang="en-US" sz="1500" dirty="0"/>
+              <a:t>(Advisor)</a:t>
+            </a:r>
+          </a:p>
+        </p:txBody>
+      </p:sp>
     </p:spTree>
   </p:cSld>
   <p:clrMapOvr>
